--- a/reference_content/Slides/images_cnn.pptx
+++ b/reference_content/Slides/images_cnn.pptx
@@ -5,18 +5,18 @@
     <p:sldMasterId id="2147483660" r:id="rId1"/>
   </p:sldMasterIdLst>
   <p:sldIdLst>
-    <p:sldId id="285" r:id="rId2"/>
-    <p:sldId id="286" r:id="rId3"/>
-    <p:sldId id="256" r:id="rId4"/>
-    <p:sldId id="277" r:id="rId5"/>
-    <p:sldId id="278" r:id="rId6"/>
-    <p:sldId id="279" r:id="rId7"/>
-    <p:sldId id="280" r:id="rId8"/>
-    <p:sldId id="257" r:id="rId9"/>
-    <p:sldId id="258" r:id="rId10"/>
-    <p:sldId id="259" r:id="rId11"/>
-    <p:sldId id="260" r:id="rId12"/>
-    <p:sldId id="264" r:id="rId13"/>
+    <p:sldId id="256" r:id="rId2"/>
+    <p:sldId id="277" r:id="rId3"/>
+    <p:sldId id="278" r:id="rId4"/>
+    <p:sldId id="279" r:id="rId5"/>
+    <p:sldId id="280" r:id="rId6"/>
+    <p:sldId id="289" r:id="rId7"/>
+    <p:sldId id="257" r:id="rId8"/>
+    <p:sldId id="258" r:id="rId9"/>
+    <p:sldId id="259" r:id="rId10"/>
+    <p:sldId id="260" r:id="rId11"/>
+    <p:sldId id="264" r:id="rId12"/>
+    <p:sldId id="290" r:id="rId13"/>
     <p:sldId id="261" r:id="rId14"/>
     <p:sldId id="262" r:id="rId15"/>
     <p:sldId id="263" r:id="rId16"/>
@@ -26,17 +26,19 @@
     <p:sldId id="269" r:id="rId20"/>
     <p:sldId id="265" r:id="rId21"/>
     <p:sldId id="288" r:id="rId22"/>
-    <p:sldId id="272" r:id="rId23"/>
-    <p:sldId id="282" r:id="rId24"/>
-    <p:sldId id="284" r:id="rId25"/>
-    <p:sldId id="283" r:id="rId26"/>
-    <p:sldId id="274" r:id="rId27"/>
-    <p:sldId id="271" r:id="rId28"/>
-    <p:sldId id="276" r:id="rId29"/>
-    <p:sldId id="273" r:id="rId30"/>
-    <p:sldId id="275" r:id="rId31"/>
-    <p:sldId id="270" r:id="rId32"/>
-    <p:sldId id="287" r:id="rId33"/>
+    <p:sldId id="291" r:id="rId23"/>
+    <p:sldId id="272" r:id="rId24"/>
+    <p:sldId id="282" r:id="rId25"/>
+    <p:sldId id="284" r:id="rId26"/>
+    <p:sldId id="283" r:id="rId27"/>
+    <p:sldId id="292" r:id="rId28"/>
+    <p:sldId id="274" r:id="rId29"/>
+    <p:sldId id="271" r:id="rId30"/>
+    <p:sldId id="276" r:id="rId31"/>
+    <p:sldId id="273" r:id="rId32"/>
+    <p:sldId id="275" r:id="rId33"/>
+    <p:sldId id="270" r:id="rId34"/>
+    <p:sldId id="287" r:id="rId35"/>
   </p:sldIdLst>
   <p:sldSz cx="12192000" cy="6858000"/>
   <p:notesSz cx="6858000" cy="9144000"/>
@@ -285,7 +287,7 @@
   <inkml:trace contextRef="#ctx0" brushRef="#br0" timeOffset="6906">10004 5372 24575,'7'14'0,"-3"-3"0,2 14 0,-5-14 0,3 10 0,-4-15 0,2 22 0,-1-17 0,1 16 0,-2-13 0,0-4 0,0 6 0,0-10 0,0 6 0,0-7 0,0 12 0,0-8 0,0 10 0,0 4 0,0-10 0,0 13 0,0-8 0,2 3 0,-2 10 0,2-10 0,-2-3 0,0-7 0,0-1 0,0-4 0,0 13 0,0-13 0,0 13 0,0-11 0,0 2 0,0-3 0,0 11 0,0-8 0,0 13 0,0 3 0,0-13-1354,0 16 1354,0-23 0,0 7 0,0-6 0,0 10 0,0-6 0,2 10 0,-1-13 0,3 21 0,-2-9 0,1 13 0,-2-16 0,-1-3 0,2-3 0,-1-3 0,1 5 0,-2-4 0,0-2 1354,0 9-1354,2-9 0,-2 5 0,2-1 0,0-5 0,-1 4 0,1-5 0,-2-1 0,2 1 0,-2-1 0,2 3 0,-2 2 0,-2 4 0,2-3 0,-4-1 0,3-1 0,-3-5 0,2 6 0,-1-5 0,0 1 0,-6-7 0,3-1 0,-4-4 0,1-7 0,4 5 0,-6-10 0,6 9 0,-5-9 0,0 7 0,1-2 0,0 2 0,5 6 0,-1-4 0,-3-5 0,2 4 0,-2-4 0,-5-5 0,7 12 0,-7-11 0,11 15 0,-2 1 0,2 1 0,-3 0 0,1 0 0,-3-5 0,2 2 0,-1-3 0,1 5 0,3-3 0,0 3 0,0 1 0,-1-2 0,1 1 0,0-1 0,0 1 0,1-1 0,1 4 0,3 0 0,1 0 0,7 10 0,-5-6 0,8 13 0,-10-11 0,4 6 0,-2 1 0,-3-4 0,5 7 0,-3-2 0,2 2 0,-2-2 0,3 4 0,-5-9 0,1 4 0,2-1 0,-5-6 0,5 7 0,-1-4 0,-2 0 0,5 4 0,-7-5 0,3 0 0,0-3 0,-3-1 0,5-1 0,-6 1 0,4-4 0,-1 2 0,1-2 0,3 0 0,-2 0 0,1 0 0,-1 0 0,-1 2 0,1-1 0,-1 1 0,1 0 0,-1 0 0,1 3 0,-1-1 0,-1 1 0,0-1 0,0 1 0,1-1 0,1-2 0,-3 2 0,0-5 0,0 2 0,7-14 0,-3 10 0,8-15 0,-2 10 0,-2-1 0,2-2 0,-7 6 0,6-5 0,-2 2 0,-1-1 0,0 5 0,-4-2 0,1 3 0,4-6 0,0 0 0,-2 2 0,-1-2 0,-2 5 0,1-3 0,0 2 0,-1-1 0,0 2 0,3-5 0,-4 4 0,7-4 0,-3 3 0,-1 1 0,4-2 0,-3-1 0,0 2 0,2-2 0,-5 5 0,3-3 0,0 1 0,2-2 0,-2 1 0,-1 1 0,-3 3 0,-1 0 0</inkml:trace>
   <inkml:trace contextRef="#ctx0" brushRef="#br0" timeOffset="-180416.73">3076 12032 24575,'-7'7'0,"2"-1"0,-1-3 0,3 1 0,-1-4 0,2 4 0,0-1 0,-4-1 0,-3 2 0,-1-3 0,-1 3 0,-9-2 0,11 1-497,-9 1 497,9-4 0,2 4 0,-4-1 0,2 1 0,-4-1 0,-6 3 0,1-1 0,0 0 0,8-1 0,5-2 497,1-2-497,-1 4 0,-1-1 0,-1 1 0,2 0 0,-3-1 0,3 3 0,-4-1 0,2 2 0,-4 3 0,6-4 0,-7 4 0,0 1 0,4-3 0,-6 7 0,11-12 0,-10 7 0,8-7 0,-8 8 0,6-4 0,-10 4 0,2-2 0,3 0 0,-6 2 0,14-5 0,-12 1 0,10-4 0,-12 1 0,11 1 0,-18 3 0,16-4 0,-10 8 0,4-7 0,2 2 0,-4 3 0,10-8 0,-2 6 0,5-6 0,-1 1 0,-1 1 0,3-2 0,-5 3 0,3-1 0,-2 1 0,1-1 0,1 1 0,1-3 0,1 2 0,-1-1 0,2 3 0,-5 5 0,2 3 0,1-2 0,0 2 0,1-6 0,1 3 0,0-4 0,-2 5 0,3-6 0,-3 5 0,2-5 0,1-1 0,-1 4 0,0-6 0,2 7 0,-2-5 0,2 4 0,0-2 0,0-1 0,0-1 0,0 2 0,0-1 0,0-1 0,0 9 0,0-7 0,0 15 0,0 11 0,0 3-599,0 4 599,0-12 0,0-2-1843,0 1 1843,0 0 0,0 1 0,0 3 0,0 11 0,0 2 0,0-1 0,0-9 0,0 5 0,0-7 0,-3 5-3277,2 10 2990,-2-26 287,3 0 0,-2-11 0,2 14 436,-2-13-436,0 5 0,1 0 0,-1-4 1524,0 2-1524,2 2 0,-4-2 0,3 4 0,-1 1 0,2-8 0,0 8 0,0-10 0,0 19 0,0-15 3276,0 13-2506,0-13-770,0 2 0,0 3 0,0-3 0,0 6 0,3 17 0,0-1-588,0 2 588,-1-5 0,-2-17 0,2 19 0,-1-19 0,1 12 0,0-4 0,-2-6 0,4 3 0,-3-17 0,3 6 0,-2-6 0,1 6 588,1-6-588,-2 5 0,1-4 0,1 6 0,-4-6 0,2 6 0,-2 1 0,0 4 0,0-3 0,-2 4 0,2-11 0,-2 17 0,2-10 0,0 18 0,2-13 0,-2 1 0,4-3 0,-3-11 0,3 12 0,-2-13 0,1 7 0,1-10 0,-4 3 0,8 9 0,-4-3 0,4 5 0,-5-6 0,1-5 0,-2 4 0,1-4 0,5 13 0,-5-9 0,4 8 0,1 2 0,-7-10 0,9 10 0,-3 0 0,0-7 0,2 5 0,-3-5 0,-3-6 0,1 5 0,0-3 0,-3-3 0,5 4 0,-3-5 0,-1 5 0,2-2 0,-1 2 0,1 6 0,-1-5 0,1 4 0,-4-2 0,2-6 0,-2 2 0,0-3 0,0-1 0,0 1 0,0-1 0,0 1 0,0-1 0,0 1 0,0-1 0,6-1 0,-2-1 0,10 2 0,-8-3 0,7 4 0,-6-4 0,8 5 0,-7-5 0,8 5 0,-10-6 0,2 4 0,3-3 0,-3 3 0,3-4 0,5 4 0,-5-3 0,17 3 0,-17-4 0,6 2 0,-11 0 0,20 1 0,-13-1-3277,29 3 2948,-25-1 329,21 2 0,15 2 0,-3 0-1639,-2-2 1,0 1 1059,-9-2 1,4 2 0,2 0 0,2-1 578,-1 1 0,3-1 0,1 1 0,-2-1 0,-3 0-1093,6 3 1,-4-1 0,3 0 999,-10-2 1,4-1 0,0 1 0,1-1 0,-2 1-533,9 2 0,0 0 0,-2 0 1,-7-2 624,2-4 0,-2 0 91,-2 3 0,6 2 0,0-1 0,-4-2-91,-3-2 0,-3-2 0,-2 0 0,5 1 0,-2-1 1340,3 1 0,-4-2-1340,-8-8 0,-21 5 3276,12-4-2544,-5-3-732,-6 5 3276,8-6-559,0 1-2717,-6 3 2388,6-3-2388,-5 5 0,-4 1 0,11-6 0,-2 4 0,-1 0 0,1-1 0,-1 3 0,-6 0 0,7-1 0,-4 2 0,4-1 0,-4-2 0,10 3 0,-3-2 0,0 3 0,17-2 0,-21 4 0,22-4 0,-22 4 0,7-5 0,-9 4 0,-2-3 0,-2-1 0,-5 5 0,-1-3 0,-1 2 0,1 0 0,-4-3 0,4 3 0,-1-2 0,-5-1 0,3 0 0,-7 1 0,6-2 0,0-1 0,0-1 0,4-2 0,-3 5 0,1-4 0,-2-4 0,0 5 0,0-27 0,0 25 0,0-28 0,0 29 0,2-21 0,0 16 0,3-19 0,-2 19 0,4-20 0,1 10-3277,3-9 2398,-3 4 879,1 6-82,-5 3 82,12-25 0,-8 23-1639,0-5 1,-1 1 1052,-1 9 586,-2-8 0,0-1 0,3 1 0,0-11 0,0 0 0,-2 13 0,0-10 0,0-2-918,-4-10 918,0 19 0,1 0 0,-2-21 0,0 16 0,0-1 0,0 11 2918,0-11-2918,0 3 0,0-4 72,0 2-72,0-2 0,0 21 2587,0-18-2587,0 19 0,-2-19 0,-1 18 0,1-17 0,-2 20 543,3-13-543,-1 15 0,2-15 0,0 15-258,0-12 258,-2 14 0,2-12 0,-4 3 0,3-2 0,-3-3 0,4 11 1956,-2-11-1956,0 7 0,1-2 901,-1-11-901,2 11 0,0-8 300,2-1-300,-1 2 0,1 0 0,-2-4 0,0 16 0,2-13 0,0 7 0,1-2 0,1-1 0,-4 10 0,4-7 0,-3 6 0,3-6 0,-2-1 0,3-3 0,-1 7 0,1-6 0,-3 14 0,2-11 0,-3 8 0,3-8 0,-4 7 0,4-9 0,-3 10 0,1-4 0,0 0 0,0 2 0,1 0 0,-1-2 0,2 2 0,-3-1 0,5-2 0,-4 6 0,3-6 0,-3 2 0,2-3 0,-3-1 0,2 1 0,-2 3 0,1-6 0,-2 10 0,0-11 0,2 12 0,-2-12 0,2 7 0,0-4 0,-1 0 0,3 2 0,-4 0 0,2-5 0,-2 7 0,2-1 0,-1-1 0,3 0 0,-2-2 0,3 3 0,-1 0 0,-1 4 0,1-6 0,-2 3 0,1-5 0,1 6 0,-4 0 0,4 2 0,-3 3 0,-1-3 0,-3 2 0,-5-1 0,-14-3 0,-1 3-1067,-11-6 1067,0 4 0,-3 0-3277,-8-5 3198,9 4 0,-8-3 0,-1 0-1014,-1 0 1,-1-1 0,2 1 428,5 1 1,2 1 0,-4-1 43,4 1 0,-3-1 0,-1 0 0,-1 1 1,1-1 619,-1 1 0,1 1 0,-1-1 0,0 1 0,0 0-444,-3-1 0,-1 0 0,1 0 1,-1 0-1,2-1 444,4 1 0,0 0 0,0-1 0,1 1 0,-1 1 0,-1 2 0,0 1 0,0 0 0,1 1 0,5-1-325,-3-2 0,4 1 0,-2 0 325,-8 0 0,-3 2 0,3-1 0,3 1 0,3 0 0,4 1 0,-13-1-122,7 0 1,2 1 121,9 2 993,3-2 0,1-1-993,0 3 0,-3-2 0,0 2 0,13 2 3013,-10 0-3013,-4 0 0,4 0 0,-12 3 3276,21-2-2047,-16 4-1229,13-5 0,-3 2 3276,-6 0 0,13 1-3092,-6-1-184,3 2 0,11-1 0,-11 1 0,13-1 144,-8 3-144,2-1 0,0 0 0,-3 3 0,8-5 0,-4 3 0,2 3 0,2-6 0,-2 7 0,1-3 0,2-1 0,0 2 0,2-6 0,4 3 0,-2-3 0,2 0 0</inkml:trace>
   <inkml:trace contextRef="#ctx0" brushRef="#br0" timeOffset="-170252.73">9161 12448 24575,'-10'5'0,"2"1"0,3-4 0,1 3 0,-1-1 0,3 1 0,-2 11 0,1-8 0,1 8 0,-2-9 0,3-2 0,-3 11 0,4-9 0,-2 12 0,-2 0 0,3-7 0,-3 6 0,2-3 0,1-6 0,-1 6 0,2 1 0,-2-3 0,2 3-519,-2-3 519,2-6 0,0 6 0,0-3 0,0 10 0,0-11 0,0 23 0,0-12 0,0 7 0,0-5 0,-2-14 0,1 11 0,-1-5 0,2 1 0,0 3 0,0-10 0,0 11 0,0-8 0,0 8 0,0-5 0,0-2 519,0 6-519,0-6 0,0 2 0,0 7 0,0-12 0,0 14 0,0 13 0,0-10-3277,0 14 2932,0-21 345,-3 27-1639,2-12 1,-1 3 484,-2-4 1,-1 1 1153,2 6 0,-1-4 0,-1-4-1639,2 5 1,0-1 1180,2-5-391,0 3 1,-1-3 848,2-16 163,-2 15-163,2-13 2975,-2 19-2975,0-14 0,1-3 3276,-1 1-2104,0-7 2104,0 6-2651,-1-1-625,1-2 0,1-6 3151,0 6-3151,-1-8 0,2 8 0,-2 1 0,2-7 0,-2 9 0,0-5 0,1-2 0,-1 8 0,2-7 0,0 3 0,0 1 0,0-11 0,2 8 0,-1-2 0,3 2 0,-4 1 0,4-1 0,-3-5 0,0 1 0,1-7 0,-1 5 0,1-3 0,0 0 0,-2 1 0,4-3 0,-1-1 0,-1 2 0,2-3 0,-1 3 0,-1 0 0,2 3 0,-1 2 0,1 0 0,1 0 0,-1-2 0,1 2 0,-1-2 0,3 2 0,-2-4 0,1 5 0,-1-9 0,5 13 0,2-8 0,0 5 0,11 1 0,-16-8 0,17 10 0,7-7 0,-11 2-3277,28-1 2579,-35-5 698,35 3 0,-12-5 0,0 2 0,4-3 0,-29 0 0,7 0-2555,7-2 2555,-7 1-1582,13-3 1582,-16 4-826,6-4 826,-12 3 2780,15-3-2780,-9 4 0,2-4 0,5 3 0,-13-3 0,10 4 0,-9-2 2623,5 0-2623,-1 1 0,-1-1 2167,6 2-2167,0-2 0,-4 2 0,1-2 0,-9 2 0,10 0 0,-8 0 1368,14 0-1368,-9 0 0,2 0 0,9-2 0,-5-1 0,1 1 0,13-2 0,-21 3 0,25-3 0,-9 4 0,2-2 0,4 2 0,-15 0 0,10 0 0,4 2 0,-9 0 0,9 1 0,-25 1 0,19-2 0,-18 3 0,15-3 0,-17 2 0,15-1 0,-13-1 0,23 4 0,-17-5 0,6 3 0,-5-4 0,-7 2 0,5-1 0,1 1 0,-6-2 0,9 2 0,-13-2 0,12 4 0,-11-3 0,5 3 0,-1-4 0,-5 4 0,10-1 0,-10-1 0,10 2 0,-6-1 0,4-1 0,-5 0 0,1 0 0,-2-1 0,1 1 0,-1-2 0,3 0 0,1 0 0,0 0 0,0 0 0,0 0 0,5 0 0,-4 0 0,5 0 0,-2 0 0,-3 0 0,10 0 0,-5 2 0,12-2 0,-2 2 0,-6-2 0,-2 2 0,-11-1 0,6 1 0,-4-2 0,-2-2 0,2-1 0,0-1 0,-2-1 0,0 3 0,2-2 0,-6 3 0,8-3 0,-6 2 0,2-1 0,0-1 0,-4 2 0,1-1 0,-1-1 0,1 0 0,-3-1 0,3-2 0,-5 3 0,3-3 0,-2 2 0,1-1 0,1 1 0,-4-1 0,2 1 0,-2-2 0,0 3 0,0-1 0,2 1 0,-1-1 0,1 1 0,0-1 0,-2 1 0,4-1 0,-1-3 0,1-1 0,-1-7 0,1 4 0,-4-9 0,6 2 0,-5 2 0,7-11 0,-7 18 0,8-27 0,-2 13 0,0-9 0,0 5 0,-3 8 0,3-13 0,1-2 0,0 5-3277,3-13 2206,-8 30 1071,4-13 0,-2-1 0,-3 6 0,5-24 0,-6 24 0,4-20 0,-4 17 0,2-5 0,-1-1 0,-1-13 0,4 2 0,-3 13 0,0 3 0,2 13 0,0-31 0,2 23 0,-5-4 0,3-6 0,-4 18 0,2-22 0,0-5 0,1 9-2322,1-8 2322,-4 28 1625,4-20-1625,-3 17-1289,3-17 1289,-4 20 0,4-11 0,-3 10-69,3-22 69,-4 7 0,2-3 0,-2-10 0,0 26 2366,2-21-2366,-1 9 0,1 4 0,-2-11 0,0 23 2234,-2-15-2234,1 9 0,-1-2 0,2 1 0,-2 11 0,2-10 0,-4 9 0,3-4 1703,-1 5-1703,2-1 100,-2-3-100,2-1 0,-2 1 0,2-1 0,-2 6 0,-1-6 0,-1 3 0,-1 0 0,1-2 0,1 3 0,-3-1 0,1-2 0,0 2 0,1 1 0,2 3 0,0-1 0,-1 2 0,-1-1 0,4-1 0,-4 2 0,3-3 0,-3 1 0,2-1 0,-3 1 0,3-1 0,-4 1 0,5-1 0,-7 1 0,5-5 0,-6 4 0,6-4 0,-5 5 0,3-5 0,-1 4 0,-1-6 0,3 8 0,-1-3 0,1 2 0,-1-1 0,-1-4 0,1 4 0,-4-5 0,4 6 0,-1-7 0,-1 5 0,0-5 0,2 4 0,-3 1 0,3-3 0,-2 4 0,-3-6 0,6 6 0,-8-1 0,9 1 0,-6 1 0,5-1 0,-9-1 0,1-1 0,-2 2 0,-8-5 0,12 8 0,-17-10 0,-7 2 0,11 0-3277,-14-2 3265,23 10 12,-22-4 0,17 3 0,-13 0 0,-3-1-3277,-5-1 2068,9 3 1,-4 1 1208,1 0 0,-3 0 0,3 0 0,-3 1 0,-1 0 0,-4 0 0,-3 0 0,2 0-1473,-1 0 0,0 0 1473,-1 0 0,-5 0 0,4 0-1304,-2 0 0,-2 0 1304,6 2 0,-5-1 0,-2 1 0,5 0-403,2-2 0,2 1 1,-1-1 402,7 2 0,0-1 0,-2 1 0,-2 0 0,-2 0 0,-4 0 0,-1 1 0,3-1 0,5 0 0,-7-1 0,0 1 0,1 1 0,-8 2 0,2 0 0,6-2-239,0-2 0,6-1 239,6 3 0,2 1 238,-6-4 1,8 0-239,18 2 2346,-12 0-2346,14-1 3276,-4 3-3046,11-2 3046,4 1-1308,1-1 1308,1-4-2933,1 1 1,-3-1-1,0 2 1</inkml:trace>
-  <inkml:trace contextRef="#ctx0" brushRef="#br0" timeOffset="-160043.73">8277 5808 24575,'-2'7'0,"1"-1"0,-1 9 0,4-2 0,1 5 0,3 3 0,-1-8 0,0 4 0,3 12 0,-7-16 0,5 20 0,-6-22 0,0 18 0,0-12-2080,2 11 2080,-1-13 0,1-2-802,-2-4 802,0 5 0,0 0 0,0 5 0,0-5 0,0 35 0,0-27 0,0 3 0,0 3 0,0 3 0,0-2-3131,0 5 3131,0-5 0,0 1 0,0-1 0,0-1 0,0 2 0,0 8 0,0 0 0,0-2 0,0-12 0,0 10 0,0 1 0,0-8 0,0 3 0,0-1 0,0-7 0,0 3 0,0 0 0,0 0-1364,0 1 1,0-2 1363,0-2-1639,2 15 1,0 1 1026,-1-7 612,3 2 0,0 0-280,1-3 280,1 7 0,0 3 693,1 3-693,-2 4 0,0-1 0,0-12 0,-2-2 0,0 6 0,0-2 0,2-4 0,-1 0 0,-1 15 0,-1 5 0,1-8 0,0 3 0,-1-5-572,-1-7 1,-1 1 571,0 4 0,1 3 0,-2 0 0,0-3 0,-1 0 0,-1-5 1034,-2-6 0,0 0-1034,1 6 0,0 7 0,1 0 0,-1-8-987,-2-7 0,0-1 987,0 8 0,-1 4 0,0-3-615,0-2 0,-1-1 615,0 4 0,-1 3 0,-3 5 0,-2 6 0,3-6 0,5-8 0,0-1 0,-6 7 0,-3 4 0,4-7 113,4 5-113,-2-12 0,-2 7 0,-2 1 0,3-5-356,2-3 0,-1 1 356,-1 5 0,-3 7 0,0-1 0,2-7 720,4-7 1,0-1-721,-3 9 0,-2 9 0,0 1 0,2-4 0,3-5 0,2-2 0,-1 3 0,-2-2 0,-1 3 0,0 1 0,2 2 0,2-2 0,1 4 0,0 0 0,1-3 0,0-6-818,-1 6 1,0-1 817,1-5 0,0 7 0,1 2 0,0-3 0,0-10 1787,2 16-1787,1-5 0,1 9 0,0-6-737,0-12 0,0 0 737,0 0 0,0 3 0,0-3 0,1 5 0,-1-5 1730,-1-6-1730,2 1 0,0 4 0,-1 1 0,0-3 0,4 8 0,-4-6 0,0-3 737,1-11-737,1 11 0,1 2 2368,-3-2-2368,3 7 0,2-2 0,-4-14 0,3 13 0,1 4 0,2 1 0,-3-8 0,1 3 0,-2 0 0,-1-3 0,0-2 0,-2 6 0,1 1 0,1-4 0,-2 6 0,0 3 0,1-12 0,0-1 0,1 9 0,-1 3 0,0-2 0,-1 3 0,0-6-1404,4 12 1404,-2-11 0,0 7 0,0-1 0,-1-5 0,1-1 0,-1-1 0,1 3 0,0 1 0,1-3 0,-1 1 0,0-7-173,-4-1 173,7 6 0,1 3 0,-4-14 0,-2 1 0,5 13 0,-1 1 0,-1-7 0,-1-4-627,-2-2 627,4 13 0,-6-26 0,2 28 0,0-24 0,1 29 0,-2-37 757,2 30-757,-2-25 0,2 26 0,-3-25 3276,0 1-2147,2 0-1129,-1-7 0,1 7 0,-2-9 0,2 15 0,-2-9 0,2 10 0,-2 17 0,0-17-2822,3 25 2822,-2-27 0,4 7 0,1 1 0,0 1 0,-1-6 0,2 1 1359,4 18-1359,-5-20 0,2 9 2182,-2-11-2182,-3-14 0,1 10 0,2-7 0,-5-3 0,5 1 0,-5-5 0,7 8 0,-7-5 3276,7 9-2248,-3-1-1028,0-6 0,1 10 0,-2-14 0,5 14 0,-2-10 0,2 10 0,-2-12 0,7 18 0,-7-17 0,12 16 381,-14-16-381,4 1-26,7 11 26,-4-10 0,9 11 0,-11-14 0,2 2 0,-5-4 0,10 9 0,-8-7 0,7 7 0,-8-7 0,11 8 0,-8-7-1765,12 10 1765,-14-12 0,24 24 0,-15-10 0,15 12 0,-5-3 0,2-1 0,-11-10 0,0-1 0,8 8 0,1 2 0,-3-5 0,-2-2 0,1 0 0,13 8 0,-5-4 0,-10-13 1296,2 6-1296,10-3 0,-25-8-615,16 4 615,-18-6 0,12 0 0,-7-1 0,11 1 0,-15-4-58,16 2 58,-10-1 0,6 1 0,8-2 0,-15 0 1830,11 0-1830,-2 0 0,-12 0-695,11 0 695,-12 0 0,12 0 0,-9 0-324,14 0 324,-16 0 0,29 2 0,-19-2-3277,16 4 3105,-8-3-1491,15 8 1663,-7-3 0,1 3 0,-1 1 0,-12 1 493,19-1-493,-12-2 0,-13-5 998,12 4-998,8-3 0,-23-1 2024,34 2-2024,-23-5-2061,13 6 2061,-8-5 0,1 5-60,-11-5 60,25 7 0,-21-6-2256,11 6 2256,-17-8 0,15 5 0,-17-4 0,22 5 1067,-30-5-1067,20 3 0,-14-3 0,10 2 0,2 1 0,0-3 3276,13 4-2740,-4-5-536,-18-2 70,11 2-70,-4-6 0,-9 5 3160,10-6-3160,14 4 0,-6-1-832,9 2 832,-2 3 0,1 1-3277,1 4 2827,-9-2 1,4 0 0,-4 1 449,12 7 0,-13-3 0,8 2 0,2 0 0,-5-1-1639,9 1 1,-1 1 1213,-10-2 0,1 1 1,3 1-1,0 0 425,-1-1 0,3 1 0,0-1 0,-3 1 0,-6-2-1639,4 2 1,-1 0 1625,6 1 0,10 2 1,-3-1-1,-12-4 8,0 0 5,8-1 0,1 0 0,-7-2 0,-8-2 0,-3-1 0,-5-4 0,-8-2 0,0 2 0,0-6 0,-11 3 2066,10-6-2066,-7-4 0,1 3 0,0-7 0,-3 7 0,5-15 0,-4 11 0,14-29 0,-15 27 3165,11-15-3165,-13 23 3276,12-12-1872,-9 14-1404,7-10 717,-9 12-717,5-5 0,-4 1 0,4 0 0,1-1 0,-6 4 0,6-2 0,-9 1 1719,3 5-1719,-4-5 1419,4-4-1419,-3 2 0,3-27 0,-4 17 0,4-12 0,-1-2 0,-1 14 0,2-10 0,-3-7 0,1 12 0,0-15 0,-1 9 0,-1-1-3277,-1-17 1638,1 18 1,-2-2 1597,-5-11 1,-1 1-1599,5 16 1,-1 0 983,-3-9 1,-1-1 654,2-3 0,1 3-2480,1-2 2480,1 12 0,0-1-551,1-11 1,1 3 550,0 4 0,0 0 0,-1-4 0,1 3 0,-1 3 708,2 0-708,-1 0 0,2 1 0,-1 7 0,1-11 0,1-4 0,1 10 0,0-1-104,-2-9 1,-1 0 103,6-5-415,-4 8 0,0-6 0,-1 4 415,-1 10 0,1-2 0,1-17 0,2-8 0,0 0-199,0 6 1,0 0 0,0 2 198,0 9 0,1 2 0,0-3 0,-1-4 0,1-3 0,-1 1 0,-1 6 0,0 5 0,1 1-61,1-7 0,2-8 1,0 0-1,-2 4 61,0-6 0,1-2 0,0 10 0,1-7 0,2-3 0,0-1 0,-1 4 0,-2 6 0,0-1 0,-1 6 0,2-3 0,2-8 0,2-5 0,-1 1 0,-1 9 0,-1 7 0,-1 0 0,4-8 0,3-9 0,0 0 0,-4 4 0,-4 8 0,-3 3 0,3-3 188,2-3 0,4-3 0,-1 0 0,-4 1-188,-5-4 0,-3 1 0,1 3 0,2-6 0,1 2 0,-3 10 0,0-2 0,0-2 0,-2 2 0,0-5 0,-1 0 0,0 2 0,1 7 0,1-2 0,0 1 0,-2-7 0,0-8 0,0 1 0,0 9 603,0 13 1,0 0-604,1-13 0,1-9 0,-1-2 0,0 7-470,-1-1 1,-1 0 469,2 8 0,-1-6 0,1-1 0,-1 2 0,2 7 628,0 0 1,0 1-629,-1-9 0,-1-8 0,0-1 0,0 6 0,1 9 0,0 4 0,0-3 0,0-3 0,1-4 0,-1 0 0,0 0 0,0 1 0,-1-1 0,0 2 0,1 5-473,-1-1 1,0 1 472,0-10 0,-1-6 0,1 10 0,-2-1 0,-1-3 0,0-1 0,2 17 0,1 0 0,-2-6 0,0 1 0,-1 6 0,2 5 0,2 6 0,-7-19 2632,9 19-2632,-5-11 0,0 0 0,3 5-195,-1-6 0,0 3 195,3 13 0,-3-30 0,2 18 0,-2-22 0,4 11 0,1 2 0,-1 3 0,1-10 0,-1-5-230,-9 1 0,-2 2 230,5 13 0,0-2-291,-3-5 1,-4-4 0,-1 2 290,-1 6 0,-2 1 0,1 2 191,0-5 1,-2-1-192,-1 3 0,-1-2 0,2 5 0,-5-12 0,-2 0 0,7 14 0,1 2 0,4 12 0,-12-23 0,12 24 0,-7-15 0,11 21 2121,-5-14-2121,4 11 3276,-5-13-3247,9 17 1738,-6-8-1767,6 7 2638,-6-12-2638,8 13 0,-1-5 2261,2 9-2261,-2-11 0,1 8 0,-1-7 1666,2 3-1666,1 1 0,-1-1 0,-2-13 0,3 15-718,-5-13 718,4 15-298,-5-18 298,2 8 0,-1-7 0,1-4 0,1 19 0,2-14 0,-2 1 0,3 11 0,-3-14 0,4 16 0,-4-8 0,3 4 0,-1-3 707,0-2-707,2 7 0,-2-4 0,-2-6 0,3 14 0,-5-16 0,3 17 0,-5-16 0,4 12 0,-6-11 0,7 12 0,-11-10 0,3 6 309,-2-2-309,-14-10 0,16 17-3277,-22-21 3251,22 21 26,-15-8 0,-1 0 0,0-1 0,2 4 0,-1 0 0,3 0 0,1 2 0,-12-2 0,-10-8 0,16 11 0,2 1 0,5 3 0,-19-7 0,31 10 0,-30-1 0,22 1 0,-9 2 0,-1 0 0,10 1 0,-22 5 0,-5 2 0,18-4 0,0 0 0,-16 5 0,-5 2 0,2-3 0,-2 1 0,5-1-1639,11 0 1,-1 0 1159,-11 2 0,-6 1 1,7-2 478,-2-2 0,11 0 0,-5 0 0,4-1 0,6-3 0,1-1 0,-15 3 0,-2 1 0,5-5 0,3 0 0,-4 0 0,8 0 0,-4 0 0,-2-4 0,3-1 0,-6-2 0,1 1 0,-2-1-1639,12 1 1,2 0 786,-12 2 852,14-2 0,3 0 0,2 5 0,-7-4 0,-3-1 0,-16 2 428,19 0 0,-4-1-428,-10-2 0,-6 0 0,7 1-351,15 0 0,-1 0 351,-10-1 0,-7 0 0,-1-1 0,8 1 0,6 1 0,0-1 0,-3 0 0,-8-1 0,-3-1 0,0 0 0,5 2 0,-5-2 0,4 1 0,-3 0 0,0 0 0,-3-1 0,-1 0 0,0-1 0,4-1 0,-1-1 0,0 0 0,1 0 0,5 1-938,-3 0 1,4 0 0,-3-1 937,5 2 0,-3-2 0,-1-1 0,-1 0 0,1 1-315,-2-2 1,-2 0 0,1 1-1,1 0 1,5 1 314,-2-1 0,4 1 0,-3 0-3,-4-3 1,-4 0 0,1 0 0,8 1 2,5 2 0,2 0 0,-5-2 0,-3 0 0,5 1 0,8 3 0,1 0 31,-9-3 0,-4-1 1,9 3-32,12 6 2075,-9-9-2075,16 13 3103,-6-3-3103,-1 14 0,8-3 0,-10 5 3276,13-7-1912,0-1-545,1 1 0,4-3 0,-2 0 0</inkml:trace>
+  <inkml:trace contextRef="#ctx0" brushRef="#br0" timeOffset="-160043.74">8277 5808 24575,'-2'7'0,"1"-1"0,-1 9 0,4-2 0,1 5 0,3 3 0,-1-8 0,0 4 0,3 12 0,-7-16 0,5 20 0,-6-22 0,0 18 0,0-12-2080,2 11 2080,-1-13 0,1-2-802,-2-4 802,0 5 0,0 0 0,0 5 0,0-5 0,0 35 0,0-27 0,0 3 0,0 3 0,0 3 0,0-2-3131,0 5 3131,0-5 0,0 1 0,0-1 0,0-1 0,0 2 0,0 8 0,0 0 0,0-2 0,0-12 0,0 10 0,0 1 0,0-8 0,0 3 0,0-1 0,0-7 0,0 3 0,0 0 0,0 0-1364,0 1 1,0-2 1363,0-2-1639,2 15 1,0 1 1026,-1-7 612,3 2 0,0 0-280,1-3 280,1 7 0,0 3 693,1 3-693,-2 4 0,0-1 0,0-12 0,-2-2 0,0 6 0,0-2 0,2-4 0,-1 0 0,-1 15 0,-1 5 0,1-8 0,0 3 0,-1-5-572,-1-7 1,-1 1 571,0 4 0,1 3 0,-2 0 0,0-3 0,-1 0 0,-1-5 1034,-2-6 0,0 0-1034,1 6 0,0 7 0,1 0 0,-1-8-987,-2-7 0,0-1 987,0 8 0,-1 4 0,0-3-615,0-2 0,-1-1 615,0 4 0,-1 3 0,-3 5 0,-2 6 0,3-6 0,5-8 0,0-1 0,-6 7 0,-3 4 0,4-7 113,4 5-113,-2-12 0,-2 7 0,-2 1 0,3-5-356,2-3 0,-1 1 356,-1 5 0,-3 7 0,0-1 0,2-7 720,4-7 1,0-1-721,-3 9 0,-2 9 0,0 1 0,2-4 0,3-5 0,2-2 0,-1 3 0,-2-2 0,-1 3 0,0 1 0,2 2 0,2-2 0,1 4 0,0 0 0,1-3 0,0-6-818,-1 6 1,0-1 817,1-5 0,0 7 0,1 2 0,0-3 0,0-10 1787,2 16-1787,1-5 0,1 9 0,0-6-737,0-12 0,0 0 737,0 0 0,0 3 0,0-3 0,1 5 0,-1-5 1730,-1-6-1730,2 1 0,0 4 0,-1 1 0,0-3 0,4 8 0,-4-6 0,0-3 737,1-11-737,1 11 0,1 2 2368,-3-2-2368,3 7 0,2-2 0,-4-14 0,3 13 0,1 4 0,2 1 0,-3-8 0,1 3 0,-2 0 0,-1-3 0,0-2 0,-2 6 0,1 1 0,1-4 0,-2 6 0,0 3 0,1-12 0,0-1 0,1 9 0,-1 3 0,0-2 0,-1 3 0,0-6-1404,4 12 1404,-2-11 0,0 7 0,0-1 0,-1-5 0,1-1 0,-1-1 0,1 3 0,0 1 0,1-3 0,-1 1 0,0-7-173,-4-1 173,7 6 0,1 3 0,-4-14 0,-2 1 0,5 13 0,-1 1 0,-1-7 0,-1-4-627,-2-2 627,4 13 0,-6-26 0,2 28 0,0-24 0,1 29 0,-2-37 757,2 30-757,-2-25 0,2 26 0,-3-25 3276,0 1-2147,2 0-1129,-1-7 0,1 7 0,-2-9 0,2 15 0,-2-9 0,2 10 0,-2 17 0,0-17-2822,3 25 2822,-2-27 0,4 7 0,1 1 0,0 1 0,-1-6 0,2 1 1359,4 18-1359,-5-20 0,2 9 2182,-2-11-2182,-3-14 0,1 10 0,2-7 0,-5-3 0,5 1 0,-5-5 0,7 8 0,-7-5 3276,7 9-2248,-3-1-1028,0-6 0,1 10 0,-2-14 0,5 14 0,-2-10 0,2 10 0,-2-12 0,7 18 0,-7-17 0,12 16 381,-14-16-381,4 1-26,7 11 26,-4-10 0,9 11 0,-11-14 0,2 2 0,-5-4 0,10 9 0,-8-7 0,7 7 0,-8-7 0,11 8 0,-8-7-1765,12 10 1765,-14-12 0,24 24 0,-15-10 0,15 12 0,-5-3 0,2-1 0,-11-10 0,0-1 0,8 8 0,1 2 0,-3-5 0,-2-2 0,1 0 0,13 8 0,-5-4 0,-10-13 1296,2 6-1296,10-3 0,-25-8-615,16 4 615,-18-6 0,12 0 0,-7-1 0,11 1 0,-15-4-58,16 2 58,-10-1 0,6 1 0,8-2 0,-15 0 1830,11 0-1830,-2 0 0,-12 0-695,11 0 695,-12 0 0,12 0 0,-9 0-324,14 0 324,-16 0 0,29 2 0,-19-2-3277,16 4 3105,-8-3-1491,15 8 1663,-7-3 0,1 3 0,-1 1 0,-12 1 493,19-1-493,-12-2 0,-13-5 998,12 4-998,8-3 0,-23-1 2024,34 2-2024,-23-5-2061,13 6 2061,-8-5 0,1 5-60,-11-5 60,25 7 0,-21-6-2256,11 6 2256,-17-8 0,15 5 0,-17-4 0,22 5 1067,-30-5-1067,20 3 0,-14-3 0,10 2 0,2 1 0,0-3 3276,13 4-2740,-4-5-536,-18-2 70,11 2-70,-4-6 0,-9 5 3160,10-6-3160,14 4 0,-6-1-832,9 2 832,-2 3 0,1 1-3277,1 4 2827,-9-2 1,4 0 0,-4 1 449,12 7 0,-13-3 0,8 2 0,2 0 0,-5-1-1639,9 1 1,-1 1 1213,-10-2 0,1 1 1,3 1-1,0 0 425,-1-1 0,3 1 0,0-1 0,-3 1 0,-6-2-1639,4 2 1,-1 0 1625,6 1 0,10 2 1,-3-1-1,-12-4 8,0 0 5,8-1 0,1 0 0,-7-2 0,-8-2 0,-3-1 0,-5-4 0,-8-2 0,0 2 0,0-6 0,-11 3 2066,10-6-2066,-7-4 0,1 3 0,0-7 0,-3 7 0,5-15 0,-4 11 0,14-29 0,-15 27 3165,11-15-3165,-13 23 3276,12-12-1872,-9 14-1404,7-10 717,-9 12-717,5-5 0,-4 1 0,4 0 0,1-1 0,-6 4 0,6-2 0,-9 1 1719,3 5-1719,-4-5 1419,4-4-1419,-3 2 0,3-27 0,-4 17 0,4-12 0,-1-2 0,-1 14 0,2-10 0,-3-7 0,1 12 0,0-15 0,-1 9 0,-1-1-3277,-1-17 1638,1 18 1,-2-2 1597,-5-11 1,-1 1-1599,5 16 1,-1 0 983,-3-9 1,-1-1 654,2-3 0,1 3-2480,1-2 2480,1 12 0,0-1-551,1-11 1,1 3 550,0 4 0,0 0 0,-1-4 0,1 3 0,-1 3 708,2 0-708,-1 0 0,2 1 0,-1 7 0,1-11 0,1-4 0,1 10 0,0-1-104,-2-9 1,-1 0 103,6-5-415,-4 8 0,0-6 0,-1 4 415,-1 10 0,1-2 0,1-17 0,2-8 0,0 0-199,0 6 1,0 0 0,0 2 198,0 9 0,1 2 0,0-3 0,-1-4 0,1-3 0,-1 1 0,-1 6 0,0 5 0,1 1-61,1-7 0,2-8 1,0 0-1,-2 4 61,0-6 0,1-2 0,0 10 0,1-7 0,2-3 0,0-1 0,-1 4 0,-2 6 0,0-1 0,-1 6 0,2-3 0,2-8 0,2-5 0,-1 1 0,-1 9 0,-1 7 0,-1 0 0,4-8 0,3-9 0,0 0 0,-4 4 0,-4 8 0,-3 3 0,3-3 188,2-3 0,4-3 0,-1 0 0,-4 1-188,-5-4 0,-3 1 0,1 3 0,2-6 0,1 2 0,-3 10 0,0-2 0,0-2 0,-2 2 0,0-5 0,-1 0 0,0 2 0,1 7 0,1-2 0,0 1 0,-2-7 0,0-8 0,0 1 0,0 9 603,0 13 1,0 0-604,1-13 0,1-9 0,-1-2 0,0 7-470,-1-1 1,-1 0 469,2 8 0,-1-6 0,1-1 0,-1 2 0,2 7 628,0 0 1,0 1-629,-1-9 0,-1-8 0,0-1 0,0 6 0,1 9 0,0 4 0,0-3 0,0-3 0,1-4 0,-1 0 0,0 0 0,0 1 0,-1-1 0,0 2 0,1 5-473,-1-1 1,0 1 472,0-10 0,-1-6 0,1 10 0,-2-1 0,-1-3 0,0-1 0,2 17 0,1 0 0,-2-6 0,0 1 0,-1 6 0,2 5 0,2 6 0,-7-19 2632,9 19-2632,-5-11 0,0 0 0,3 5-195,-1-6 0,0 3 195,3 13 0,-3-30 0,2 18 0,-2-22 0,4 11 0,1 2 0,-1 3 0,1-10 0,-1-5-230,-9 1 0,-2 2 230,5 13 0,0-2-291,-3-5 1,-4-4 0,-1 2 290,-1 6 0,-2 1 0,1 2 191,0-5 1,-2-1-192,-1 3 0,-1-2 0,2 5 0,-5-12 0,-2 0 0,7 14 0,1 2 0,4 12 0,-12-23 0,12 24 0,-7-15 0,11 21 2121,-5-14-2121,4 11 3276,-5-13-3247,9 17 1738,-6-8-1767,6 7 2638,-6-12-2638,8 13 0,-1-5 2261,2 9-2261,-2-11 0,1 8 0,-1-7 1666,2 3-1666,1 1 0,-1-1 0,-2-13 0,3 15-718,-5-13 718,4 15-298,-5-18 298,2 8 0,-1-7 0,1-4 0,1 19 0,2-14 0,-2 1 0,3 11 0,-3-14 0,4 16 0,-4-8 0,3 4 0,-1-3 707,0-2-707,2 7 0,-2-4 0,-2-6 0,3 14 0,-5-16 0,3 17 0,-5-16 0,4 12 0,-6-11 0,7 12 0,-11-10 0,3 6 309,-2-2-309,-14-10 0,16 17-3277,-22-21 3251,22 21 26,-15-8 0,-1 0 0,0-1 0,2 4 0,-1 0 0,3 0 0,1 2 0,-12-2 0,-10-8 0,16 11 0,2 1 0,5 3 0,-19-7 0,31 10 0,-30-1 0,22 1 0,-9 2 0,-1 0 0,10 1 0,-22 5 0,-5 2 0,18-4 0,0 0 0,-16 5 0,-5 2 0,2-3 0,-2 1 0,5-1-1639,11 0 1,-1 0 1159,-11 2 0,-6 1 1,7-2 478,-2-2 0,11 0 0,-5 0 0,4-1 0,6-3 0,1-1 0,-15 3 0,-2 1 0,5-5 0,3 0 0,-4 0 0,8 0 0,-4 0 0,-2-4 0,3-1 0,-6-2 0,1 1 0,-2-1-1639,12 1 1,2 0 786,-12 2 852,14-2 0,3 0 0,2 5 0,-7-4 0,-3-1 0,-16 2 428,19 0 0,-4-1-428,-10-2 0,-6 0 0,7 1-351,15 0 0,-1 0 351,-10-1 0,-7 0 0,-1-1 0,8 1 0,6 1 0,0-1 0,-3 0 0,-8-1 0,-3-1 0,0 0 0,5 2 0,-5-2 0,4 1 0,-3 0 0,0 0 0,-3-1 0,-1 0 0,0-1 0,4-1 0,-1-1 0,0 0 0,1 0 0,5 1-938,-3 0 1,4 0 0,-3-1 937,5 2 0,-3-2 0,-1-1 0,-1 0 0,1 1-315,-2-2 1,-2 0 0,1 1-1,1 0 1,5 1 314,-2-1 0,4 1 0,-3 0-3,-4-3 1,-4 0 0,1 0 0,8 1 2,5 2 0,2 0 0,-5-2 0,-3 0 0,5 1 0,8 3 0,1 0 31,-9-3 0,-4-1 1,9 3-32,12 6 2075,-9-9-2075,16 13 3103,-6-3-3103,-1 14 0,8-3 0,-10 5 3276,13-7-1912,0-1-545,1 1 0,4-3 0,-2 0 0</inkml:trace>
   <inkml:trace contextRef="#ctx0" brushRef="#br0" timeOffset="-109558.73">3673 13099 24575,'0'48'0,"0"-12"0,0-4 0,0-11 0,0 4 0,0 0 0,0-16 0,0 8 0,-2-6 0,1-2 0,-5 14 0,5-9 0,-5 29 0,6-26-3277,-4 12 1975,3-21-202,-5 17 1504,6-13 0,-4 14 0,2-19 0,-3 16 0,0-13-378,1 11 0,2-19 1,2 0-1</inkml:trace>
   <inkml:trace contextRef="#ctx0" brushRef="#br0" timeOffset="-107452.73">3637 12625 24575,'2'14'0,"-1"-5"0,3 2 0,-4-2 0,2-2 0,0 12 0,-2-8 0,6 16 0,-5-16 0,3 8 0,-2 0 0,-1-7-427,1 7 427,0-13 0,-2-1 0,2 9 0,-2-7 0,0 10 0,2-12 0,-1 15 0,1-12 0,0 12 0,0-1 0,1-5 0,-1 20 0,-2-22 427,0 6-427,0 1 0,0-12 0,0 12 0,0-15 0,0 15 0,0-7 0,0 9 0,0 6 0,0-12 0,0 11 0,0 0 0,0-11 0,0 9 0,0-4 0,0-10 0,0 9 0,0-2 0,-2-6 0,1 6 0,-1-10 0,2 15 0,0-12 0,0 13 0,-2-14 0,-2 14 0,1-6 0,-3 7 0,1 13 0,2-17 0,0 9 0,0 0 0,1-10 0,0 18 0,-2-9 0,3-11 0,-1 15 0,2-6 0,0-10 0,-2 8 0,2-19 0,-2 8 0,2-7 0,0 4 0,0 5 0,0-8 0,0 7 0,0-9 0,0 5 0,0-4 0,0 5 0,0-1 0,0-2 0,0 9 0,0-7 0,0 3 0,0 2 0,0-7 0,0 7 0,0-2 0,0-3 0,0 3 0,0 4 0,2-2 0,-2 3 0,2-5 0,-2-5 0,0-3 0,0 2 0,2 1 0,-1-2 0,1 2 0,-2 5 0,0-3 0,0 16 0,0-15 0,0 10 0,-2-4 0,1-6 0,-1 8 0,2-14 0,0 9 0,0-7 0,0 5 0,0-5 0,0-2 0,0 1 0,2 7 0,-1-7 0,1 11 0,-2-12 0,0 4 0,0 1 0,0-2 0,0 9 0,0-9 0,0 2 0,0-1 0,0-4 0,0 8 0,2-8 0,0 2 0,0-7 0,0-3 0,0 1 0,-1-4 0,1 3 0,0-2 0,-2 3 0,2 2 0</inkml:trace>
   <inkml:trace contextRef="#ctx0" brushRef="#br0" timeOffset="-94160.73">446 11743 24575,'10'0'0,"30"8"0,-22-6 0,22 6 0,-9-2 0,-10-1 0,13 2 0,-1 0 0,-14-4 0,5 2 0,-5-2 0,-8-1 0,4 0 0,-8-2 0,9 4 0,-8-3 0,14 1 0,-16-2 0,23 2 0,-10-2 0,8 2 0,21 0 0,-32 1-1494,31-1 1494,-22 3 0,23-1 0,-14 3 0,-2-4 0,0-1-2751,-7 2 2751,10-1 0,1 0-2709,0-2 2709,-1 5 0,0 1 0,9-5 0,-1 4 0,1 1-1427,-19-4 1,0 0 1426,19 2 0,-1 0 0,1 0 0,4 0 0,0-1-2974,-5-2 2974,-6 0 0,1 2 0,-4-2 0,-4 0-912,0-1 912,-1 2 0,1-1-409,9-2 409,-23 0 979,20 0-979,-27 0 0,0 0 0,19-3 0,-14 2 0,15-2 0,-16 3 0,-2 0 0,15-3 0,-14 3 0,19-3 0,-15 3 0,20-2 0,-18 1 0,16-1 0,-2 2 0,-9 0 0,11 0 0,-24 0 3276,19 0-3142,-12-2-134,8 2 0,22-9 0,-30 7 1055,31-5-1055,-33 4 0,14-2 0,0 2 0,1-1 0,8-4 0,8 2 0,1 0-862,-18 4 0,-1 0 862,3-4 0,2 1 0,1 5 0,-3-1 656,4-6-656,-4 5 0,0 0 0,-1-4 234,14 3-234,-10-2 0,-10 2 1214,6-2-1214,-24 3 0,-1 2 3276,3 0-508,-3 0-2190,6 0-578,10-2 0,-11 1-1271,18 2 1271,-20 0 0,6 2 0,11 1 0,-12-3 0,26 7 0,-27-7 0,23 6 0,-17-7 0,14 3 0,-16-3 0,24 2 0,-26-1 0,25 1 0,-23-2 0,24 0 0,-17 0 0,12 0 0,-5-2 0,-12 1 0,16-3 0,1 0 0,-11 1 0,11-3 0,-26 5 0,14-5 0,-11 5 0,20-3 0,-23 2 0,20 0 0,-16 0 0,8 0 0,-1 2 0,8-5 0,-10 3 0,12-5 0,-20 7 820,24-6-820,-16 3 0,13-2 0,-2 0 0,-12 2 0,8-2 0,14-3 0,-19 7 0,21-5 0,-15 6 0,-4 0 0,19 0-1639,-16 0 1,0 0-1171,15 0 2809,7-1 0,-1 2-511,-15 2 511,14-3 0,3 0 0,-18 4 0,-2 0 0,0-3 0,-1-1 0,3 2 0,-5 1 464,-9-3-464,16 0 0,-14 0 0,7 0 0,-2-2 0,-12 1 0,16-1 0,-12 2 0,13 0 0,-13 0 0,8 0 0,-15 0 0,9 0 0,-10 0 0,12 0 0,-8 0 0,8 0 0,-9 0 0,9 0 0,-8 0 3276,12 0-489,-1 2-2787,-4-1 2177,11 3-2177,-10 0 0,0-1 0,10 5 0,-17-7-685,6 5 685,-9-5 0,6 3 0,-2-4 0,2 2 0,-6-2 0,-5 0 0,5 0 0,-2 0 0,2 0 0,4 0 0,-7 0 685,8 0-685,8 0 0,-8 0 0,11 2 0,-11-1 0,15 3 0,-11-4 0,25 4 0,-17-1 0,7 0 0,4 2 0,-20-4 0,8 1 0,-11-2 0,-4 0 0,4 0 0,-8 0 0,4 0 0,-5 0 0,10-2 0,1 1 0,17-1 0,-4 2 0,-2 0 0,2 0 0,-17 0 0,17 2 0,-18-1 0,16 1 0,-15-2 0,12 0 0,-14 0 0,3-2 0,-2 1 0,0-3 0,-1 2 0,-2-1 0,5 1 0,-7 2 0,12 0 0,-2 0 0,3-2 0,-3 2 0,-1-2 0,-10 2 0,4 0 0,-7-2 0,-2 1 0,-2-1 0</inkml:trace>
@@ -389,8 +391,8 @@
   <inkml:trace contextRef="#ctx0" brushRef="#br0" timeOffset="-186848.73">5023 5861 24575,'7'3'0,"-1"-1"0</inkml:trace>
   <inkml:trace contextRef="#ctx0" brushRef="#br0" timeOffset="-175839.73">6049 5763 24575,'-7'0'0,"-1"0"0,3 0 0,-1 0 0,-5 2 0,5-1 0,-12 1 0,9-2 0,-28 0 0,23 0 0,-17 0 0,-16-2 0,28 1-1639,-9-1 1,1 0 1413,16 2 225,-22-2 0,14 2 0,-15 0 0,21 2 0,-1-2 0,7 6 0,2-5 0,-4 7 3276,5-7-3050,1 5-226,-1-3 0,6 1 0,-4 1 0,8 1 0,-5-1 0,3 4 0,-2-1 0,-1 0 0,1 2 0,-2 5 0,0-4 0,0 22 0,0-20 0,0 10 0,-2 4 0,-1-14 0,1 19 0,-4 3 0,5-17-2749,-3 22 2749,2-31 0,-3 23 0,2-20-930,-3 11 930,6-14 0,-2-2 0,0 9 0,-1-5 0,1 5 0,-4 2 0,3-11 0,-2 8 0,-1-1 2604,3-7-2604,-1 8 1075,-2-7-1075,5-1 0,-3 2 0,0 8 0,3-10 0,-5 11 0,-1 0 0,2-3 0,-1 3 0,-6 4 0,7-12-1324,-7 9 1324,9-6 0,-15 25 0,12-17 0,-12 22 0,10-29 0,-8 30 0,8-23-861,-7 23 861,12-30 0,-2 1 0,-3 18 0,3-10 1265,0 9-1265,3 11 0,2-28 0,0 27 0,0-34 0,0 13 0,0-13 0,0 5 0,2-6 0,-2 11 0,2-10 0,-2 12 0,0-14 0,0 18 0,0-13 920,0 11-920,0-11 0,0 8 0,0-8 0,-2 35 0,2-32 0,-1 11 0,0 1 0,-1-2 0,1 5-2712,-3-7 2712,4-3 0,-5 7 0,0 1 0,0 12 0,1-11 0,0 4 0,-3 11 0,0-3-2973,2-7 2973,-2 11 0,1-1 0,2-20 0,-1 18 0,1 0-1767,3-14 1767,-5 10 0,2-3 1988,3-23-1988,-7 36 0,7-30 1225,-4 21-1225,5-29-1016,0 12 1016,0-11 2065,-2 10-2065,1-9 0,-1-3 0,4 9 1909,-1-9-1909,5 17 0,-5-13 1281,3 9-1281,-2-10 0,-2-2 0,12 14 0,-9-13 0,11 12 0,-9-12 0,2-1 0,-1 0 0,-3-5 0,9 7 0,-8-5 0,9 2 0,-5 0 0,-2-4 0,6 8 0,-6-6 0,2 2 0,-3-3 0,5 1 0,-6-1 0,6 2 0,-8-5 0,5 4 0,-4-3 0,3 1 0,2 6 0,-4-6 0,8 7 0,-3 3 0,-1-7 0,1 8 0,-5-11 0,6 15 0,-3-11 0,7 12 0,-9-15 0,4 6 0,-4-8 0,-1 5 0,0-7 0,-3 5 0,1 6 0,-2-3 0,2 8 0,-2-12 0,2 13 0,-2-8 0,2 9 0,1-2 0,-1-8 0,0 9 0,0-14 0,-1 10 0,3-12 0,-4 10 0,18-15 0,-12 4 0,16-6 0,-16 1 0,14 2 0,-10-1 0,9 1 0,-8 0 0,-2 2 0,6-2 0,-5 2 0,7 0 0,-9 0 0,14 0 0,-12 0 0,11-2 0,-6-1 0,0-1 0,2-1 0,-7 3 0,-2 0 0,1 0 0,-4 1 0,6-1 0,-6 2 0,3 0 0,-1 0 0,2 0 0,-2-2 0,-1 2 0,1-2 0,-2 2 0,5 0 0,-4 0 0,8 0 0,-8 0 0,7 0 0,-6 0 0,6 0 0,-3 0 0,3 2 0,0 0 0,-3 1 0,0-1 0,1-6 0,-6 1 0,4-2 0,-5 3 0,1 0 0,-1 2 0,1-2 0,-3 0 0,2-3 0,-1 2 0,-1-5 0,6 5 0,-6-3 0,10 1 0,-11 1 0,11-3 0,-8 4 0,6-5 0,-1-1 0,-3 1 0,4-4 0,-5-1 0,0 5 0,1-9 0,-4 6 0,1 1 0,-1-3 0,0 8 0,0-7 0,1 6 0,-1-7 0,-2 2 0,2 3 0,-2-2 0,2 3 0,-2 2 0,2-7 0,-2-2 0,2-8 0,-2 5 0,0-6 0,0 14 0,-2-17 0,0 10 0,-2-7 0,-1-4 0,0 11-2068,0-10 2068,1 11 0,-2-20 0,3 16 0,-4-25 0,-1 10 0,2 3 0,0-9 0,-2 7 0,5 3 0,-3 0 0,6 15 0,-2-14 0,2 16 0,0-16 0,4 5 0,-3 10 0,3-11 0,-2 18 0,0-14 0,5 2 0,-4-2 0,6-13 0,-8 21 0,9-26 0,-6 6 0,2 5-3277,-1-15 3243,-4 31-14,5-27 48,-3 18 0,0-6 0,1-7 0,-3 16 0,1-17 1690,-2 14-1690,0-9 0,0 13-1878,0-7 1878,0 9 0,2-9 0,-2 3 0,2-6 0,-2 11 0,2-12 0,-1 16 3259,3-14-3259,-2 7 0,1 4 0,-1-7 0,-2 15 0,4-13 0,-3 13 59,5-11-59,-4 6 0,1 0 0,1-5 0,-4 12 0,4-16 0,-3 12 0,1-10 0,0 10 0,-2-12 0,2 9 0,-2-11 0,0 13 0,0-15 0,0 8 0,-2-19 0,0 19 0,-3-26 0,3 28 0,-2-26 0,1 17 0,1 4 0,-2-7 0,1 19 0,1-15 0,-2 14 2297,3-14-2297,1 11 0,1-4 0,1 5 0,-2-1 0,0 6 0,2-5 0,-2 5 0,2-5 0,-2 3 0,2-9 0,-1 11 0,3-12 0,-4 3 0,2-7 0,-2 7 0,0-3 0,0 0 0,-2-7 0,0-5 0,-7-5 0,6 17-1596,-5-9 1596,5 21-724,-3-12 724,3 10 0,-5-11 0,7 9 0,-7-5 0,7 7 0,-3-2 0,2 5 0,1-2 0,-3 5 1535,4-2-1535,-2 1 785,0-1-785,1-1 0,-1 1 0,2-1 0,-2 3 0,2-4 0,-4 3 0,3-4 0,-1 3 0,2-1 0,0 1 0,0 1 0,0 1 0</inkml:trace>
   <inkml:trace contextRef="#ctx0" brushRef="#br0" timeOffset="-168707.73">17370 5979 24575,'3'5'0,"1"-1"0,-4 7 0,2 1 0,-2 10 0,0-1 0,0 5 0,0 1 0,0-10 0,0 8 0,0-17 0,0 15 0,2-2 0,1-3 0,-1 4 0,4-4 0,-5-5 0,3 10 0,-2-17 0,-1 4 0,3-3 0,-4 0 0,4 2 0,-3-2 0,1 1 0,0-5 0,-2 5 0,2-5 0,-2 6 0,2-6 0,-1 9 0,1-6 0,0 7 0,-2-6 0,2 3 0,0-5 0,-1 4 0,1-1 0,-2 0 0,0 1 0,0 1 0,-2 0 0,1 1 0,-3-2 0,4 0 0,-6 2 0,5-3 0,-3 4 0,2-7 0,-1 4 0,1-4 0,-2 1 0,3-1 0,-1-1 0,0-1 0,2 0 0,-4-4 0,1 0 0,-3-5 0,-1-3 0,0-2 0,2 1 0,1 2 0,4 3 0,-4-1 0,3 1 0,-3-4 0,2 4 0,-3-7 0,3 6 0,-2-5 0,2 9 0,-1-4 0,1 3 0,0-4 0,0 3 0,-3-3 0,1 0 0,-3-4 0,2 4 0,1-1 0,0 5 0,1-5 0,1 5 0,-4-8 0,5 6 0,-5-3 0,3-3 0,-1 3 0,1-3 0,-3 3 0,3-2 0,-1 1 0,-2-4 0,3 4 0,-2-1 0,-1-6 0,5 9 0,-7-11 0,5 2 0,-3 3 0,1-9 0,3 15 0,-4-9 0,5 10 0,-5-4 0,5 5 0,-3-4 0,2 6 0,-1-5 0,1 5 0,0-5 0,2 3 0,-4-2 0,5 7 0,0 6 0,3 0 0,-1 5 0,1-3 0,-2 4 0,1 2 0,1-3 0,-4 2 0,2-8 0,0 6 0,1-6 0,1 9 0,-1-7 0,1 11 0,-2-12 0,3 12 0,-1-3 0,1 1 0,1 3 0,-3-9 0,1 1 0,0 0 0,-1-4 0,4 2 0,-5-2 0,2-3 0,-3 1 0,3-3 0,-4 2 0,2-1 0,0-1 0,-1 2 0,3-3 0,-4 5 0,4-5 0,-1 6 0,1-6 0,1 9 0,1-2 0,-3 1 0,3 2 0,-1-4 0,-2 0 0,3 1 0,-4-3 0,3 4 0,-1-4 0,0 3 0,1-3 0,-1 6 0,1-4 0,-1 4 0,1 0 0,-1-1 0,1-1 0,-3-3 0,2-2 0,-1 1 0,-1-1 0,2 5 0,-1-4 0,3 6 0,-3-6 0,3 1 0,1-5 0,2-4 0,1-2 0,0-1 0,-5 1 0,4 3 0,-6-2 0,3 3 0,-4-3 0,1 2 0,1-1 0,-4-3 0,6 3 0,-5-3 0,7-2 0,-5-2 0,7-1 0,-2 0 0,1 4 0,-3-2 0,-1 6 0,-1-7 0,1 9 0,1-13 0,-1 10 0,2-9 0,1 0 0,-4 5 0,4-3 0,-6 5 0,1 1 0,1 0 0,-2-1 0,3 4 0,-3-2 0,0-1 0,2 1 0,-3-1 0,3 1 0,-2-1 0,-1-1 0,1 1 0,0-2 0,-2 3 0,2 1 0,-2 1 0</inkml:trace>
-  <inkml:trace contextRef="#ctx0" brushRef="#br0" timeOffset="-156445.73">4322 5824 24575,'5'9'0,"-1"6"0,1-5 0,-1 7 0,-1-9 0,-1 2 0,-2-5 0,0 2 0,2-3 0,-2 5 0,2-4 0,0 10 0,-1-7 0,1 3 0,0-1 0,-2-2 0,2 1 0,-2 7 0,0-9 0,0 7 0,0-3 0,0-5 0,0 4 0,0-5 0,0 3 0,0-2 0,0 4 0,0-5 0,0 10 0,0-9 0,-2 11 0,2-4 0,-2-2 0,0 5 0,-1-1 0,1 2 0,0 9 0,2-11 0,0 4 0,0-11 0,0 8 0,0-9 0,0 9 0,0-8 0,0 11 0,0-8 0,0 11 0,0-7 0,0 11 0,2 4 0,-2 19 0,2-20-3277,-2 14 2466,0-27 182,-2 19 629,0-16 0,-1 12 0,-3-3 0,5-12 0,-5 10 0,4-13 0,-1-2-90,-1 3 90,4-9 0,-6 8 0,5-3 0,-5 17 0,3-12 0,1 12 0,-4 3 0,5-12 1167,-3 16-1167,1-19-272,0 20 272,-2-12 0,2 8 0,-4 10 0,6-21 96,-4 19-96,5-14 0,0-15 0,0 14 0,0-16 0,0 11 0,0-8 0,0 2 0,0-7 2712,2 5-2712,-1-5 1104,1 8-1104,-2-8 0,0 4 0,2 13 0,-2-10 0,2 12 0,0-6 0,-1-8 0,1 10 0,-2-13 0,2 8 0,-2-5 0,2 4 0,0 6 0,-1-12 0,1 10 0,0-8 0,0-1 0,2-1 0,1-3 0,-3-4 0,0 7 0,-2-4 0,2 8 0,-1-6 0,1 2 0,0 4 0,-2-7 0,2 6 0,-2-7 0,0 8 0,0-7 0,2 6 0,-1-7 0,3 7 0,-2-6 0,1 7 0,-1-8 0,0 15 0,-2-10 0,2 9 0,-2-6 0,0-7 0,0 4 0,0-1 0,0-4 0,0 4 0,0-5 0,2 5 0,1-4 0,-1 3 0,0 1 0,-2-4 0,2 6 0,1 2 0,-1-3 0,0 3 0,2 12 0,-1-14 0,2 14 0,-1-8 0,-4-6 0,2 5 0,-2-5 0,0-3 0,0 0 0,0 7 0,0-8 0,2 9 0,-1 1 0,1-7 0,0 12 0,-2-8 0,2 1 0,-2-3 0,2 5 0,-1-10 0,1 9 0,-2-11 0,0 12 0,0-10 0,0 7 0,0-7 0,0-2 0,0 1 0,0-1 0,0 1 0,0-1 0,-2 2 0,-1 1 0,1 2 0,-2 7 0,3-7 0,-1 5 0,2 6 0,-2-7 0,2 8 0,-2-4 0,2-11 0,0 8 0,0-9 0,0-1 0,0 2 0,0-3 0,2-1 0,-2 3 0,2 0 0,-2 4 0,0 3 0,0-6 0,0 2 0,0-3 0,0-1 0,0 2 0,0-3 0,0 1 0,0-1 0,0 3 0,0 0 0,0 0 0,-2 1 0,2-1 0,-2 2 0,2 0 0,0-2 0,0 2 0,0-4 0,-2 1 0,-1 4 0,-1-4 0,1 7 0,-3 0 0,5-3 0,-5 5 0,6-8 0,-2 0 0,8-3 0,-1 1 0,4-3 0,4 2 0,-7-3 0,4 1 0,3-2 0,-1 2 0,14 0 0,-8 1 0,9 1 0,-14-4 0,2 2 0,-9-2 0,3 0 0,-4 0 0,6 0 0,-4 0 0,0 0 0,3-2 0,-4 2 0,4-4 0,3 1 0,2-3 0,10-1 0,-9 2 0,3-1 0,-10 5 0,10-5 0,-10 3 0,10-3 0,-10 3 0,4-3 0,-1 5 0,3-5 0,-7 6 0,8-6 0,-10 5 0,13-3 0,-11 2 0,9 1 0,1-3 0,-5 4 0,5-2 0,-2 0 0,-1 1 0,0-1 0,-1 2 0,-8 0 0,9 0 0,-10 0 0,14 0 0,-8 0 0,4-2 0,-2 2 0,-6-2 0,2 2 0,-2 0 0,-1-2 0,-1 1 0,2-1 0,-3 2 0,5 0 0,-4 0 0,3 0 0,-3 0 0,5-2 0,-2 2 0,3-2 0,-4 2 0,-3 0 0,9 2 0,-3-2 0,4 4 0,2-1 0,-9-1 0,7 0 0,-3-2 0,-1 0 0,5 2 0,-8-1 0,8 1 0,-9-2 0,6 0 0,-7 0 0,14 4 0,-10-3 0,8 5 0,16 2 0,-11-1 0,14 4 0,8-1 0,-29-4-2487,24 1 2487,-28-3 0,21-1 0,-18-1 0,11 0 0,-16-2 0,8 2 0,-8-1 0,10 1 0,-12 0 0,0-2 0,-1 2 2487,-1-2-2487,3 0 0,-2 0 0,0-2 0,0 2 0,1-4 0,1 3 0,0-1 0,1 2 0,-4 0 0,3 0 0,3 0 0,-5 2 0,6-1 0,-7 1 0,8 0 0,-7 0 0,4 1 0,3 1 0,-7-2 0,7 1 0,1-1 0,-7-2 0,8 0 0,-5 0 0,-2 0 0,3 0 0,1 0 0,-6 0 0,13-2 0,-13 1 0,9-1 0,2 0 0,-6 2 0,6-2 0,2 2 0,-12 0 0,24 0 0,-22 2 0,10-2 0,-6 4 0,-7-3 0,4 1 0,-1 0 0,-4-2 0,4 2 0,-3-2 0,-1 0 0,16 0 0,-9 0 0,7 0 0,8 2 0,-18-1 0,21 3 0,-22-4 0,17 6 0,-9-3 0,3 2 0,9 1 0,-18-5 0,14 3 0,-15-2 0,4 0 0,-3 1 0,5-1 0,-8 0 0,14 0 0,-10 1 0,21 1 0,-14-4 0,10 2 0,-16-2 0,3 0 0,-8-2 0,7 0 0,-3-3 0,10-1 0,-13 3 0,7-3 0,-10 5 0,9-3 0,-7 4 0,7-2 0,-9 2 0,8 0 0,-5 0 0,19-2 0,-15 1 0,9-1 0,-7 0 0,-7 2 0,7-2 0,-1 0 0,-4-1 0,3 1 0,-3 0 0,-4 2 0,4 0 0,-5 0 0,5 0 0,-4 0 0,4 0 0,-5 0 0,9 0 0,-7 0 0,10 0 0,-10 0 0,12 0 0,-7 2 0,5-2 0,6 4 0,-14-3 0,15 3 0,-4-2 0,-3 1 0,3-1 0,0 0 0,-12-2 0,7 2 0,-5-2 0,-4 0 0,6 0 0,-6 0 0,5 0 0,-2 0 0,5 0 0,-6 0 0,6 0 0,-8 0 0,4 0 0,-5 0 0,5 0 0,-4 0 0,3 0 0,-3 0 0,1 0 0,-1 0 0,2-2 0,-3 2 0,1-4 0,-1 3 0,1-1 0,-1 0 0,1 2 0,-3-4 0,4 3 0,-3-3 0,4 2 0,-3-1 0,-1-1 0,1 4 0,-2-4 0,3 3 0,-3-3 0,2 4 0,-1-4 0,1 1 0,-1-3 0,-1-7 0,-2 5 0,2-5 0,-2 1 0,2 5 0,-2-5 0,0 1 0,2 5 0,-1-4 0,1-3 0,0 3 0,-2-4 0,2-4 0,0 11 0,-1-10 0,1 12 0,0-21 0,-2 13 0,4-15 0,-3 5 0,1 13 0,-2-12 0,2 4 0,-2 5 0,2-4 0,-2 11 0,2-13 0,-1 11 0,1-12 0,-2-1 0,0 6 0,0-8 0,0-9 0,0 13-2583,0-12 2583,0 13-1899,-2-27 1899,-2 14 0,1-15 0,0 13 0,3 20 0,0-16 0,0 21 0,0-15 0,0 14-318,0-8 318,0 9 0,0-13 0,2 8 0,-1-14 0,1-12 0,0 10 0,-2-17 0,5-3 0,-2 27 2263,1-26-2263,-1 23 0,1 0 0,0-11 1065,-1 11 1,0-1-1066,3-12 0,-5 24-1466,3-16 1466,-2 21 0,-1-16 0,1 12 0,0-16 0,-2 2 0,2 10 0,-2-12-574,-2 1 574,2 8 0,-2-7 0,2 4 0,2 13 0,-2-13 0,4 2 0,-3 7 0,1-9 0,-2 4 0,0 5 1421,0-3-1421,2-6 0,-2 13 1025,2-13-1025,-2 0 0,0 11 0,0-18 0,-2 6 0,2 2 0,-4-2 0,3 2 0,-1 14 0,2-18 0,-2 15 0,2-12 0,-4 8 0,3-3 0,-3-3 0,4 10 0,-2-6 0,0 7 0,1 2 0,-1-9 0,2 9 0,0-5 0,0 9 0,0-9 0,0 7 0,0-7 0,0 1 0,0 3 0,0-4 0,0-5 0,0 10 0,0-12 0,2-13 0,-1 12 0,1-15 0,-2 2 0,0 16 0,0-12 0,-2 1 0,-1 16 0,-1-14 0,-1 1 0,1 9 0,1-18 0,-1 22 0,2-10 0,-1 15 0,1-3 0,2 7 0,-2-7 0,2 3 0,-2-3 0,2-3 0,0 7 0,0-7 0,0 3 0,0 3 0,0-3 0,0 3 0,-2 3 0,1-6 0,-3 2 0,4 2 0,-2-4 0,0 0 0,1 3 0,-1-4 0,-2 3 0,3-3 0,-3-1 0,4 3 0,-2 2 0,2 1 0,-2 2 0,0 1 0,1 0 0,-1-1 0,2 0 0,-6 1 0,-5 2 0,0 2 0,-1 0 0,0-2 0,3 1 0,-4-1 0,-1 2 0,7 0 0,-7 0 0,-3 0 0,5 0 0,-5 0 0,3 0 0,3 0 0,-2 0 0,-3 2 0,9-1 0,-5 1 0,5-2 0,-8 0 0,6 0 0,-7 0 0,11 0 0,-16 0 0,13 0 0,-10 0 0,13 2 0,-9 0 0,7 3 0,-7-3 0,-3 6 0,10-6 0,-14 6 0,2-4 0,7-1 0,-13 1 0,19-2 0,-18-1 0,14 1 0,-15-2 0,17 0 0,-19 0 0,16 0 0,-15 0 0,1 0 0,8 0 0,-8 0 0,6-2 0,8 1 0,-6-1 0,4-2 0,5 3 0,-11-5 0,13 6 0,-13-2 0,5 2 0,0 0 0,1 0 0,-3 0 0,9 0 0,-17 0 0,4 0 0,1 0 0,-6 0 0,-10-2 0,15-1-3277,-23 1 2932,27-3-1405,-33-1 1750,18 2 0,-10-3 0,7 5 0,23-1 0,-13 1 0,17 2-722,-12 0 722,9 0 0,-8 0 0,1 0 0,4 0 0,-5 0 0,-2 0 0,12 0 0,-10 0 0,11 0 3090,-12-2-3090,5 0 0,-5-1 0,-9-1 0,13 2 2025,-11-1-2025,1-1 0,12 4-63,-10-4 63,15 3 0,-17-3 0,12 4 0,-16-2 0,1 0 0,8 1 0,-7-1 0,4 4 0,11-1 0,-11 3 0,16-4 0,-16 6 0,11-3 0,-9 2 0,0-1 0,7-2 0,-5 1 0,-4 1 0,11-4-604,-7 2 604,11-2 0,-16 0 0,13 0 0,-18 0 0,23 0 1009,-21 0-1009,15 0 0,-10 0 0,2 0 0,12 0 0,-12 0 0,4 0 0,1 0 0,0 0 0,-3 0 0,11 0 0,-14 0 0,15 0 0,-16 0 0,12 0 0,-13 0 0,-1 0 0,8 2 0,-9-1 637,16 1-637,-16 0 0,10 0 0,-13 1 0,0 1 0,6-2 0,-4 1 0,-6 2 0,17-5 0,-11 3 0,5-3 0,10 2 0,-7-1 0,4 1 0,10 0 0,-6-2 0,7 2 0,-1-2 0,-1 0 0,-5 0 0,4 2 0,-5-1 0,1 1 0,0-2 0,-1 2 0,-8-2 0,10 2 0,-6-2 0,9 0 0,-11 0 0,10 0 0,-12 0 0,4 0 0,4 0 0,-6 0 0,10 0 0,1 0 0,-3 0 0,4 0 0,-3 0 0,3 0 0,5 0 0,-4 0 0,4 0 0,-7 2 0,4 1 0,-3-1 0,0 4 0,-2-3 0,-5 6 0,6-6 0,-4 1 0,-6-2 0,8 0 0,-8 1 0,7-1 0,4-2 0,-5 0 0,1 2 0,4-2 0,-6 2 0,7-2 0,-2 0 0,-1 2 0,2-1 0,-10 3 0,9-4 0,-13 4 0,9-1 0,-2-1 0,4 0 0,7-4 0,0 0 0,2-3 0,0 3 0,0 0 0</inkml:trace>
-  <inkml:trace contextRef="#ctx0" brushRef="#br0" timeOffset="-145456.73">18431 5980 24575,'7'8'0,"-4"-4"0,1 11 0,-2-2 0,-2 5 0,2 10 0,-2-8 0,0 6 0,0-13 0,-3 6 0,3-1 0,-3-1 0,3 12 0,0-16 0,0 7 0,0-15 0,2 5 0,-2-4 0,6 7 0,-5-8 0,3 1 0,-2-3 0,-1 1 0,3 0 0,-4 1 0,2 2 0,0 5 0,-1-5 0,1 5 0,-2-5 0,0-2 0,0 9 0,0-8 0,2 9 0,-2-10 0,4 7 0,-3-2 0,1 4 0,0-5 0,-2-3 0,2-1 0,-2 1 0,-2-1 0,0 4 0,-1-4 0,1 1 0,2-1 0,0-1 0,-2 1 0,2 1 0,-4-1 0,3 2 0,-1-3 0,2 0 0,-2-1 0,2 1 0,-2-2 0,2 3 0,-2-1 0,1 1 0,-1-1 0,2 1 0,0-1 0,-2 5 0,0-6 0,-1 5 0,-1-1 0,4-2 0,-4 4 0,3-5 0,-3 1 0,4-1 0,-2 1 0,-2-7 0,3 1 0,-5-5 0,5 1 0,-3-5 0,2 4 0,-3-7 0,-1 2 0,1 3 0,-4-6 0,6 8 0,-3-4 0,4 5 0,-3-5 0,-1 2 0,1-3 0,-4-2 0,4 5 0,-1-8 0,-1 10 0,1-15 0,-3 10 0,2-4 0,-6-6 0,7 14 0,-4-11 0,5 11 0,-3-2 0,4 2 0,-2 0 0,4 3 0,0 1 0,-3-1 0,3 2 0,4 7 0,1-1 0,3 7 0,-3-4 0,-1 1 0,0 2 0,-2-1 0,4 3 0,-3-6 0,1 2 0,0 1 0,-2-2 0,2 2 0,0 6 0,-1-9 0,1 7 0,0-5 0,-2-2 0,2 2 0,0-3 0,-1-1 0,3 1 0,-4-1 0,4-1 0,-3 3 0,1-3 0,0 3 0,2-1 0,1 1 0,4 3 0,-4-4 0,-1 3 0,4-3 0,-5 0 0,4 1 0,-1 1 0,-1-2 0,2 1 0,-1-1 0,-1-1 0,1 1 0,-1-1 0,0 1 0,3 1 0,-7-1 0,7 0 0,-5-1 0,1-2 0,3 3 0,0-1 0,0-1 0,7 5 0,-5-5 0,8 4 0,-12-3 0,3-4 0,0 4 0,-2-3 0,5 1 0,-5 0 0,-1 0 0,2 1 0,-3-7 0,-1 0 0,3-4 0,-5 3 0,9-5 0,-7 4 0,8-7 0,-6 6 0,3-4 0,-5 4 0,5-4 0,-5 4 0,2 0 0,1-5 0,-3 6 0,3-9 0,-1 8 0,3-10 0,-2 7 0,4-5 0,-5 6 0,7-6 0,-6 6 0,5-5 0,-5 11 0,5-11 0,-1 9 0,-1-7 0,3 5 0,-8 2 0,5-1 0,-5 3 0,-4-1 0,4 4 0,-3-4 0,1 3 0,-2-1 0</inkml:trace>
+  <inkml:trace contextRef="#ctx0" brushRef="#br0" timeOffset="-156445.74">4322 5824 24575,'5'9'0,"-1"6"0,1-5 0,-1 7 0,-1-9 0,-1 2 0,-2-5 0,0 2 0,2-3 0,-2 5 0,2-4 0,0 10 0,-1-7 0,1 3 0,0-1 0,-2-2 0,2 1 0,-2 7 0,0-9 0,0 7 0,0-3 0,0-5 0,0 4 0,0-5 0,0 3 0,0-2 0,0 4 0,0-5 0,0 10 0,0-9 0,-2 11 0,2-4 0,-2-2 0,0 5 0,-1-1 0,1 2 0,0 9 0,2-11 0,0 4 0,0-11 0,0 8 0,0-9 0,0 9 0,0-8 0,0 11 0,0-8 0,0 11 0,0-7 0,0 11 0,2 4 0,-2 19 0,2-20-3277,-2 14 2466,0-27 182,-2 19 629,0-16 0,-1 12 0,-3-3 0,5-12 0,-5 10 0,4-13 0,-1-2-90,-1 3 90,4-9 0,-6 8 0,5-3 0,-5 17 0,3-12 0,1 12 0,-4 3 0,5-12 1167,-3 16-1167,1-19-272,0 20 272,-2-12 0,2 8 0,-4 10 0,6-21 96,-4 19-96,5-14 0,0-15 0,0 14 0,0-16 0,0 11 0,0-8 0,0 2 0,0-7 2712,2 5-2712,-1-5 1104,1 8-1104,-2-8 0,0 4 0,2 13 0,-2-10 0,2 12 0,0-6 0,-1-8 0,1 10 0,-2-13 0,2 8 0,-2-5 0,2 4 0,0 6 0,-1-12 0,1 10 0,0-8 0,0-1 0,2-1 0,1-3 0,-3-4 0,0 7 0,-2-4 0,2 8 0,-1-6 0,1 2 0,0 4 0,-2-7 0,2 6 0,-2-7 0,0 8 0,0-7 0,2 6 0,-1-7 0,3 7 0,-2-6 0,1 7 0,-1-8 0,0 15 0,-2-10 0,2 9 0,-2-6 0,0-7 0,0 4 0,0-1 0,0-4 0,0 4 0,0-5 0,2 5 0,1-4 0,-1 3 0,0 1 0,-2-4 0,2 6 0,1 2 0,-1-3 0,0 3 0,2 12 0,-1-14 0,2 14 0,-1-8 0,-4-6 0,2 5 0,-2-5 0,0-3 0,0 0 0,0 7 0,0-8 0,2 9 0,-1 1 0,1-7 0,0 12 0,-2-8 0,2 1 0,-2-3 0,2 5 0,-1-10 0,1 9 0,-2-11 0,0 12 0,0-10 0,0 7 0,0-7 0,0-2 0,0 1 0,0-1 0,0 1 0,0-1 0,-2 2 0,-1 1 0,1 2 0,-2 7 0,3-7 0,-1 5 0,2 6 0,-2-7 0,2 8 0,-2-4 0,2-11 0,0 8 0,0-9 0,0-1 0,0 2 0,0-3 0,2-1 0,-2 3 0,2 0 0,-2 4 0,0 3 0,0-6 0,0 2 0,0-3 0,0-1 0,0 2 0,0-3 0,0 1 0,0-1 0,0 3 0,0 0 0,0 0 0,-2 1 0,2-1 0,-2 2 0,2 0 0,0-2 0,0 2 0,0-4 0,-2 1 0,-1 4 0,-1-4 0,1 7 0,-3 0 0,5-3 0,-5 5 0,6-8 0,-2 0 0,8-3 0,-1 1 0,4-3 0,4 2 0,-7-3 0,4 1 0,3-2 0,-1 2 0,14 0 0,-8 1 0,9 1 0,-14-4 0,2 2 0,-9-2 0,3 0 0,-4 0 0,6 0 0,-4 0 0,0 0 0,3-2 0,-4 2 0,4-4 0,3 1 0,2-3 0,10-1 0,-9 2 0,3-1 0,-10 5 0,10-5 0,-10 3 0,10-3 0,-10 3 0,4-3 0,-1 5 0,3-5 0,-7 6 0,8-6 0,-10 5 0,13-3 0,-11 2 0,9 1 0,1-3 0,-5 4 0,5-2 0,-2 0 0,-1 1 0,0-1 0,-1 2 0,-8 0 0,9 0 0,-10 0 0,14 0 0,-8 0 0,4-2 0,-2 2 0,-6-2 0,2 2 0,-2 0 0,-1-2 0,-1 1 0,2-1 0,-3 2 0,5 0 0,-4 0 0,3 0 0,-3 0 0,5-2 0,-2 2 0,3-2 0,-4 2 0,-3 0 0,9 2 0,-3-2 0,4 4 0,2-1 0,-9-1 0,7 0 0,-3-2 0,-1 0 0,5 2 0,-8-1 0,8 1 0,-9-2 0,6 0 0,-7 0 0,14 4 0,-10-3 0,8 5 0,16 2 0,-11-1 0,14 4 0,8-1 0,-29-4-2487,24 1 2487,-28-3 0,21-1 0,-18-1 0,11 0 0,-16-2 0,8 2 0,-8-1 0,10 1 0,-12 0 0,0-2 0,-1 2 2487,-1-2-2487,3 0 0,-2 0 0,0-2 0,0 2 0,1-4 0,1 3 0,0-1 0,1 2 0,-4 0 0,3 0 0,3 0 0,-5 2 0,6-1 0,-7 1 0,8 0 0,-7 0 0,4 1 0,3 1 0,-7-2 0,7 1 0,1-1 0,-7-2 0,8 0 0,-5 0 0,-2 0 0,3 0 0,1 0 0,-6 0 0,13-2 0,-13 1 0,9-1 0,2 0 0,-6 2 0,6-2 0,2 2 0,-12 0 0,24 0 0,-22 2 0,10-2 0,-6 4 0,-7-3 0,4 1 0,-1 0 0,-4-2 0,4 2 0,-3-2 0,-1 0 0,16 0 0,-9 0 0,7 0 0,8 2 0,-18-1 0,21 3 0,-22-4 0,17 6 0,-9-3 0,3 2 0,9 1 0,-18-5 0,14 3 0,-15-2 0,4 0 0,-3 1 0,5-1 0,-8 0 0,14 0 0,-10 1 0,21 1 0,-14-4 0,10 2 0,-16-2 0,3 0 0,-8-2 0,7 0 0,-3-3 0,10-1 0,-13 3 0,7-3 0,-10 5 0,9-3 0,-7 4 0,7-2 0,-9 2 0,8 0 0,-5 0 0,19-2 0,-15 1 0,9-1 0,-7 0 0,-7 2 0,7-2 0,-1 0 0,-4-1 0,3 1 0,-3 0 0,-4 2 0,4 0 0,-5 0 0,5 0 0,-4 0 0,4 0 0,-5 0 0,9 0 0,-7 0 0,10 0 0,-10 0 0,12 0 0,-7 2 0,5-2 0,6 4 0,-14-3 0,15 3 0,-4-2 0,-3 1 0,3-1 0,0 0 0,-12-2 0,7 2 0,-5-2 0,-4 0 0,6 0 0,-6 0 0,5 0 0,-2 0 0,5 0 0,-6 0 0,6 0 0,-8 0 0,4 0 0,-5 0 0,5 0 0,-4 0 0,3 0 0,-3 0 0,1 0 0,-1 0 0,2-2 0,-3 2 0,1-4 0,-1 3 0,1-1 0,-1 0 0,1 2 0,-3-4 0,4 3 0,-3-3 0,4 2 0,-3-1 0,-1-1 0,1 4 0,-2-4 0,3 3 0,-3-3 0,2 4 0,-1-4 0,1 1 0,-1-3 0,-1-7 0,-2 5 0,2-5 0,-2 1 0,2 5 0,-2-5 0,0 1 0,2 5 0,-1-4 0,1-3 0,0 3 0,-2-4 0,2-4 0,0 11 0,-1-10 0,1 12 0,0-21 0,-2 13 0,4-15 0,-3 5 0,1 13 0,-2-12 0,2 4 0,-2 5 0,2-4 0,-2 11 0,2-13 0,-1 11 0,1-12 0,-2-1 0,0 6 0,0-8 0,0-9 0,0 13-2583,0-12 2583,0 13-1899,-2-27 1899,-2 14 0,1-15 0,0 13 0,3 20 0,0-16 0,0 21 0,0-15 0,0 14-318,0-8 318,0 9 0,0-13 0,2 8 0,-1-14 0,1-12 0,0 10 0,-2-17 0,5-3 0,-2 27 2263,1-26-2263,-1 23 0,1 0 0,0-11 1065,-1 11 1,0-1-1066,3-12 0,-5 24-1466,3-16 1466,-2 21 0,-1-16 0,1 12 0,0-16 0,-2 2 0,2 10 0,-2-12-574,-2 1 574,2 8 0,-2-7 0,2 4 0,2 13 0,-2-13 0,4 2 0,-3 7 0,1-9 0,-2 4 0,0 5 1421,0-3-1421,2-6 0,-2 13 1025,2-13-1025,-2 0 0,0 11 0,0-18 0,-2 6 0,2 2 0,-4-2 0,3 2 0,-1 14 0,2-18 0,-2 15 0,2-12 0,-4 8 0,3-3 0,-3-3 0,4 10 0,-2-6 0,0 7 0,1 2 0,-1-9 0,2 9 0,0-5 0,0 9 0,0-9 0,0 7 0,0-7 0,0 1 0,0 3 0,0-4 0,0-5 0,0 10 0,0-12 0,2-13 0,-1 12 0,1-15 0,-2 2 0,0 16 0,0-12 0,-2 1 0,-1 16 0,-1-14 0,-1 1 0,1 9 0,1-18 0,-1 22 0,2-10 0,-1 15 0,1-3 0,2 7 0,-2-7 0,2 3 0,-2-3 0,2-3 0,0 7 0,0-7 0,0 3 0,0 3 0,0-3 0,0 3 0,-2 3 0,1-6 0,-3 2 0,4 2 0,-2-4 0,0 0 0,1 3 0,-1-4 0,-2 3 0,3-3 0,-3-1 0,4 3 0,-2 2 0,2 1 0,-2 2 0,0 1 0,1 0 0,-1-1 0,2 0 0,-6 1 0,-5 2 0,0 2 0,-1 0 0,0-2 0,3 1 0,-4-1 0,-1 2 0,7 0 0,-7 0 0,-3 0 0,5 0 0,-5 0 0,3 0 0,3 0 0,-2 0 0,-3 2 0,9-1 0,-5 1 0,5-2 0,-8 0 0,6 0 0,-7 0 0,11 0 0,-16 0 0,13 0 0,-10 0 0,13 2 0,-9 0 0,7 3 0,-7-3 0,-3 6 0,10-6 0,-14 6 0,2-4 0,7-1 0,-13 1 0,19-2 0,-18-1 0,14 1 0,-15-2 0,17 0 0,-19 0 0,16 0 0,-15 0 0,1 0 0,8 0 0,-8 0 0,6-2 0,8 1 0,-6-1 0,4-2 0,5 3 0,-11-5 0,13 6 0,-13-2 0,5 2 0,0 0 0,1 0 0,-3 0 0,9 0 0,-17 0 0,4 0 0,1 0 0,-6 0 0,-10-2 0,15-1-3277,-23 1 2932,27-3-1405,-33-1 1750,18 2 0,-10-3 0,7 5 0,23-1 0,-13 1 0,17 2-722,-12 0 722,9 0 0,-8 0 0,1 0 0,4 0 0,-5 0 0,-2 0 0,12 0 0,-10 0 0,11 0 3090,-12-2-3090,5 0 0,-5-1 0,-9-1 0,13 2 2025,-11-1-2025,1-1 0,12 4-63,-10-4 63,15 3 0,-17-3 0,12 4 0,-16-2 0,1 0 0,8 1 0,-7-1 0,4 4 0,11-1 0,-11 3 0,16-4 0,-16 6 0,11-3 0,-9 2 0,0-1 0,7-2 0,-5 1 0,-4 1 0,11-4-604,-7 2 604,11-2 0,-16 0 0,13 0 0,-18 0 0,23 0 1009,-21 0-1009,15 0 0,-10 0 0,2 0 0,12 0 0,-12 0 0,4 0 0,1 0 0,0 0 0,-3 0 0,11 0 0,-14 0 0,15 0 0,-16 0 0,12 0 0,-13 0 0,-1 0 0,8 2 0,-9-1 637,16 1-637,-16 0 0,10 0 0,-13 1 0,0 1 0,6-2 0,-4 1 0,-6 2 0,17-5 0,-11 3 0,5-3 0,10 2 0,-7-1 0,4 1 0,10 0 0,-6-2 0,7 2 0,-1-2 0,-1 0 0,-5 0 0,4 2 0,-5-1 0,1 1 0,0-2 0,-1 2 0,-8-2 0,10 2 0,-6-2 0,9 0 0,-11 0 0,10 0 0,-12 0 0,4 0 0,4 0 0,-6 0 0,10 0 0,1 0 0,-3 0 0,4 0 0,-3 0 0,3 0 0,5 0 0,-4 0 0,4 0 0,-7 2 0,4 1 0,-3-1 0,0 4 0,-2-3 0,-5 6 0,6-6 0,-4 1 0,-6-2 0,8 0 0,-8 1 0,7-1 0,4-2 0,-5 0 0,1 2 0,4-2 0,-6 2 0,7-2 0,-2 0 0,-1 2 0,2-1 0,-10 3 0,9-4 0,-13 4 0,9-1 0,-2-1 0,4 0 0,7-4 0,0 0 0,2-3 0,0 3 0,0 0 0</inkml:trace>
+  <inkml:trace contextRef="#ctx0" brushRef="#br0" timeOffset="-145456.74">18431 5980 24575,'7'8'0,"-4"-4"0,1 11 0,-2-2 0,-2 5 0,2 10 0,-2-8 0,0 6 0,0-13 0,-3 6 0,3-1 0,-3-1 0,3 12 0,0-16 0,0 7 0,0-15 0,2 5 0,-2-4 0,6 7 0,-5-8 0,3 1 0,-2-3 0,-1 1 0,3 0 0,-4 1 0,2 2 0,0 5 0,-1-5 0,1 5 0,-2-5 0,0-2 0,0 9 0,0-8 0,2 9 0,-2-10 0,4 7 0,-3-2 0,1 4 0,0-5 0,-2-3 0,2-1 0,-2 1 0,-2-1 0,0 4 0,-1-4 0,1 1 0,2-1 0,0-1 0,-2 1 0,2 1 0,-4-1 0,3 2 0,-1-3 0,2 0 0,-2-1 0,2 1 0,-2-2 0,2 3 0,-2-1 0,1 1 0,-1-1 0,2 1 0,0-1 0,-2 5 0,0-6 0,-1 5 0,-1-1 0,4-2 0,-4 4 0,3-5 0,-3 1 0,4-1 0,-2 1 0,-2-7 0,3 1 0,-5-5 0,5 1 0,-3-5 0,2 4 0,-3-7 0,-1 2 0,1 3 0,-4-6 0,6 8 0,-3-4 0,4 5 0,-3-5 0,-1 2 0,1-3 0,-4-2 0,4 5 0,-1-8 0,-1 10 0,1-15 0,-3 10 0,2-4 0,-6-6 0,7 14 0,-4-11 0,5 11 0,-3-2 0,4 2 0,-2 0 0,4 3 0,0 1 0,-3-1 0,3 2 0,4 7 0,1-1 0,3 7 0,-3-4 0,-1 1 0,0 2 0,-2-1 0,4 3 0,-3-6 0,1 2 0,0 1 0,-2-2 0,2 2 0,0 6 0,-1-9 0,1 7 0,0-5 0,-2-2 0,2 2 0,0-3 0,-1-1 0,3 1 0,-4-1 0,4-1 0,-3 3 0,1-3 0,0 3 0,2-1 0,1 1 0,4 3 0,-4-4 0,-1 3 0,4-3 0,-5 0 0,4 1 0,-1 1 0,-1-2 0,2 1 0,-1-1 0,-1-1 0,1 1 0,-1-1 0,0 1 0,3 1 0,-7-1 0,7 0 0,-5-1 0,1-2 0,3 3 0,0-1 0,0-1 0,7 5 0,-5-5 0,8 4 0,-12-3 0,3-4 0,0 4 0,-2-3 0,5 1 0,-5 0 0,-1 0 0,2 1 0,-3-7 0,-1 0 0,3-4 0,-5 3 0,9-5 0,-7 4 0,8-7 0,-6 6 0,3-4 0,-5 4 0,5-4 0,-5 4 0,2 0 0,1-5 0,-3 6 0,3-9 0,-1 8 0,3-10 0,-2 7 0,4-5 0,-5 6 0,7-6 0,-6 6 0,5-5 0,-5 11 0,5-11 0,-1 9 0,-1-7 0,3 5 0,-8 2 0,5-1 0,-5 3 0,-4-1 0,4 4 0,-3-4 0,1 3 0,-2-1 0</inkml:trace>
   <inkml:trace contextRef="#ctx0" brushRef="#br0" timeOffset="-87884.73">15843 5880 24575,'-5'19'0,"1"-5"0,-2 9 0,5-15 0,-7 13 0,7-17 0,-3 5 0,2 4 0,-3 0 0,3 0 0,-4 1 0,3-5 0,-4 14 0,3-15 0,1 9 0,1-12 0,0 3 0,2-3 0,-4 2 0,1-1 0,-1 3 0,1-1 0,-1 4 0,4-6 0,-4 8 0,1-6 0,1 3 0,0-4 0,0-1 0,1 1 0,-3 0 0,4 0 0,-2 3 0,2-2 0,-2 3 0,-1 3 0,1-7 0,0 9 0,2-10 0,0 10 0,0-7 0,0 10 0,0-7 0,0-1 0,0 4 0,0-4 0,0 11 0,0-9 0,0 10 0,0-13 0,0 5 0,0-4 0,0-1 0,0 6 0,0-3 0,0 4 0,0-7 0,2 6 0,-2-5 0,2 4 0,-2-4 0,0 6 0,0-2 0,0 3 0,0-1 0,0-7 0,-2 7 0,2-7 0,-2 5 0,2-6 0,-2 6 0,1-5 0,-3 13 0,1-3 0,0 2 0,0 7 0,1-17-1979,2 18 1979,-2-19 0,-2 19 0,3-18 0,-6 14 0,4-16 0,0 8 0,-1 18 0,1-7 0,-1 8 0,-1 1 0,1-24 0,1 21 0,-1-25 0,4 9 0,-5-2 0,4-4 0,-2 7 0,0-3 0,1 12 0,-2-8 0,0 13 0,4-21 0,-6 16 0,5-18 0,-5 12 0,5-12-1045,-4 8 1045,3-8 0,-2 0 0,-3 15 0,4-15 0,-2 15 0,0-9 0,4-5 0,-9 20 0,8-19 0,-9 14 0,11-17 0,-8 20 0,5-17 0,-2 13 0,1-17 0,2 0 0,-1 9 0,-2-2 0,1 11 0,1-13 0,-3 21 0,3-23 0,-5 27 0,5-22 0,-6 19 0,8-19 0,-7 21 0,7-25 0,-5 17 0,5-22 0,-3 15 0,4-13 0,-2 12 0,2-8 0,-2 17 0,1-8 0,-1 15 1868,2-22-1868,0 14 0,0-18-858,2 9 858,-1-12 0,1-3-40,-2 5 40,0-4 0,2 6 0,-2-5 0,4 6 0,-3-6 0,1 9 0,-2-7 1103,2 9-1103,-2 0 0,2-2 0,-2 3 0,0-12 0,0 17 0,0-10 0,0 15 0,0-6 371,0-5-371,0 8 0,0-16 0,0 16 0,0-16 0,3 28 0,1-20-2656,0 13 2656,-2-13 0,0-9 0,-1 4 0,1-5 0,0 0 0,0 8 0,1 0 0,1-1 464,-4 2-464,4-8 0,-3 8 0,1-6 0,2 18 0,-3-17 1529,5 12-1529,-6-16 0,2 5 0,-2 8 0,2-5 0,-1 2 0,3-6 0,-4 6 0,4-3 0,-3 5 0,1-14 0,0 8 0,-2-9 0,2 9 0,-2-10 0,0 1 0,0 3 1243,0-4-1243,0 4 0,0-1 0,2 8 0,-1 1 0,1 7 0,-2-8 0,0 3 0,0 3 0,0-6 0,0 8 0,0-14 0,0 13 0,-2-13-477,1 8 477,-1-11 0,2 0 0,0 2 0,-2 6 0,2-6 0,-2 11 0,2-14 0,-2 14 0,1-9 0,-3 17 0,2-11 0,-3 5 0,1 0 0,1-11 0,-1 13 0,4-15 0,-4 16 0,-1-4 0,2-2-738,-1 0 738,4-10 0,-2 5 0,1 11 0,-2-8 0,1 5 0,1-5 0,-1-7 0,2 17 0,0-15 0,0 9 0,0-12 0,0 8 0,0-6 0,0 2 0,0 3 0,0-7 0,0 8 0,0-8 0,2 4 0,1-5 0,-1 8 0,2-10 0,-3 9 0,1-10 0,0 14 0,-2-12 0,4 9 0,-3-9 0,3 10 0,-4-8 0,4 5 0,-1-3 0,3 13 0,-1-7-526,2 10 526,-3-18 0,3 14 0,-2-13-457,-1 9 457,0-13 0,1 5 0,0-1 0,3 7 0,-1-3 0,0-4 0,-2 0 1698,1-4-1698,-4 0 500,3 2-500,1 1 0,-5-4 0,5 4 0,-2 1 0,-1-4 0,3 5 0,-5-7 0,3 7 0,-2-5 0,3 4 0,-3-6 0,0 1 0,2 1 0,-3 1 0,5 0 0,-3 0 0,3 1 0,1 0 0,0 1 0,2-5 0,-6 0 0,1-1 0,0 7 0,-1-2 0,5 9 0,-5-9 0,3 3 0,-3-5 0,-1-1 0,4 2 0,-5-3 0,5-1 0,-1 3 0,0-3 0,1 3 0,-1-2 0,1 1 0,3 1 0,-4-1 0,3 2 0,-5-3 0,5 3 0,-2 0 0,0 0 0,0-1 0,5 3 0,0-4 0,10 6 0,-11-6 0,3-1 0,-6-2 0,-1 0 0,-1-1 0,4 1 0,-4-2 0,5 0 0,1 0 0,-1-2 0,3 1 0,-8-1 0,7 0 0,-6 2 0,9-4 0,-10 3 0,12-1 0,-11 2 0,9-2 0,-6 2 0,-2-2 0,12 0 0,-12 1 0,11-1 0,6 2 0,-9 0-1379,11 0 1379,-17 0 0,0 0-276,2 0 276,-2 0 0,2 0 0,2 0 0,5 2 0,-3-1 0,9 3-1192,-13-2 1192,4 1 577,-2 1-577,-5-2 0,13 5 0,-12-4 268,12 3-268,5 0 0,-9-2-872,6 2 872,-17-4 0,17 0 0,-14 1 0,17-1 0,-21-2 0,15 2 0,-12-2 1190,23 4-1190,-12-1 0,6-1 0,10 3 0,-14-2-1040,3 0 1040,-11 1-1230,0-3 1230,2 4 0,7-3 0,-6 4 0,10-1 0,15 8 0,-12-5-2397,11 5 2397,-21-7 0,15 2 0,-15-2-1579,18-1 1579,-29-1 1243,16-3-1243,-10 1 0,12-4 0,-14 1 0,2-3 0,-8 2 1027,6-3-1027,-2 1 0,-1 1 0,6-3 0,-7 3 0,5-3 0,-6 1 3276,9-5-3180,-5 4-96,5-5 0,2 1 0,-9 6 2288,6-6-2288,-7 7 0,-3 1 0,6-2 0,-4 1 0,4 1 0,-4 0 0,4-2 0,-6 1 0,4-1 0,-3-2 0,-1 5 0,2-5 0,-3 5 0,1-1 0,-1 0 0,5 0 0,0-1 0,8-1 0,-2 2 0,6-1 0,-8 1 0,0 0 0,-5 2 0,-1-2 0,0 2 0,6 0 0,-5 0 0,5 0 0,-2 0 0,-2 0 0,8 0 0,-9 0 0,13 0 0,-15 0 0,9 0 0,-10 0 0,7 0 0,-6 0 0,5 0 0,-3-2 0,-2 1 0,6 1 0,-6 1 0,8 5 0,-8-5 0,7 5 0,-1-2 0,-3 1 0,5 2 0,-3-1 0,1-3 0,0 3 0,2-6 0,-8 2 0,5-2 0,-7 0 0,-3-9 0,0 4 0,-3-7 0,0 5 0,2 2 0,-2-1 0,0-3 0,1 2 0,-1-6 0,2 5 0,-2 0 0,2 3 0,-2-5 0,2 4 0,0-5 0,0-1 0,0 5 0,2-5 0,-2 7 0,2-7 0,0 4 0,-1-5 0,3-4 0,-2 10 0,1-7 0,-1 9 0,-2 1 0,2-7 0,0 5 0,3-8 0,-3 8 0,2-10 0,-1 7 0,-1-6 0,4-3 0,-5 8 0,5-6 0,-5 9 0,3-8 0,-2 4 0,1-4 0,-1-1 0,0 9 0,-2-18 0,4 18 0,-3-7 0,1 9 0,0-3 0,-2-3 0,2 1 0,-2-7 0,0 11 0,2-8 0,-1 6 0,1-18 0,-2 14 0,0-21 0,0 1 0,0 9 0,0-10 0,0 5 0,1 4 0,0-5 0,1-14 0,0 27-554,-2-26 554,2 28 0,1-5 0,-2-8 0,2 2 0,0-4 0,-2-1 0,2 9 0,-3-1 0,0-5 0,0 15-748,0-9 748,0 13 0,0-9 0,0 5 0,0-9 0,0 12 533,0-14-533,2 9 0,-2-8 0,4-4 0,-3 13-1877,1-19 1877,-2 21 0,2-17 0,-2 11 0,2-24 0,-2 18 0,0-6 0,0-1 0,0 4 0,0-2 0,0 1 0,0 5 0,0-3 0,0 0 0,0 0-2828,0-12 2828,0 19 0,0-23 0,0 15 0,0-20 0,0 32 0,0-12 0,0-1 0,0 3 0,0-4 0,0-2 0,0 2 0,0 3 0,0-7 0,0 2 0,0-1 194,0-2-194,0-1 0,0 6 0,0-1 0,0 17 0,2-9 0,-1 14 0,1-15 0,-2 11 0,0-12 0,0 16 0,2-13 0,0 10 0,1-13 0,3-4 0,-5 7 1599,5-8-1599,-3-19 0,0 29-563,-1-10 1,-1-1 562,-1 12 0,2-24 0,-2 18 0,1-2 0,0 0 0,-1 1 0,1-4 0,0 2 0,0 6 0,1-14 0,0-2 0,-2 12 0,2-12 404,-2 23-404,0-22 0,0 15 0,2-20 0,2 1 0,-2 15-1838,3-11 1838,-4 23 0,3-14 0,-4 14 0,4-15 2726,-3 16-2726,1 2 0,0-8 0,0-4 0,1 3 0,3-19 0,-5 26 0,3-18 0,2 0 0,-5 11 627,5-12-627,-6 21 0,4-20 0,-3 15 0,6-25 0,-6 28 0,4-37 0,-3 22 1215,1-15-1215,1-2 0,-3 29-1992,2-20 1992,-3 22 0,2-2 0,-1-1 0,1-5 0,-2-4 0,0 4 0,0-14 0,0 18 1495,0-6-1495,-4-7 0,3 18-786,-3-13 786,4 17 0,-4-14 0,1 11 0,-2-11 0,1 16 2076,0-13-2076,1 6 0,-3-5 0,1-5 0,2 12 0,-1-13 0,2 15 0,2-6 0,-4 6 0,1-9 0,1 9 0,-2-17 0,1 12 0,1-9 0,-2-6 0,3 15-1075,-3-11 1075,2 15 0,-5-15 0,4 6 0,-5-12 0,1-10 0,-1 21-2148,-3-24 2148,7 32 0,-9-25 0,7 22 0,-5-14-1723,5 11 1723,4 7 0,-5-7 0,4 6 0,-2 1 851,1-3-851,0-2 0,1 7 0,-1-5 0,2 7 2820,-1-1-2820,1 0 2154,-2-3-2154,1 4 0,1-6 0,0 6 0,0-6 0,-1 6 0,-3-10 0,3 7 0,-3-6 0,-3-6 0,3 7 0,-4-5 0,4 6 0,1 8 0,-2-3 0,3 3 0,1 1 0,-1-3 0,2 2 0,-1-1 0,-1-3 0,4 4 0,-4-4 0,1 5 0,1-1 0,0 1 0,2-1 0,-12 1 0,7 1 0,-10 1 0,9 2 0,-15-2 0,8 2 0,-16-2 0,20 2 0,-19 0 0,18 0-3277,-39 0 2539,33 0 738,-17 0 0,-2 0 0,14-3 0,-5 2 0,-3 1 0,-1-1 0,3-1 0,-11 2-1639,10 0 1,1 0 1019,7 0 619,-9 0 0,-1 0 0,0 0 0,-5 0 0,1 0 0,12 0 0,-11 0 0,-3 0 0,-2 0 0,10 0 0,-2 0 0,-4 1 0,2 1 0,-1 4 0,3-4 0,-1 0 0,-5 3-334,15-5 334,-20 2 0,18-2 0,-26 5 0,30-4-1110,-12 2 1110,22-3 0,-21 2 0,16-2 0,-16 4 0,21-3 0,-13 3 0,11-2 2713,-13 1-2713,4 5 0,6-5 3276,-5 6-2262,3-5-1014,7 1 0,-6-3 494,4 2-494,2-1 1858,-4-1-1858,-1 2 0,7-1 0,-1-1 0,1 0 0,2-2 0,-4 0 0,1 0 0,2 0 0,-2 0 0,3 0 0,-9 0 0,5 0 0,-4-2 0,1 2 0,6-2 0,-5 2 0,1 0 0,2 0 0,-1 0 0,-1-2 0,4 1 0,-2-1 0,-3 2 0,5 0 0,-12-2 0,11 2 0,-11-2 0,12 2 0,-5 0 0,7 0 0,-1 0 0,-3 0 0,2 0 0,-6 0 0,3 0 0,-1 0 0,2 0 0,-3 0 0,3 0 0,-3 0 0,-1 2 0,6-2 0,-5 4 0,7-3 0,-9 3 0,7-4 0,-7 2 0,1 0 0,5-1 0,-7 3 0,5-4 0,2 2 0,-2-2 0,5 0 0,-3 0 0,4 2 0,-3-1 0,6 1 0,-2-2 0</inkml:trace>
   <inkml:trace contextRef="#ctx0" brushRef="#br0" timeOffset="-48063.73">9325 7329 24575,'6'45'0,"-1"-5"0,-3-32 0,-2 8 0,2 2 0,-2 1 0,2 2 0,-1-4 0,1 1 0,0-5 0,-2-2 0,4 4 0,-3-4 0,1 1 0,-2-3 0,2 8 0,0-6-433,1 15 433,-1-15 0,-2 20 0,0-14 0,0 9 0,0 16 0,0-26-583,-2 22 583,1-20 0,-3 6 0,-1 9 0,2-3 0,-2-7 0,0 12 0,3-15 0,-4 20 0,1-11 0,1-2 0,1 6 0,-2 1 0,-1 7 0,1-7-3277,3-1 1691,-2 4 1,1 0 1585,3-9 0,0 0 0,0 1 0,0 9-95,0-13 1,0 0 94,-3 6 0,2-13 0,-5 28 0,6-24 0,-5 5 0,2-6 0,1 3 0,0-6 0,-3 14 0,4-24 0,-6 24 0,4-9 0,1 7-467,0 10 467,2 1 0,0 3 0,0 2 0,0-17 0,0 2 0,0 14 0,2 6 0,-1-9 1736,-1-2-1736,1 7 0,-2-4 636,1-26-636,-3 9 0,0 2 0,2-2-426,0 3 0,-1 0 426,-1 7 0,0-1 0,0 5 353,-1-11-353,1 7 0,0-14 0,-2 18 0,4-27 0,-1 20 0,0-6 0,2-10 3276,-2 9-2123,2-13-1153,-2-5 0,1 14 0,-1-10 0,2 5 0,0 12 0,0-20 1146,0 17-1146,0-17 0,0 3 0,0-3 672,0 2-672,0-4 0,0 0 0,0 3 0,2 2 0,1 2 0,3 5 0,-3-2 0,3-2 0,1 8 0,-4-12 0,3 9 0,-4-11 0,1-1 0,1-5 0,-1 5 0,1-7 0,-4 5 0,4-5 0,-1 1 0,1-2 0,1 0 0,7 10 0,-5-6 0,5 9 0,-7-9 0,-1-1 0,3 2-3277,27 14 0,-18-8 3162,7 1 0,-1-1 115,-10-4 0,28 11 0,-26-9-730,20 3 1,6 0 729,-10-4 0,0 0 0,1 0 0,4 2 0,10 1 0,6 1 0,-8-1-1558,-17-4 1,-1-1 1557,13 4 0,6 0 0,-2 0 0,2-3 0,-4-1 0,-10-2 0,0-1 0,9 3 0,3 0 0,9-2 0,-3-1-108,-23 1 1,0 0 107,21-1 0,7-1 0,-11 0 555,-10 0-555,5-2 0,-2 0 0,-17 0 0,3 0 0,1 0 0,-8 0 0,5 0 0,-11 0 3232,14 0-3232,-4-2 0,1-1 3276,-2 1-1185,-9-2-1655,-3 3-436,15-5 0,-8 3 0,8-1 0,-2 0 0,-11 1 0,12 1 0,-14 0 0,16-2 0,-14 3 989,12-3-989,-6 4 0,-5 0 0,6 0 0,-1 0 0,-2 0 184,2 0-184,0 0 0,-7 0 0,8 0 0,1 0 0,0 0 0,12 0 0,-11 0 0,28-4 0,-12 0 0,1-2 0,-1-1 0,1 1-3277,10-8 2796,-32 9-1224,32-11 1705,-28 7 0,25-7 0,-16 3 0,-3 3 585,2-1-585,-6 5 0,-7 1 0,5 3 0,-8-2 3276,2 3-3059,10-5-217,-9 5 2195,14-3-2195,-18 2 0,11 2 0,2-4 0,-5 3 0,4-1 0,-11 2 0,14-4 0,-11 3 0,13-3 0,-16 4 0,20 0 0,-12 0 0,8 0 0,-4 0 0,-12 0 0,11-2 0,-12 2 0,2-2 0,3-2 0,-3 3 0,9-5 0,-9 3 0,2 1 0,1-2 0,-3 3 0,4-1 0,3 0 0,0 2 0,1-2 0,-3 2 0,-6 0 0,7 0 0,-7 0 0,13 2 0,-3 0 0,0 1 0,-3-1 0,-3-2 0,-6 0 0,12 0 0,-11 0 0,7 0 0,-3 0 0,-4 0 0,5 0 0,-3-2 0,-2-1 0,4 1 0,-3-2 0,-2 1 0,3 1 0,1-2 0,-1 4 0,9-4 0,-6 3 0,1-1 0,3 2 0,-10-2 0,14 2 0,-12-2 0,15 2 0,-15 0 0,5 0 0,1 0 0,-7 0 0,7 0 0,-9 0 0,3 0 0,0 0 0,0 0 0,-1 0 0,-2 0 0,3 0 0,4 2 0,-3-2 0,2 4 0,-3-3 0,-2 1 0,1-2 0,-1 0 0,-1 0 0,1 0 0,-1 0 0,1-2 0,-1-5 0,-1 2 0,-1-6 0,2-6 0,-3 6 0,3-10 0,-2 11 0,-2-7 0,2 3 0,-2-2 0,0 3 0,0 4 0,0-13 0,-3 5-3277,3-19 0,-3 14 3047,1-25-3047,-2 23 2017,-3-23 815,0 16 445,1-12 0,2-1-2015,0 7 2015,1-7 0,1 5 0,2 21 0,0-17 0,0-4 0,0-2 0,2 2 0,1 1 0,-2-4 2893,3 10-2893,-1-7 0,-1-10 0,1 5-1425,0 13 0,1-1 1425,-2-12 0,1-5 0,0 6 0,2 7 0,1 2-439,-3-8 1,1 1 438,-1 6 0,1 0 0,1-5 0,-2 2 0,-2-4-549,2 9 0,0-2 549,-3 6 0,1 0 0,2 0 0,0-3 0,-2-17 0,1 5 0,5 10 0,-5-6 0,0-4 0,0 9 0,1 3 0,1-18 0,-2 18 0,0-3 0,0 2 0,0-3 0,0 4 0,-2 4 0,0 0 547,2-19 1,-1-3-548,1 1 0,-1 6 0,0 5 763,0 3 1,1 1-764,-2 11 0,0-3 0,-2 8 3276,1-5-2980,-1 15-296,2-7 0,0 6 3276,0-10-1123,0 6-1418,0 1-735,0-5 3191,0 9-3191,-4-8 164,3 7-164,-3-6 0,2 2 0,0 5 0,-1-2 0,1-1 0,2 5 0,-2-2 0,2 0 0,-2 2 0,2-3 0,0 1 0,0 3 0,0-1 0,-4 1 0,3 1 0,-5 1 0,-2-3 0,0 1 0,-3 0 0,4-1 0,1 4 0,1-1 0,-2 1 0,3 0 0,-1 2 0,-1-4 0,-1 3 0,0-3 0,0 4 0,-1-4 0,-2 3 0,-1-3 0,2 4 0,2-2 0,1 2 0,-1 0 0,-10-2 0,4 1 0,-4-1-3277,-10 0 0,9 2 3047,-12-2-475,-7 2 705,10 0 0,-10 0-2812,4 0 2812,11 0 0,-9-2 0,-3 1 0,-4 0 0,-8 0 0,-4-1-1639,7 2 1,0 0 1590,3-2 1,2 0 1020,2 1 0,3 0-973,2-2 0,4-1 0,-10 3 0,-11-3 0,-2 0-883,25 4 0,-1-1 883,-23-6 0,0 0 0,3 5 0,12-3 0,-4-1 0,4 2 0,-9 2 0,1-1 0,-7-2 0,8 0 0,3 0 0,5 2 0,-6-1 0,7 0 1416,-1-2-1416,-14 3 0,28 1 0,-9 2 0,18 0 0,-25 0 0,25 0 0,-24 0 0,22 2 0,-19-2 0,22 4 0,-25 1 0,23-2 3276,-15 1-2389,13-4-887,-9 2 0,2-2 1727,-2 2-1727,9-2 3276,4 0-1965,-10 0-1311,10 0 0,-12 0 0,14 0 1153,-14 0-1153,8 0 0,-9 0 0,9-2 0,-1 2 0,5-2 447,0 2-447,3 0 0,1 0 0,-2 0 0,1 0 0,1 0 0,-6 2 0,4-2 0,-4 4 0,2-3 0,-8 5 0,6-3 0,-6 1 0,4 0 0,3-3 0,-18 6 0,16-4 0,-16 2 0,18-1 0,-28 2 0,23-3-1742,-19 4 1742,25-7 0,1 2 0,-1-2-1190,-10 2 1190,7-1 0,-9 3 0,4-4 0,6 2 0,-12-2 0,7 0 0,-1 0 0,0 0 0,10 2 0,-5-1 0,6 1 1631,-7-2-1631,4 0 1301,0 0-1301,-10-4 0,6 1 0,-3-2 0,6 3 0,1 0 0,1 2 0,0-2 0,3 2 0,-1-2 0,1 1 0,-1-1 0,1 2 0,-5 0 0,4 0 0,-5 0 0,5 0 0,1 0 0,-6 0 0,6 0 0,-10 2 0,9-1 0,-10 3 0,8-4 0,-9 2 0,7-2 0,-11 2 0,12-1 0,-9 3 0,6-4 0,0 4 0,1-3 0,3 1 0,-3 2 0,1-3 0,-7 7 0,9-7 0,-3 5 0,1 0 0,4 0 0,-5 2 0,1-1 0,4-2 0,-4-1 0,3 0 0,-4 1 0,3 0 0,-2 1 0,5-1 0,-1-3 0,1 2 0,-2-2 0,-1 5 0,2-4 0,-2 3 0,3-6 0,-3 6 0,-2-5 0,1 3 0,-2-2 0,6-1 0,1 3 0,2-4 0,2 2 0</inkml:trace>
   <inkml:trace contextRef="#ctx0" brushRef="#br0" timeOffset="-4630.73">4368 12441 24575,'4'7'0,"1"2"0,-3-4 0,2 3 0,-3-3 0,1 2 0,-2-3 0,0 1 0,2-3 0,-2 6 0,4-6 0,-3 5 0,3-2 0,-4 0 0,2 3 0,0-5 0,-1 7 0,3-2 0,-4 1 0,4 2 0,-4-6 0,4 9 0,-1 1 0,1 1 0,-1 1 0,-1-9 0,-2 4 0,0-6 0,0 2 0,0-4 0,0 3 0,0 0 0,0 4 0,0 2 0,0 3 0,0-4 0,0 1 0,0-6 0,0 8 0,0-1 0,0 2 0,2 5 0,-2-6 0,4 1 0,-3-4 0,1-1 0,-2-3 0,2 9 0,-2-11 0,4 10 0,-3-10 0,1 5 0,0-5 0,-2 1 0,2 2 0,-2 2 0,0-1 0,0 2 0,0-4 0,0 0 0,0 1 0,0 2 0,0 1 0,0 5 0,0-7 0,0 7 0,2-7 0,-1 14 0,1-4 0,-2 1 0,0 6 0,0-15 0,-2 15 0,-1-8 0,1 0-1055,0-3 1055,2-7-296,0 2 296,0-1 0,0 7 0,0-9 0,0 13 0,0-7 0,0 1 0,0 3 0,0-12 0,0 9 0,0-10 1039,0 7-1039,0-6 312,-2 10-312,1-1 0,-1 9 0,2-9 0,0 6 0,0-9 0,-2 2 0,2-3 0,-2-5 0,0 3 0,1-2 0,-3 10 0,4-9 0,-2 13 0,2-15 0,-2 15 0,1-13 0,-1 13 0,2-12 0,-2 9 0,2-10 0,-2 9 0,2-7 0,-2 9 0,-1-3 0,1 7 0,-2-9 0,4 5 0,-4-13 0,1 12 0,-1-7 0,1 4 0,-3-2 0,1 2 0,-2 4 0,3-5 0,0 14 0,3-18 0,-6 28 0,6-25-2936,-7 22 2936,7-19 0,-7 24 0,6-16 0,-4 17 0,6-25 0,-6 23 0,5-24 0,-8 28 0,8-31-1682,-3 18 1682,3-19 0,-1 6 0,2-8 0,0 9 0,0-9 0,0 16 0,0-18 0,0 15 0,0-3 0,2-4 0,-1 6 0,0-14 0,-1 4 0,0-2 2655,0 0-2655,0-2 1963,0 6-1963,0-2 0,0 7 0,-1 2 0,0-7 0,-3 5 0,4-12 0,-2 7 0,2-2 0,0 1 0,0-1 0,0 0 0,0-6 0,0 1 0,0-1 0,0 1 0,-2 3 0,1-2 0,-1 2 0,2-5 0,0 3 0,0-2 0,0 3 0,0-3 0,0 2 0,0-3 0,0 1 0,0-1 0,2 1 0,-1 1 0,1-1 0,-2 2 0,2-1 0,-2-1 0,2 4 0,-2-4 0,2 5 0,-1 0 0,2 3 0,-2-4 0,3 0 0,-4-5 0,4 1 0,-1-1 0,1-1 0,1 1 0,-1-2 0,-1 3 0,1-3 0,-4 2 0,4-1 0,-1 3 0,-1-1 0,2 0 0,-1-3 0,-1 0 0,2-2 0,-3 4 0,3-3 0,-4-1 0,2-1 0,-2-1 0</inkml:trace>
@@ -536,7 +538,7 @@
           <a:p>
             <a:fld id="{DCEF4B14-04A6-F74D-B5E6-D841F2DACEA7}" type="datetimeFigureOut">
               <a:rPr lang="en-US" smtClean="0"/>
-              <a:t>3/29/22</a:t>
+              <a:t>4/2/24</a:t>
             </a:fld>
             <a:endParaRPr lang="en-US"/>
           </a:p>
@@ -747,7 +749,7 @@
           <a:p>
             <a:fld id="{DCEF4B14-04A6-F74D-B5E6-D841F2DACEA7}" type="datetimeFigureOut">
               <a:rPr lang="en-US" smtClean="0"/>
-              <a:t>3/29/22</a:t>
+              <a:t>4/2/24</a:t>
             </a:fld>
             <a:endParaRPr lang="en-US"/>
           </a:p>
@@ -962,7 +964,7 @@
           <a:p>
             <a:fld id="{DCEF4B14-04A6-F74D-B5E6-D841F2DACEA7}" type="datetimeFigureOut">
               <a:rPr lang="en-US" smtClean="0"/>
-              <a:t>3/29/22</a:t>
+              <a:t>4/2/24</a:t>
             </a:fld>
             <a:endParaRPr lang="en-US"/>
           </a:p>
@@ -1163,7 +1165,7 @@
           <a:p>
             <a:fld id="{DCEF4B14-04A6-F74D-B5E6-D841F2DACEA7}" type="datetimeFigureOut">
               <a:rPr lang="en-US" smtClean="0"/>
-              <a:t>3/29/22</a:t>
+              <a:t>4/2/24</a:t>
             </a:fld>
             <a:endParaRPr lang="en-US"/>
           </a:p>
@@ -1442,7 +1444,7 @@
           <a:p>
             <a:fld id="{DCEF4B14-04A6-F74D-B5E6-D841F2DACEA7}" type="datetimeFigureOut">
               <a:rPr lang="en-US" smtClean="0"/>
-              <a:t>3/29/22</a:t>
+              <a:t>4/2/24</a:t>
             </a:fld>
             <a:endParaRPr lang="en-US"/>
           </a:p>
@@ -1710,7 +1712,7 @@
           <a:p>
             <a:fld id="{DCEF4B14-04A6-F74D-B5E6-D841F2DACEA7}" type="datetimeFigureOut">
               <a:rPr lang="en-US" smtClean="0"/>
-              <a:t>3/29/22</a:t>
+              <a:t>4/2/24</a:t>
             </a:fld>
             <a:endParaRPr lang="en-US"/>
           </a:p>
@@ -2126,7 +2128,7 @@
           <a:p>
             <a:fld id="{DCEF4B14-04A6-F74D-B5E6-D841F2DACEA7}" type="datetimeFigureOut">
               <a:rPr lang="en-US" smtClean="0"/>
-              <a:t>3/29/22</a:t>
+              <a:t>4/2/24</a:t>
             </a:fld>
             <a:endParaRPr lang="en-US"/>
           </a:p>
@@ -2275,7 +2277,7 @@
           <a:p>
             <a:fld id="{DCEF4B14-04A6-F74D-B5E6-D841F2DACEA7}" type="datetimeFigureOut">
               <a:rPr lang="en-US" smtClean="0"/>
-              <a:t>3/29/22</a:t>
+              <a:t>4/2/24</a:t>
             </a:fld>
             <a:endParaRPr lang="en-US"/>
           </a:p>
@@ -2401,7 +2403,7 @@
           <a:p>
             <a:fld id="{DCEF4B14-04A6-F74D-B5E6-D841F2DACEA7}" type="datetimeFigureOut">
               <a:rPr lang="en-US" smtClean="0"/>
-              <a:t>3/29/22</a:t>
+              <a:t>4/2/24</a:t>
             </a:fld>
             <a:endParaRPr lang="en-US"/>
           </a:p>
@@ -2652,7 +2654,7 @@
           <a:p>
             <a:fld id="{DCEF4B14-04A6-F74D-B5E6-D841F2DACEA7}" type="datetimeFigureOut">
               <a:rPr lang="en-US" smtClean="0"/>
-              <a:t>3/29/22</a:t>
+              <a:t>4/2/24</a:t>
             </a:fld>
             <a:endParaRPr lang="en-US"/>
           </a:p>
@@ -3097,7 +3099,7 @@
           <a:p>
             <a:fld id="{DCEF4B14-04A6-F74D-B5E6-D841F2DACEA7}" type="datetimeFigureOut">
               <a:rPr lang="en-US" smtClean="0"/>
-              <a:t>3/29/22</a:t>
+              <a:t>4/2/24</a:t>
             </a:fld>
             <a:endParaRPr lang="en-US"/>
           </a:p>
@@ -3424,7 +3426,7 @@
           <a:p>
             <a:fld id="{DCEF4B14-04A6-F74D-B5E6-D841F2DACEA7}" type="datetimeFigureOut">
               <a:rPr lang="en-US" smtClean="0"/>
-              <a:t>3/29/22</a:t>
+              <a:t>4/2/24</a:t>
             </a:fld>
             <a:endParaRPr lang="en-US"/>
           </a:p>
@@ -3915,7 +3917,7 @@
           <p:cNvPr id="2" name="Title 1">
             <a:extLst>
               <a:ext uri="{FF2B5EF4-FFF2-40B4-BE49-F238E27FC236}">
-                <a16:creationId xmlns:a16="http://schemas.microsoft.com/office/drawing/2014/main" id="{540803ED-0CCF-1C48-9505-8A279F45AB8B}"/>
+                <a16:creationId xmlns:a16="http://schemas.microsoft.com/office/drawing/2014/main" id="{52D89D82-C8E6-AC4F-B7DC-2C0C0861C3C7}"/>
               </a:ext>
             </a:extLst>
           </p:cNvPr>
@@ -3923,152 +3925,52 @@
             <a:spLocks noGrp="1"/>
           </p:cNvSpPr>
           <p:nvPr>
-            <p:ph type="title"/>
+            <p:ph type="ctrTitle"/>
           </p:nvPr>
         </p:nvSpPr>
         <p:spPr/>
         <p:txBody>
+          <a:bodyPr>
+            <a:normAutofit fontScale="90000"/>
+          </a:bodyPr>
+          <a:lstStyle/>
+          <a:p>
+            <a:r>
+              <a:rPr lang="en-US" dirty="0"/>
+              <a:t>Images and Convolutional Networks</a:t>
+            </a:r>
+          </a:p>
+        </p:txBody>
+      </p:sp>
+      <p:sp>
+        <p:nvSpPr>
+          <p:cNvPr id="3" name="Subtitle 2">
+            <a:extLst>
+              <a:ext uri="{FF2B5EF4-FFF2-40B4-BE49-F238E27FC236}">
+                <a16:creationId xmlns:a16="http://schemas.microsoft.com/office/drawing/2014/main" id="{5B6AC208-76B5-344E-82D3-DAC460F2A870}"/>
+              </a:ext>
+            </a:extLst>
+          </p:cNvPr>
+          <p:cNvSpPr>
+            <a:spLocks noGrp="1"/>
+          </p:cNvSpPr>
+          <p:nvPr>
+            <p:ph type="subTitle" idx="1"/>
+          </p:nvPr>
+        </p:nvSpPr>
+        <p:spPr/>
+        <p:txBody>
           <a:bodyPr/>
           <a:lstStyle/>
           <a:p>
-            <a:r>
-              <a:rPr lang="en-US" dirty="0"/>
-              <a:t>Clustering – What I did</a:t>
-            </a:r>
-          </a:p>
-        </p:txBody>
-      </p:sp>
-      <p:sp>
-        <p:nvSpPr>
-          <p:cNvPr id="3" name="Content Placeholder 2">
-            <a:extLst>
-              <a:ext uri="{FF2B5EF4-FFF2-40B4-BE49-F238E27FC236}">
-                <a16:creationId xmlns:a16="http://schemas.microsoft.com/office/drawing/2014/main" id="{34C9A4D6-EDA5-134E-AF94-E7FD8C34A4C2}"/>
-              </a:ext>
-            </a:extLst>
-          </p:cNvPr>
-          <p:cNvSpPr>
-            <a:spLocks noGrp="1"/>
-          </p:cNvSpPr>
-          <p:nvPr>
-            <p:ph idx="1"/>
-          </p:nvPr>
-        </p:nvSpPr>
-        <p:spPr>
-          <a:xfrm>
-            <a:off x="989704" y="2015732"/>
-            <a:ext cx="10520977" cy="4037749"/>
-          </a:xfrm>
-        </p:spPr>
-        <p:txBody>
-          <a:bodyPr>
-            <a:normAutofit/>
-          </a:bodyPr>
-          <a:lstStyle/>
-          <a:p>
-            <a:pPr marL="457200" indent="-457200">
-              <a:buFont typeface="+mj-lt"/>
-              <a:buAutoNum type="arabicPeriod"/>
-            </a:pPr>
-            <a:r>
-              <a:rPr lang="en-US" dirty="0"/>
-              <a:t>Cluster the digits into similar groups (not knowing the label yet).</a:t>
-            </a:r>
-          </a:p>
-          <a:p>
-            <a:pPr marL="914400" lvl="1" indent="-457200">
-              <a:buFont typeface="+mj-lt"/>
-              <a:buAutoNum type="arabicPeriod"/>
-            </a:pPr>
-            <a:r>
-              <a:rPr lang="en-US" dirty="0"/>
-              <a:t>This can be 10 clusters, or more. More allows for a group for skinny 8s, another for bubbly 8s, </a:t>
-            </a:r>
-            <a:r>
-              <a:rPr lang="en-US" dirty="0" err="1"/>
-              <a:t>etc</a:t>
-            </a:r>
-            <a:r>
-              <a:rPr lang="en-US" dirty="0"/>
-              <a:t>…</a:t>
-            </a:r>
-          </a:p>
-          <a:p>
-            <a:pPr marL="914400" lvl="1" indent="-457200">
-              <a:buFont typeface="+mj-lt"/>
-              <a:buAutoNum type="arabicPeriod"/>
-            </a:pPr>
-            <a:r>
-              <a:rPr lang="en-US" dirty="0"/>
-              <a:t>It does not matter what you used to do the clustering. </a:t>
-            </a:r>
-          </a:p>
-          <a:p>
-            <a:pPr marL="457200" indent="-457200">
-              <a:buFont typeface="+mj-lt"/>
-              <a:buAutoNum type="arabicPeriod"/>
-            </a:pPr>
-            <a:r>
-              <a:rPr lang="en-US" dirty="0"/>
-              <a:t>Propagate the labels – manually say “cluster X is actually digit Y. “</a:t>
-            </a:r>
-          </a:p>
-          <a:p>
-            <a:pPr marL="914400" lvl="1" indent="-457200">
-              <a:buFont typeface="+mj-lt"/>
-              <a:buAutoNum type="arabicPeriod"/>
-            </a:pPr>
-            <a:r>
-              <a:rPr lang="en-US" dirty="0"/>
-              <a:t>If there are more than 10 clusters, several will match each digit. </a:t>
-            </a:r>
-          </a:p>
-          <a:p>
-            <a:pPr marL="914400" lvl="1" indent="-457200">
-              <a:buFont typeface="+mj-lt"/>
-              <a:buAutoNum type="arabicPeriod"/>
-            </a:pPr>
-            <a:r>
-              <a:rPr lang="en-US" dirty="0"/>
-              <a:t>I consolidated the clusters. If you wanted ‘prettier’ numbers you could leave out the uglier clusters. </a:t>
-            </a:r>
-          </a:p>
-          <a:p>
-            <a:pPr marL="457200" indent="-457200">
-              <a:buFont typeface="+mj-lt"/>
-              <a:buAutoNum type="arabicPeriod"/>
-            </a:pPr>
-            <a:r>
-              <a:rPr lang="en-US" dirty="0"/>
-              <a:t>Now there are 10 groups of training data – one per number. </a:t>
-            </a:r>
-          </a:p>
-          <a:p>
-            <a:pPr marL="457200" indent="-457200">
-              <a:buFont typeface="+mj-lt"/>
-              <a:buAutoNum type="arabicPeriod"/>
-            </a:pPr>
-            <a:r>
-              <a:rPr lang="en-US" dirty="0"/>
-              <a:t>Train a GMM on each number’s data. The result of this is a GMM model that “is” a digit. </a:t>
-            </a:r>
-          </a:p>
-          <a:p>
-            <a:pPr marL="457200" indent="-457200">
-              <a:buFont typeface="+mj-lt"/>
-              <a:buAutoNum type="arabicPeriod"/>
-            </a:pPr>
-            <a:r>
-              <a:rPr lang="en-US" dirty="0"/>
-              <a:t>When printing a number, ask the correct GMM to generate a digit with sample. </a:t>
-            </a:r>
+            <a:endParaRPr lang="en-US"/>
           </a:p>
         </p:txBody>
       </p:sp>
     </p:spTree>
     <p:extLst>
       <p:ext uri="{BB962C8B-B14F-4D97-AF65-F5344CB8AC3E}">
-        <p14:creationId xmlns:p14="http://schemas.microsoft.com/office/powerpoint/2010/main" val="2931154932"/>
+        <p14:creationId xmlns:p14="http://schemas.microsoft.com/office/powerpoint/2010/main" val="980147196"/>
       </p:ext>
     </p:extLst>
   </p:cSld>
@@ -4100,7 +4002,7 @@
           <p:cNvPr id="2" name="Title 1">
             <a:extLst>
               <a:ext uri="{FF2B5EF4-FFF2-40B4-BE49-F238E27FC236}">
-                <a16:creationId xmlns:a16="http://schemas.microsoft.com/office/drawing/2014/main" id="{A9DF2AF1-B6CB-F74F-B8D0-3ABC4C802CB1}"/>
+                <a16:creationId xmlns:a16="http://schemas.microsoft.com/office/drawing/2014/main" id="{2C9214A3-F495-2840-89CA-9D2DF72B8616}"/>
               </a:ext>
             </a:extLst>
           </p:cNvPr>
@@ -4118,7 +4020,7 @@
           <a:p>
             <a:r>
               <a:rPr lang="en-US" dirty="0"/>
-              <a:t>Images in Neural Networks</a:t>
+              <a:t>Convolutional Neural Networks (CNN)</a:t>
             </a:r>
           </a:p>
         </p:txBody>
@@ -4128,7 +4030,7 @@
           <p:cNvPr id="3" name="Content Placeholder 2">
             <a:extLst>
               <a:ext uri="{FF2B5EF4-FFF2-40B4-BE49-F238E27FC236}">
-                <a16:creationId xmlns:a16="http://schemas.microsoft.com/office/drawing/2014/main" id="{C46F2DBC-406F-2840-82C9-58C0B16CC630}"/>
+                <a16:creationId xmlns:a16="http://schemas.microsoft.com/office/drawing/2014/main" id="{FAF6FFA3-7135-8741-8D1E-810E84584270}"/>
               </a:ext>
             </a:extLst>
           </p:cNvPr>
@@ -4142,7 +4044,7 @@
         <p:spPr>
           <a:xfrm>
             <a:off x="1451579" y="2015732"/>
-            <a:ext cx="9603275" cy="4037749"/>
+            <a:ext cx="9603275" cy="4206164"/>
           </a:xfrm>
         </p:spPr>
         <p:txBody>
@@ -4151,46 +4053,40 @@
           <a:p>
             <a:r>
               <a:rPr lang="en-US" dirty="0"/>
-              <a:t>Image recognition is one of the big leaders in modern neural networks. </a:t>
-            </a:r>
-          </a:p>
-          <a:p>
-            <a:r>
-              <a:rPr lang="en-US" dirty="0"/>
-              <a:t>Can be far more accurate, especially in big data. </a:t>
-            </a:r>
-          </a:p>
-          <a:p>
-            <a:r>
-              <a:rPr lang="en-US" dirty="0"/>
-              <a:t>Images have spatial relationships not well represented in linear arrays:</a:t>
+              <a:t>A CNN is a different variation of neural network that does well with images.</a:t>
             </a:r>
           </a:p>
           <a:p>
             <a:pPr lvl="1"/>
             <a:r>
               <a:rPr lang="en-US" dirty="0"/>
-              <a:t>E.g. a bike has two wheels, and a triangle in between. </a:t>
+              <a:t>Until now we’ve used “standard” dense neural networks. Feed-forward. </a:t>
+            </a:r>
+          </a:p>
+          <a:p>
+            <a:r>
+              <a:rPr lang="en-US" dirty="0"/>
+              <a:t>CNN is based on the concept of “convolution”, a mathematical technique:</a:t>
             </a:r>
           </a:p>
           <a:p>
             <a:pPr lvl="1"/>
             <a:r>
               <a:rPr lang="en-US" dirty="0"/>
-              <a:t>It doesn’t matter where in an image this object is, only the location relative each other. </a:t>
-            </a:r>
-          </a:p>
-          <a:p>
-            <a:r>
-              <a:rPr lang="en-US" dirty="0"/>
-              <a:t>Convolutional neural networks are able to examine images in a way that captures spatial relationships. </a:t>
+              <a:t>Convolution is a mathematical operation on two functions that produces a third function that expresses how the shape of one is modified by the other.</a:t>
+            </a:r>
+          </a:p>
+          <a:p>
+            <a:r>
+              <a:rPr lang="en-US" dirty="0"/>
+              <a:t>For our purposes CNN has a small window (kernel/filter) that looks at one section of an image (e.g. 3 x 3), transforms that for an output, and slides pixel by pixel (stride) over the entire image. </a:t>
             </a:r>
           </a:p>
           <a:p>
             <a:pPr lvl="1"/>
             <a:r>
               <a:rPr lang="en-US" dirty="0"/>
-              <a:t>The deep networks from last time that do well at image recognition are CNNs. </a:t>
+              <a:t>Convoluted definition, simple idea to visualize…</a:t>
             </a:r>
           </a:p>
         </p:txBody>
@@ -4198,7 +4094,7 @@
     </p:spTree>
     <p:extLst>
       <p:ext uri="{BB962C8B-B14F-4D97-AF65-F5344CB8AC3E}">
-        <p14:creationId xmlns:p14="http://schemas.microsoft.com/office/powerpoint/2010/main" val="4171629867"/>
+        <p14:creationId xmlns:p14="http://schemas.microsoft.com/office/powerpoint/2010/main" val="197721867"/>
       </p:ext>
     </p:extLst>
   </p:cSld>
@@ -4230,7 +4126,7 @@
           <p:cNvPr id="2" name="Title 1">
             <a:extLst>
               <a:ext uri="{FF2B5EF4-FFF2-40B4-BE49-F238E27FC236}">
-                <a16:creationId xmlns:a16="http://schemas.microsoft.com/office/drawing/2014/main" id="{2C9214A3-F495-2840-89CA-9D2DF72B8616}"/>
+                <a16:creationId xmlns:a16="http://schemas.microsoft.com/office/drawing/2014/main" id="{2833260B-126C-1146-9F78-897B0CEF03A9}"/>
               </a:ext>
             </a:extLst>
           </p:cNvPr>
@@ -4248,7 +4144,7 @@
           <a:p>
             <a:r>
               <a:rPr lang="en-US" dirty="0"/>
-              <a:t>Convolutional Neural Networks (CNN)</a:t>
+              <a:t>BUT First… Basic CNN Parts</a:t>
             </a:r>
           </a:p>
         </p:txBody>
@@ -4258,7 +4154,7 @@
           <p:cNvPr id="3" name="Content Placeholder 2">
             <a:extLst>
               <a:ext uri="{FF2B5EF4-FFF2-40B4-BE49-F238E27FC236}">
-                <a16:creationId xmlns:a16="http://schemas.microsoft.com/office/drawing/2014/main" id="{FAF6FFA3-7135-8741-8D1E-810E84584270}"/>
+                <a16:creationId xmlns:a16="http://schemas.microsoft.com/office/drawing/2014/main" id="{3A391A93-7A36-3241-93A7-F1953EB2E19F}"/>
               </a:ext>
             </a:extLst>
           </p:cNvPr>
@@ -4272,7 +4168,7 @@
         <p:spPr>
           <a:xfrm>
             <a:off x="1451579" y="2015732"/>
-            <a:ext cx="9603275" cy="4206164"/>
+            <a:ext cx="9603275" cy="4037749"/>
           </a:xfrm>
         </p:spPr>
         <p:txBody>
@@ -4281,48 +4177,66 @@
           <a:p>
             <a:r>
               <a:rPr lang="en-US" dirty="0"/>
-              <a:t>A CNN is a different variation of neural network that does well with images.</a:t>
+              <a:t>CNN have different types of layers than the Dense we are used to:</a:t>
             </a:r>
           </a:p>
           <a:p>
             <a:pPr lvl="1"/>
             <a:r>
               <a:rPr lang="en-US" dirty="0"/>
-              <a:t>Until now we’ve used “standard” dense neural networks. Feed-forward. </a:t>
-            </a:r>
-          </a:p>
-          <a:p>
-            <a:r>
-              <a:rPr lang="en-US" dirty="0"/>
-              <a:t>CNN is based on the concept of “convolution”, a mathematical technique:</a:t>
+              <a:t>Convolutional layers – do the convolution step just mentioned. </a:t>
             </a:r>
           </a:p>
           <a:p>
             <a:pPr lvl="1"/>
             <a:r>
               <a:rPr lang="en-US" dirty="0"/>
-              <a:t>Convolution is a mathematical operation on two functions that produces a third function that expresses how the shape of one is modified by the other.</a:t>
-            </a:r>
-          </a:p>
-          <a:p>
-            <a:r>
-              <a:rPr lang="en-US" dirty="0"/>
-              <a:t>For our purposes CNN has a small window (kernel/filter) that looks at one section of an image (e.g. 3 x 3), transforms that for an output, and slides pixel by pixel (stride) over the entire image. </a:t>
+              <a:t>Pooling Layers</a:t>
             </a:r>
           </a:p>
           <a:p>
             <a:pPr lvl="1"/>
             <a:r>
               <a:rPr lang="en-US" dirty="0"/>
-              <a:t>Convoluted definition, simple idea to visualize…</a:t>
-            </a:r>
+              <a:t>“Normal” neural network layers – take the data processed by the convolutional parts and do a “standard” prediction. </a:t>
+            </a:r>
+          </a:p>
+          <a:p>
+            <a:r>
+              <a:rPr lang="en-US" dirty="0"/>
+              <a:t>First, we’ll look at the convolutional layer part. </a:t>
+            </a:r>
+          </a:p>
+          <a:p>
+            <a:r>
+              <a:rPr lang="en-US" dirty="0"/>
+              <a:t>Simple parts:</a:t>
+            </a:r>
+          </a:p>
+          <a:p>
+            <a:pPr lvl="1"/>
+            <a:r>
+              <a:rPr lang="en-US" dirty="0"/>
+              <a:t>The stride is how many pixels the filter slides, we have 1 in the example. </a:t>
+            </a:r>
+          </a:p>
+          <a:p>
+            <a:pPr lvl="1"/>
+            <a:r>
+              <a:rPr lang="en-US" dirty="0"/>
+              <a:t>The filter/kernel size is the dimension of the pixels being looked at. </a:t>
+            </a:r>
+          </a:p>
+          <a:p>
+            <a:pPr lvl="1"/>
+            <a:endParaRPr lang="en-US" dirty="0"/>
           </a:p>
         </p:txBody>
       </p:sp>
     </p:spTree>
     <p:extLst>
       <p:ext uri="{BB962C8B-B14F-4D97-AF65-F5344CB8AC3E}">
-        <p14:creationId xmlns:p14="http://schemas.microsoft.com/office/powerpoint/2010/main" val="197721867"/>
+        <p14:creationId xmlns:p14="http://schemas.microsoft.com/office/powerpoint/2010/main" val="1823046554"/>
       </p:ext>
     </p:extLst>
   </p:cSld>
@@ -4354,7 +4268,7 @@
           <p:cNvPr id="2" name="Title 1">
             <a:extLst>
               <a:ext uri="{FF2B5EF4-FFF2-40B4-BE49-F238E27FC236}">
-                <a16:creationId xmlns:a16="http://schemas.microsoft.com/office/drawing/2014/main" id="{2833260B-126C-1146-9F78-897B0CEF03A9}"/>
+                <a16:creationId xmlns:a16="http://schemas.microsoft.com/office/drawing/2014/main" id="{75CE81AE-FDC4-59C1-349A-5A6E1A0A6A99}"/>
               </a:ext>
             </a:extLst>
           </p:cNvPr>
@@ -4372,7 +4286,7 @@
           <a:p>
             <a:r>
               <a:rPr lang="en-US" dirty="0"/>
-              <a:t>BUT First… Basic CNN Parts</a:t>
+              <a:t>Stop Being so Convoluted!</a:t>
             </a:r>
           </a:p>
         </p:txBody>
@@ -4382,7 +4296,7 @@
           <p:cNvPr id="3" name="Content Placeholder 2">
             <a:extLst>
               <a:ext uri="{FF2B5EF4-FFF2-40B4-BE49-F238E27FC236}">
-                <a16:creationId xmlns:a16="http://schemas.microsoft.com/office/drawing/2014/main" id="{3A391A93-7A36-3241-93A7-F1953EB2E19F}"/>
+                <a16:creationId xmlns:a16="http://schemas.microsoft.com/office/drawing/2014/main" id="{018EBB9B-48A9-1FCA-2569-E6976B7AD6D0}"/>
               </a:ext>
             </a:extLst>
           </p:cNvPr>
@@ -4405,66 +4319,54 @@
           <a:p>
             <a:r>
               <a:rPr lang="en-US" dirty="0"/>
-              <a:t>CNN have different types of layers than the Dense we are used to:</a:t>
+              <a:t>Convolutional neural networks are able to capture spatial relationships in data. </a:t>
             </a:r>
           </a:p>
           <a:p>
             <a:pPr lvl="1"/>
             <a:r>
               <a:rPr lang="en-US" dirty="0"/>
-              <a:t>Convolutional layers – do the convolution step just mentioned. </a:t>
+              <a:t>I.e. where certain features (pixels) are in relationship to others. </a:t>
+            </a:r>
+          </a:p>
+          <a:p>
+            <a:r>
+              <a:rPr lang="en-US" dirty="0"/>
+              <a:t>Rather than processing the data as a set of features, CNNs take 2D ‘windows’. </a:t>
             </a:r>
           </a:p>
           <a:p>
             <a:pPr lvl="1"/>
             <a:r>
               <a:rPr lang="en-US" dirty="0"/>
-              <a:t>Pooling Layers</a:t>
+              <a:t>This means that an area of an image can be represented in the translated data. </a:t>
             </a:r>
           </a:p>
           <a:p>
             <a:pPr lvl="1"/>
             <a:r>
               <a:rPr lang="en-US" dirty="0"/>
-              <a:t>“Normal” neural network layers – take the data processed by the convolutional parts and do a “standard” prediction. </a:t>
-            </a:r>
-          </a:p>
-          <a:p>
-            <a:r>
-              <a:rPr lang="en-US" dirty="0"/>
-              <a:t>First, we’ll look at the convolutional layer part. </a:t>
-            </a:r>
-          </a:p>
-          <a:p>
-            <a:r>
-              <a:rPr lang="en-US" dirty="0"/>
-              <a:t>Simple parts:</a:t>
-            </a:r>
-          </a:p>
-          <a:p>
-            <a:pPr lvl="1"/>
-            <a:r>
-              <a:rPr lang="en-US" dirty="0"/>
-              <a:t>The stride is how many pixels the filter slides, we have 1 in the example. </a:t>
-            </a:r>
-          </a:p>
-          <a:p>
-            <a:pPr lvl="1"/>
-            <a:r>
-              <a:rPr lang="en-US" dirty="0"/>
-              <a:t>The filter/kernel size is the dimension of the pixels being looked at. </a:t>
-            </a:r>
-          </a:p>
-          <a:p>
-            <a:pPr lvl="1"/>
-            <a:endParaRPr lang="en-US" dirty="0"/>
+              <a:t>For example, the model can “see” an edge of a lane or a face, irrespective of the exact features (pixels) that make it up. </a:t>
+            </a:r>
+          </a:p>
+          <a:p>
+            <a:r>
+              <a:rPr lang="en-US" dirty="0"/>
+              <a:t>The initial layers of a CNN translate the images into features, using these 2D windows.</a:t>
+            </a:r>
+          </a:p>
+          <a:p>
+            <a:r>
+              <a:rPr lang="en-US" dirty="0"/>
+              <a:t>Those features are eventually fed into a regular network for final prediction. </a:t>
+            </a:r>
           </a:p>
         </p:txBody>
       </p:sp>
     </p:spTree>
     <p:extLst>
       <p:ext uri="{BB962C8B-B14F-4D97-AF65-F5344CB8AC3E}">
-        <p14:creationId xmlns:p14="http://schemas.microsoft.com/office/powerpoint/2010/main" val="1823046554"/>
+        <p14:creationId xmlns:p14="http://schemas.microsoft.com/office/powerpoint/2010/main" val="1112236958"/>
       </p:ext>
     </p:extLst>
   </p:cSld>
@@ -5883,7 +5785,7 @@
           <p:cNvPr id="2" name="Title 1">
             <a:extLst>
               <a:ext uri="{FF2B5EF4-FFF2-40B4-BE49-F238E27FC236}">
-                <a16:creationId xmlns:a16="http://schemas.microsoft.com/office/drawing/2014/main" id="{0D71EC6D-662C-A046-BC25-9EA73C27B435}"/>
+                <a16:creationId xmlns:a16="http://schemas.microsoft.com/office/drawing/2014/main" id="{BF512CCA-4F11-3249-AED9-0D0D7D9D77E9}"/>
               </a:ext>
             </a:extLst>
           </p:cNvPr>
@@ -5901,7 +5803,7 @@
           <a:p>
             <a:r>
               <a:rPr lang="en-US" dirty="0"/>
-              <a:t>Clustering – Basic Observations</a:t>
+              <a:t>Detour 1 – Sequential vs Functional</a:t>
             </a:r>
           </a:p>
         </p:txBody>
@@ -5911,7 +5813,7 @@
           <p:cNvPr id="3" name="Content Placeholder 2">
             <a:extLst>
               <a:ext uri="{FF2B5EF4-FFF2-40B4-BE49-F238E27FC236}">
-                <a16:creationId xmlns:a16="http://schemas.microsoft.com/office/drawing/2014/main" id="{6F325E71-F2BE-F248-B2A9-74570EE2EFD3}"/>
+                <a16:creationId xmlns:a16="http://schemas.microsoft.com/office/drawing/2014/main" id="{852D2B1B-77A8-6C42-83C7-6FEEC4193082}"/>
               </a:ext>
             </a:extLst>
           </p:cNvPr>
@@ -5922,64 +5824,88 @@
             <p:ph idx="1"/>
           </p:nvPr>
         </p:nvSpPr>
-        <p:spPr/>
-        <p:txBody>
-          <a:bodyPr/>
-          <a:lstStyle/>
-          <a:p>
-            <a:r>
-              <a:rPr lang="en-US" dirty="0"/>
-              <a:t>Some people seemed to make it somewhat longer and more complex than needed. </a:t>
-            </a:r>
-          </a:p>
-          <a:p>
-            <a:r>
-              <a:rPr lang="en-US" dirty="0"/>
-              <a:t>Random things can be “un-randomized” by setting a seed. I forgot to do this as well. </a:t>
-            </a:r>
-          </a:p>
-          <a:p>
-            <a:r>
-              <a:rPr lang="en-US" dirty="0"/>
-              <a:t>Speed/efficiency – some people had the digit generation bit doing processing, this is slow. Once we’ve trained the GMM, creating a new digit should be fast. </a:t>
-            </a:r>
-          </a:p>
-          <a:p>
-            <a:r>
-              <a:rPr lang="en-US" dirty="0"/>
-              <a:t>Some people has some small issues manipulating the data, this is just practice. </a:t>
-            </a:r>
-          </a:p>
-          <a:p>
-            <a:r>
-              <a:rPr lang="en-US" dirty="0"/>
-              <a:t>There was no visualization needed (outside of printing digits themselves). </a:t>
+        <p:spPr>
+          <a:xfrm>
+            <a:off x="1451579" y="1853754"/>
+            <a:ext cx="9603275" cy="4299620"/>
+          </a:xfrm>
+        </p:spPr>
+        <p:txBody>
+          <a:bodyPr>
+            <a:normAutofit lnSpcReduction="10000"/>
+          </a:bodyPr>
+          <a:lstStyle/>
+          <a:p>
+            <a:r>
+              <a:rPr lang="en-US" dirty="0"/>
+              <a:t>Sequential models work sequentially – one layer after the other. </a:t>
             </a:r>
           </a:p>
           <a:p>
             <a:pPr lvl="1"/>
             <a:r>
               <a:rPr lang="en-US" dirty="0"/>
-              <a:t>If scatter plots </a:t>
-            </a:r>
-            <a:r>
-              <a:rPr lang="en-US" dirty="0" err="1"/>
-              <a:t>etc</a:t>
-            </a:r>
-            <a:r>
-              <a:rPr lang="en-US" dirty="0"/>
-              <a:t>… help, that’s all good, but you don’t really need them. </a:t>
-            </a:r>
-          </a:p>
-          <a:p>
-            <a:endParaRPr lang="en-US" dirty="0"/>
+              <a:t>Start with an input layer. End with an output</a:t>
+            </a:r>
+          </a:p>
+          <a:p>
+            <a:r>
+              <a:rPr lang="en-US" dirty="0"/>
+              <a:t>Functional neural network types allow for that rule to be broken:</a:t>
+            </a:r>
+          </a:p>
+          <a:p>
+            <a:pPr lvl="1"/>
+            <a:r>
+              <a:rPr lang="en-US" dirty="0"/>
+              <a:t>Slicing and concatenating parts of a model. </a:t>
+            </a:r>
+          </a:p>
+          <a:p>
+            <a:pPr lvl="1"/>
+            <a:r>
+              <a:rPr lang="en-US" dirty="0"/>
+              <a:t>Multiple inputs and/or multiple outputs. </a:t>
+            </a:r>
+          </a:p>
+          <a:p>
+            <a:r>
+              <a:rPr lang="en-US" dirty="0"/>
+              <a:t>Image processing – examine different portions of an image differently. </a:t>
+            </a:r>
+          </a:p>
+          <a:p>
+            <a:r>
+              <a:rPr lang="en-US" dirty="0"/>
+              <a:t>Generally allows for task specific adaptation of the model to the data. </a:t>
+            </a:r>
+          </a:p>
+          <a:p>
+            <a:r>
+              <a:rPr lang="en-US" dirty="0"/>
+              <a:t>Imagine stock price predictions:</a:t>
+            </a:r>
+          </a:p>
+          <a:p>
+            <a:pPr lvl="1"/>
+            <a:r>
+              <a:rPr lang="en-US" dirty="0"/>
+              <a:t>Multiple inputs for book info, market analysis, and time-series of tech. info. </a:t>
+            </a:r>
+          </a:p>
+          <a:p>
+            <a:pPr lvl="1"/>
+            <a:r>
+              <a:rPr lang="en-US" dirty="0"/>
+              <a:t>Output of price projection and buy/sell/hold recommendation. </a:t>
+            </a:r>
           </a:p>
         </p:txBody>
       </p:sp>
     </p:spTree>
     <p:extLst>
       <p:ext uri="{BB962C8B-B14F-4D97-AF65-F5344CB8AC3E}">
-        <p14:creationId xmlns:p14="http://schemas.microsoft.com/office/powerpoint/2010/main" val="923181424"/>
+        <p14:creationId xmlns:p14="http://schemas.microsoft.com/office/powerpoint/2010/main" val="3592937072"/>
       </p:ext>
     </p:extLst>
   </p:cSld>
@@ -6221,6 +6147,30 @@
 <file path=ppt/slides/slide22.xml><?xml version="1.0" encoding="utf-8"?>
 <p:sld xmlns:a="http://schemas.openxmlformats.org/drawingml/2006/main" xmlns:r="http://schemas.openxmlformats.org/officeDocument/2006/relationships" xmlns:p="http://schemas.openxmlformats.org/presentationml/2006/main">
   <p:cSld>
+    <p:bg>
+      <p:bgPr>
+        <a:gradFill rotWithShape="1">
+          <a:gsLst>
+            <a:gs pos="0">
+              <a:schemeClr val="bg2">
+                <a:tint val="94000"/>
+                <a:satMod val="80000"/>
+                <a:lumMod val="106000"/>
+              </a:schemeClr>
+            </a:gs>
+            <a:gs pos="100000">
+              <a:schemeClr val="bg2">
+                <a:shade val="80000"/>
+              </a:schemeClr>
+            </a:gs>
+          </a:gsLst>
+          <a:path path="circle">
+            <a:fillToRect l="43000" r="43000" b="100000"/>
+          </a:path>
+        </a:gradFill>
+        <a:effectLst/>
+      </p:bgPr>
+    </p:bg>
     <p:spTree>
       <p:nvGrpSpPr>
         <p:cNvPr id="1" name=""/>
@@ -6240,7 +6190,7 @@
           <p:cNvPr id="2" name="Title 1">
             <a:extLst>
               <a:ext uri="{FF2B5EF4-FFF2-40B4-BE49-F238E27FC236}">
-                <a16:creationId xmlns:a16="http://schemas.microsoft.com/office/drawing/2014/main" id="{82439B48-B76E-FA43-8931-D350934B45F1}"/>
+                <a16:creationId xmlns:a16="http://schemas.microsoft.com/office/drawing/2014/main" id="{74B6290D-01C3-356F-1917-F1B87B79EA74}"/>
               </a:ext>
             </a:extLst>
           </p:cNvPr>
@@ -6249,113 +6199,193 @@
           </p:cNvSpPr>
           <p:nvPr>
             <p:ph type="title"/>
-          </p:nvPr>
-        </p:nvSpPr>
-        <p:spPr/>
-        <p:txBody>
-          <a:bodyPr/>
-          <a:lstStyle/>
-          <a:p>
-            <a:r>
-              <a:rPr lang="en-US" dirty="0"/>
-              <a:t>Pooling</a:t>
-            </a:r>
-          </a:p>
-        </p:txBody>
-      </p:sp>
-      <p:sp>
-        <p:nvSpPr>
-          <p:cNvPr id="3" name="Content Placeholder 2">
-            <a:extLst>
-              <a:ext uri="{FF2B5EF4-FFF2-40B4-BE49-F238E27FC236}">
-                <a16:creationId xmlns:a16="http://schemas.microsoft.com/office/drawing/2014/main" id="{7BAECDE2-7DFA-2140-8B96-BE7B4B18F53E}"/>
-              </a:ext>
-            </a:extLst>
-          </p:cNvPr>
-          <p:cNvSpPr>
-            <a:spLocks noGrp="1"/>
-          </p:cNvSpPr>
-          <p:nvPr>
-            <p:ph idx="1"/>
           </p:nvPr>
         </p:nvSpPr>
         <p:spPr>
           <a:xfrm>
-            <a:off x="1451579" y="2015732"/>
-            <a:ext cx="9603275" cy="4117439"/>
+            <a:off x="1451579" y="804519"/>
+            <a:ext cx="9603275" cy="1049235"/>
           </a:xfrm>
         </p:spPr>
         <p:txBody>
           <a:bodyPr>
-            <a:normAutofit lnSpcReduction="10000"/>
+            <a:normAutofit/>
           </a:bodyPr>
           <a:lstStyle/>
           <a:p>
             <a:r>
               <a:rPr lang="en-US" dirty="0"/>
-              <a:t>The other new type of layer is a pooling layer. </a:t>
-            </a:r>
-          </a:p>
-          <a:p>
-            <a:r>
-              <a:rPr lang="en-US" dirty="0"/>
-              <a:t>Pooling layers “down sample” the images passed to them. </a:t>
-            </a:r>
-          </a:p>
-          <a:p>
-            <a:pPr lvl="1"/>
-            <a:r>
-              <a:rPr lang="en-US" dirty="0"/>
-              <a:t>I.e. Reduces the resolution of the image. </a:t>
-            </a:r>
-          </a:p>
-          <a:p>
-            <a:r>
-              <a:rPr lang="en-US" dirty="0"/>
-              <a:t>Reduces amount of data to process, which can be large. </a:t>
-            </a:r>
-          </a:p>
-          <a:p>
-            <a:r>
-              <a:rPr lang="en-US" dirty="0"/>
-              <a:t>Makes features seen in the convolutional layer more generalizable:</a:t>
-            </a:r>
-          </a:p>
-          <a:p>
-            <a:pPr lvl="1"/>
-            <a:r>
-              <a:rPr lang="en-US" dirty="0"/>
-              <a:t>E.g. every edge won’t look exactly the same, but they’ll resemble each other. </a:t>
-            </a:r>
-          </a:p>
-          <a:p>
-            <a:pPr lvl="1"/>
-            <a:r>
-              <a:rPr lang="en-US" dirty="0"/>
-              <a:t>Intuitively, think of a sharp images of two people, it is easy to differentiate them. Now think of blurrier pictures (e.g. they are in the background of a photo) – the differences fade and they look more similar. </a:t>
-            </a:r>
-          </a:p>
-          <a:p>
-            <a:pPr lvl="1"/>
-            <a:r>
-              <a:rPr lang="en-US" dirty="0"/>
-              <a:t>The above is the goal – identify edges, circles, head shapes, </a:t>
-            </a:r>
-            <a:r>
-              <a:rPr lang="en-US" dirty="0" err="1"/>
-              <a:t>etc</a:t>
-            </a:r>
-            <a:r>
-              <a:rPr lang="en-US" dirty="0"/>
-              <a:t>… in their general form. </a:t>
-            </a:r>
-          </a:p>
-        </p:txBody>
-      </p:sp>
+              <a:t>Example – Self Driving Car</a:t>
+            </a:r>
+          </a:p>
+        </p:txBody>
+      </p:sp>
+      <p:sp>
+        <p:nvSpPr>
+          <p:cNvPr id="3" name="Content Placeholder 2">
+            <a:extLst>
+              <a:ext uri="{FF2B5EF4-FFF2-40B4-BE49-F238E27FC236}">
+                <a16:creationId xmlns:a16="http://schemas.microsoft.com/office/drawing/2014/main" id="{1CD6B332-FC22-E7AB-256C-9765A1ADD685}"/>
+              </a:ext>
+            </a:extLst>
+          </p:cNvPr>
+          <p:cNvSpPr>
+            <a:spLocks noGrp="1"/>
+          </p:cNvSpPr>
+          <p:nvPr>
+            <p:ph idx="1"/>
+          </p:nvPr>
+        </p:nvSpPr>
+        <p:spPr>
+          <a:xfrm>
+            <a:off x="6096000" y="1853754"/>
+            <a:ext cx="6095999" cy="4199727"/>
+          </a:xfrm>
+        </p:spPr>
+        <p:txBody>
+          <a:bodyPr>
+            <a:normAutofit fontScale="92500"/>
+          </a:bodyPr>
+          <a:lstStyle/>
+          <a:p>
+            <a:pPr>
+              <a:lnSpc>
+                <a:spcPct val="110000"/>
+              </a:lnSpc>
+            </a:pPr>
+            <a:r>
+              <a:rPr lang="en-US" sz="1600" dirty="0"/>
+              <a:t>Its possible to build a self driving car that will stay between lanes using a mini-PC.</a:t>
+            </a:r>
+          </a:p>
+          <a:p>
+            <a:pPr>
+              <a:lnSpc>
+                <a:spcPct val="110000"/>
+              </a:lnSpc>
+            </a:pPr>
+            <a:r>
+              <a:rPr lang="en-US" sz="1600" dirty="0"/>
+              <a:t>The car is controlled by a model that takes in images and outputs control signals. </a:t>
+            </a:r>
+          </a:p>
+          <a:p>
+            <a:pPr lvl="1">
+              <a:lnSpc>
+                <a:spcPct val="110000"/>
+              </a:lnSpc>
+            </a:pPr>
+            <a:r>
+              <a:rPr lang="en-US" sz="1600" dirty="0"/>
+              <a:t>Imagine a simplified version that only returned a turn amount to stay in lane. </a:t>
+            </a:r>
+          </a:p>
+          <a:p>
+            <a:pPr>
+              <a:lnSpc>
+                <a:spcPct val="110000"/>
+              </a:lnSpc>
+            </a:pPr>
+            <a:r>
+              <a:rPr lang="en-US" sz="1600" dirty="0"/>
+              <a:t>The filters in the convolutional layers would learn to do edge detection. </a:t>
+            </a:r>
+          </a:p>
+          <a:p>
+            <a:pPr lvl="1">
+              <a:lnSpc>
+                <a:spcPct val="110000"/>
+              </a:lnSpc>
+            </a:pPr>
+            <a:r>
+              <a:rPr lang="en-US" sz="1600" dirty="0"/>
+              <a:t>The loss is “did it stay in lane”, so the model tries to minimize it. </a:t>
+            </a:r>
+          </a:p>
+          <a:p>
+            <a:pPr lvl="1">
+              <a:lnSpc>
+                <a:spcPct val="110000"/>
+              </a:lnSpc>
+            </a:pPr>
+            <a:r>
+              <a:rPr lang="en-US" sz="1600" dirty="0"/>
+              <a:t>The weights that trained via BP are the things defining the filters. </a:t>
+            </a:r>
+          </a:p>
+          <a:p>
+            <a:pPr lvl="1">
+              <a:lnSpc>
+                <a:spcPct val="110000"/>
+              </a:lnSpc>
+            </a:pPr>
+            <a:r>
+              <a:rPr lang="en-US" sz="1600" dirty="0"/>
+              <a:t>The filters that can detect edges are likely to have the lowest loss attributed to them. The ones that don’t have more. </a:t>
+            </a:r>
+          </a:p>
+          <a:p>
+            <a:pPr lvl="1">
+              <a:lnSpc>
+                <a:spcPct val="110000"/>
+              </a:lnSpc>
+            </a:pPr>
+            <a:r>
+              <a:rPr lang="en-US" sz="1600" dirty="0"/>
+              <a:t>The model will learn in that direction: detect edge-&gt;stay in lane-&gt;less loss. And the inverse, less lane-y things likely have more loss.</a:t>
+            </a:r>
+          </a:p>
+        </p:txBody>
+      </p:sp>
+      <p:pic>
+        <p:nvPicPr>
+          <p:cNvPr id="1026" name="Picture 2" descr="Lane Detection Using CNN-LSTM with Curve Fitting for Autonomous Driving |  Semantic Scholar">
+            <a:extLst>
+              <a:ext uri="{FF2B5EF4-FFF2-40B4-BE49-F238E27FC236}">
+                <a16:creationId xmlns:a16="http://schemas.microsoft.com/office/drawing/2014/main" id="{C05864AC-D4CE-9B2A-C353-C92462E6ABEE}"/>
+              </a:ext>
+            </a:extLst>
+          </p:cNvPr>
+          <p:cNvPicPr>
+            <a:picLocks noChangeAspect="1" noChangeArrowheads="1"/>
+          </p:cNvPicPr>
+          <p:nvPr/>
+        </p:nvPicPr>
+        <p:blipFill rotWithShape="1">
+          <a:blip r:embed="rId2">
+            <a:extLst>
+              <a:ext uri="{28A0092B-C50C-407E-A947-70E740481C1C}">
+                <a14:useLocalDpi xmlns:a14="http://schemas.microsoft.com/office/drawing/2010/main" val="0"/>
+              </a:ext>
+            </a:extLst>
+          </a:blip>
+          <a:srcRect t="6400" b="25390"/>
+          <a:stretch/>
+        </p:blipFill>
+        <p:spPr bwMode="auto">
+          <a:xfrm>
+            <a:off x="0" y="2307770"/>
+            <a:ext cx="6074771" cy="3211287"/>
+          </a:xfrm>
+          <a:prstGeom prst="rect">
+            <a:avLst/>
+          </a:prstGeom>
+          <a:noFill/>
+          <a:extLst>
+            <a:ext uri="{909E8E84-426E-40DD-AFC4-6F175D3DCCD1}">
+              <a14:hiddenFill xmlns:a14="http://schemas.microsoft.com/office/drawing/2010/main">
+                <a:solidFill>
+                  <a:srgbClr val="FFFFFF"/>
+                </a:solidFill>
+              </a14:hiddenFill>
+            </a:ext>
+          </a:extLst>
+        </p:spPr>
+      </p:pic>
     </p:spTree>
     <p:extLst>
       <p:ext uri="{BB962C8B-B14F-4D97-AF65-F5344CB8AC3E}">
-        <p14:creationId xmlns:p14="http://schemas.microsoft.com/office/powerpoint/2010/main" val="285721268"/>
+        <p14:creationId xmlns:p14="http://schemas.microsoft.com/office/powerpoint/2010/main" val="2056772875"/>
       </p:ext>
     </p:extLst>
   </p:cSld>
@@ -6387,7 +6417,7 @@
           <p:cNvPr id="2" name="Title 1">
             <a:extLst>
               <a:ext uri="{FF2B5EF4-FFF2-40B4-BE49-F238E27FC236}">
-                <a16:creationId xmlns:a16="http://schemas.microsoft.com/office/drawing/2014/main" id="{6C5F180D-765D-024B-B502-7E5432F846E8}"/>
+                <a16:creationId xmlns:a16="http://schemas.microsoft.com/office/drawing/2014/main" id="{82439B48-B76E-FA43-8931-D350934B45F1}"/>
               </a:ext>
             </a:extLst>
           </p:cNvPr>
@@ -6415,7 +6445,7 @@
           <p:cNvPr id="3" name="Content Placeholder 2">
             <a:extLst>
               <a:ext uri="{FF2B5EF4-FFF2-40B4-BE49-F238E27FC236}">
-                <a16:creationId xmlns:a16="http://schemas.microsoft.com/office/drawing/2014/main" id="{2B7E718D-D621-A247-A674-26ACBD4EDB30}"/>
+                <a16:creationId xmlns:a16="http://schemas.microsoft.com/office/drawing/2014/main" id="{7BAECDE2-7DFA-2140-8B96-BE7B4B18F53E}"/>
               </a:ext>
             </a:extLst>
           </p:cNvPr>
@@ -6429,63 +6459,64 @@
         <p:spPr>
           <a:xfrm>
             <a:off x="1451579" y="2015732"/>
-            <a:ext cx="9603275" cy="4037749"/>
+            <a:ext cx="9603275" cy="4117439"/>
           </a:xfrm>
         </p:spPr>
         <p:txBody>
-          <a:bodyPr/>
-          <a:lstStyle/>
-          <a:p>
-            <a:r>
-              <a:rPr lang="en-US" dirty="0"/>
-              <a:t>Pooling down samples, or transforms the data into a lower pixel representation. </a:t>
-            </a:r>
-          </a:p>
-          <a:p>
-            <a:r>
-              <a:rPr lang="en-US" dirty="0"/>
-              <a:t>Reduces the resolution (# of pixels) of the data, making processing easier. </a:t>
-            </a:r>
-          </a:p>
-          <a:p>
-            <a:r>
-              <a:rPr lang="en-US" dirty="0"/>
-              <a:t>Makes the characteristics found in the images more generalizable. </a:t>
+          <a:bodyPr>
+            <a:normAutofit lnSpcReduction="10000"/>
+          </a:bodyPr>
+          <a:lstStyle/>
+          <a:p>
+            <a:r>
+              <a:rPr lang="en-US" dirty="0"/>
+              <a:t>The other new type of layer is a pooling layer. </a:t>
+            </a:r>
+          </a:p>
+          <a:p>
+            <a:r>
+              <a:rPr lang="en-US" dirty="0"/>
+              <a:t>Pooling layers “down sample” the images passed to them. </a:t>
             </a:r>
           </a:p>
           <a:p>
             <a:pPr lvl="1"/>
             <a:r>
               <a:rPr lang="en-US" dirty="0"/>
-              <a:t>The filter learns to identify some characteristic. </a:t>
+              <a:t>I.e. Reduces the resolution of the image. </a:t>
+            </a:r>
+          </a:p>
+          <a:p>
+            <a:r>
+              <a:rPr lang="en-US" dirty="0"/>
+              <a:t>Reduces amount of data to process, which can be large. </a:t>
+            </a:r>
+          </a:p>
+          <a:p>
+            <a:r>
+              <a:rPr lang="en-US" dirty="0"/>
+              <a:t>Makes features seen in the convolutional layer more generalizable:</a:t>
             </a:r>
           </a:p>
           <a:p>
             <a:pPr lvl="1"/>
             <a:r>
               <a:rPr lang="en-US" dirty="0"/>
-              <a:t>We want to be able to identify said characteristic in other images. </a:t>
+              <a:t>E.g. every edge won’t look exactly the same, but they’ll resemble each other. </a:t>
             </a:r>
           </a:p>
           <a:p>
             <a:pPr lvl="1"/>
             <a:r>
               <a:rPr lang="en-US" dirty="0"/>
-              <a:t>The pooling makes it into a lower definition representation, removing details. </a:t>
+              <a:t>Intuitively, think of a sharp images of two people, it is easy to differentiate them. Now think of blurrier pictures (e.g. they are in the background of a photo) – the differences fade and they look more similar. </a:t>
             </a:r>
           </a:p>
           <a:p>
             <a:pPr lvl="1"/>
             <a:r>
               <a:rPr lang="en-US" dirty="0"/>
-              <a:t>Our characteristic is now more tolerant to small changes. </a:t>
-            </a:r>
-          </a:p>
-          <a:p>
-            <a:pPr lvl="1"/>
-            <a:r>
-              <a:rPr lang="en-US" dirty="0"/>
-              <a:t>I.E. a very HD photo of a bike wheel will allow you to identify spokes, rim thickness, </a:t>
+              <a:t>The above is the goal – identify edges, circles, head shapes, </a:t>
             </a:r>
             <a:r>
               <a:rPr lang="en-US" dirty="0" err="1"/>
@@ -6493,14 +6524,7 @@
             </a:r>
             <a:r>
               <a:rPr lang="en-US" dirty="0"/>
-              <a:t>…</a:t>
-            </a:r>
-          </a:p>
-          <a:p>
-            <a:pPr lvl="1"/>
-            <a:r>
-              <a:rPr lang="en-US" dirty="0"/>
-              <a:t>A lower definition one will just look like a circle – this is what we (generally) want. </a:t>
+              <a:t>… in their general form. </a:t>
             </a:r>
           </a:p>
         </p:txBody>
@@ -6508,7 +6532,7 @@
     </p:spTree>
     <p:extLst>
       <p:ext uri="{BB962C8B-B14F-4D97-AF65-F5344CB8AC3E}">
-        <p14:creationId xmlns:p14="http://schemas.microsoft.com/office/powerpoint/2010/main" val="2655928309"/>
+        <p14:creationId xmlns:p14="http://schemas.microsoft.com/office/powerpoint/2010/main" val="285721268"/>
       </p:ext>
     </p:extLst>
   </p:cSld>
@@ -6540,6 +6564,159 @@
           <p:cNvPr id="2" name="Title 1">
             <a:extLst>
               <a:ext uri="{FF2B5EF4-FFF2-40B4-BE49-F238E27FC236}">
+                <a16:creationId xmlns:a16="http://schemas.microsoft.com/office/drawing/2014/main" id="{6C5F180D-765D-024B-B502-7E5432F846E8}"/>
+              </a:ext>
+            </a:extLst>
+          </p:cNvPr>
+          <p:cNvSpPr>
+            <a:spLocks noGrp="1"/>
+          </p:cNvSpPr>
+          <p:nvPr>
+            <p:ph type="title"/>
+          </p:nvPr>
+        </p:nvSpPr>
+        <p:spPr/>
+        <p:txBody>
+          <a:bodyPr/>
+          <a:lstStyle/>
+          <a:p>
+            <a:r>
+              <a:rPr lang="en-US" dirty="0"/>
+              <a:t>Pooling</a:t>
+            </a:r>
+          </a:p>
+        </p:txBody>
+      </p:sp>
+      <p:sp>
+        <p:nvSpPr>
+          <p:cNvPr id="3" name="Content Placeholder 2">
+            <a:extLst>
+              <a:ext uri="{FF2B5EF4-FFF2-40B4-BE49-F238E27FC236}">
+                <a16:creationId xmlns:a16="http://schemas.microsoft.com/office/drawing/2014/main" id="{2B7E718D-D621-A247-A674-26ACBD4EDB30}"/>
+              </a:ext>
+            </a:extLst>
+          </p:cNvPr>
+          <p:cNvSpPr>
+            <a:spLocks noGrp="1"/>
+          </p:cNvSpPr>
+          <p:nvPr>
+            <p:ph idx="1"/>
+          </p:nvPr>
+        </p:nvSpPr>
+        <p:spPr>
+          <a:xfrm>
+            <a:off x="1451579" y="2015732"/>
+            <a:ext cx="9603275" cy="4037749"/>
+          </a:xfrm>
+        </p:spPr>
+        <p:txBody>
+          <a:bodyPr/>
+          <a:lstStyle/>
+          <a:p>
+            <a:r>
+              <a:rPr lang="en-US" dirty="0"/>
+              <a:t>Pooling down samples, or transforms the data into a lower pixel representation. </a:t>
+            </a:r>
+          </a:p>
+          <a:p>
+            <a:r>
+              <a:rPr lang="en-US" dirty="0"/>
+              <a:t>Reduces the resolution (# of pixels) of the data, making processing easier. </a:t>
+            </a:r>
+          </a:p>
+          <a:p>
+            <a:r>
+              <a:rPr lang="en-US" dirty="0"/>
+              <a:t>Makes the characteristics found in the images more generalizable. </a:t>
+            </a:r>
+          </a:p>
+          <a:p>
+            <a:pPr lvl="1"/>
+            <a:r>
+              <a:rPr lang="en-US" dirty="0"/>
+              <a:t>The filter learns to identify some characteristic. </a:t>
+            </a:r>
+          </a:p>
+          <a:p>
+            <a:pPr lvl="1"/>
+            <a:r>
+              <a:rPr lang="en-US" dirty="0"/>
+              <a:t>We want to be able to identify said characteristic in other images. </a:t>
+            </a:r>
+          </a:p>
+          <a:p>
+            <a:pPr lvl="1"/>
+            <a:r>
+              <a:rPr lang="en-US" dirty="0"/>
+              <a:t>The pooling makes it into a lower definition representation, removing details. </a:t>
+            </a:r>
+          </a:p>
+          <a:p>
+            <a:pPr lvl="1"/>
+            <a:r>
+              <a:rPr lang="en-US" dirty="0"/>
+              <a:t>Our characteristic is now more tolerant to small changes. </a:t>
+            </a:r>
+          </a:p>
+          <a:p>
+            <a:pPr lvl="1"/>
+            <a:r>
+              <a:rPr lang="en-US" dirty="0"/>
+              <a:t>I.E. a very HD photo of a bike wheel will allow you to identify spokes, rim thickness, </a:t>
+            </a:r>
+            <a:r>
+              <a:rPr lang="en-US" dirty="0" err="1"/>
+              <a:t>etc</a:t>
+            </a:r>
+            <a:r>
+              <a:rPr lang="en-US" dirty="0"/>
+              <a:t>…</a:t>
+            </a:r>
+          </a:p>
+          <a:p>
+            <a:pPr lvl="1"/>
+            <a:r>
+              <a:rPr lang="en-US" dirty="0"/>
+              <a:t>A lower definition one will just look like a circle – this is what we (generally) want. </a:t>
+            </a:r>
+          </a:p>
+        </p:txBody>
+      </p:sp>
+    </p:spTree>
+    <p:extLst>
+      <p:ext uri="{BB962C8B-B14F-4D97-AF65-F5344CB8AC3E}">
+        <p14:creationId xmlns:p14="http://schemas.microsoft.com/office/powerpoint/2010/main" val="2655928309"/>
+      </p:ext>
+    </p:extLst>
+  </p:cSld>
+  <p:clrMapOvr>
+    <a:masterClrMapping/>
+  </p:clrMapOvr>
+</p:sld>
+</file>
+
+<file path=ppt/slides/slide25.xml><?xml version="1.0" encoding="utf-8"?>
+<p:sld xmlns:a="http://schemas.openxmlformats.org/drawingml/2006/main" xmlns:r="http://schemas.openxmlformats.org/officeDocument/2006/relationships" xmlns:p="http://schemas.openxmlformats.org/presentationml/2006/main">
+  <p:cSld>
+    <p:spTree>
+      <p:nvGrpSpPr>
+        <p:cNvPr id="1" name=""/>
+        <p:cNvGrpSpPr/>
+        <p:nvPr/>
+      </p:nvGrpSpPr>
+      <p:grpSpPr>
+        <a:xfrm>
+          <a:off x="0" y="0"/>
+          <a:ext cx="0" cy="0"/>
+          <a:chOff x="0" y="0"/>
+          <a:chExt cx="0" cy="0"/>
+        </a:xfrm>
+      </p:grpSpPr>
+      <p:sp>
+        <p:nvSpPr>
+          <p:cNvPr id="2" name="Title 1">
+            <a:extLst>
+              <a:ext uri="{FF2B5EF4-FFF2-40B4-BE49-F238E27FC236}">
                 <a16:creationId xmlns:a16="http://schemas.microsoft.com/office/drawing/2014/main" id="{F7169BC0-7C39-4D4E-B428-EDEAAEA16D83}"/>
               </a:ext>
             </a:extLst>
@@ -6723,7 +6900,7 @@
 </p:sld>
 </file>
 
-<file path=ppt/slides/slide25.xml><?xml version="1.0" encoding="utf-8"?>
+<file path=ppt/slides/slide26.xml><?xml version="1.0" encoding="utf-8"?>
 <p:sld xmlns:a="http://schemas.openxmlformats.org/drawingml/2006/main" xmlns:r="http://schemas.openxmlformats.org/officeDocument/2006/relationships" xmlns:p="http://schemas.openxmlformats.org/presentationml/2006/main">
   <p:cSld>
     <p:bg>
@@ -6948,7 +7125,7 @@
 </p:sld>
 </file>
 
-<file path=ppt/slides/slide26.xml><?xml version="1.0" encoding="utf-8"?>
+<file path=ppt/slides/slide27.xml><?xml version="1.0" encoding="utf-8"?>
 <p:sld xmlns:a="http://schemas.openxmlformats.org/drawingml/2006/main" xmlns:r="http://schemas.openxmlformats.org/officeDocument/2006/relationships" xmlns:p="http://schemas.openxmlformats.org/presentationml/2006/main">
   <p:cSld>
     <p:spTree>
@@ -6970,6 +7147,211 @@
           <p:cNvPr id="2" name="Title 1">
             <a:extLst>
               <a:ext uri="{FF2B5EF4-FFF2-40B4-BE49-F238E27FC236}">
+                <a16:creationId xmlns:a16="http://schemas.microsoft.com/office/drawing/2014/main" id="{4E423820-9AF1-0454-908C-F4619F0FF6F2}"/>
+              </a:ext>
+            </a:extLst>
+          </p:cNvPr>
+          <p:cNvSpPr>
+            <a:spLocks noGrp="1"/>
+          </p:cNvSpPr>
+          <p:nvPr>
+            <p:ph type="title"/>
+          </p:nvPr>
+        </p:nvSpPr>
+        <p:spPr/>
+        <p:txBody>
+          <a:bodyPr/>
+          <a:lstStyle/>
+          <a:p>
+            <a:r>
+              <a:rPr lang="en-US" dirty="0"/>
+              <a:t>Stacking Layers</a:t>
+            </a:r>
+          </a:p>
+        </p:txBody>
+      </p:sp>
+      <p:sp>
+        <p:nvSpPr>
+          <p:cNvPr id="3" name="Content Placeholder 2">
+            <a:extLst>
+              <a:ext uri="{FF2B5EF4-FFF2-40B4-BE49-F238E27FC236}">
+                <a16:creationId xmlns:a16="http://schemas.microsoft.com/office/drawing/2014/main" id="{62EEDA6C-802E-0DAF-0516-6DD5AA104E83}"/>
+              </a:ext>
+            </a:extLst>
+          </p:cNvPr>
+          <p:cNvSpPr>
+            <a:spLocks noGrp="1"/>
+          </p:cNvSpPr>
+          <p:nvPr>
+            <p:ph idx="1"/>
+          </p:nvPr>
+        </p:nvSpPr>
+        <p:spPr>
+          <a:xfrm>
+            <a:off x="555170" y="1853754"/>
+            <a:ext cx="10499683" cy="4199727"/>
+          </a:xfrm>
+        </p:spPr>
+        <p:txBody>
+          <a:bodyPr>
+            <a:normAutofit lnSpcReduction="10000"/>
+          </a:bodyPr>
+          <a:lstStyle/>
+          <a:p>
+            <a:r>
+              <a:rPr lang="en-US" dirty="0"/>
+              <a:t>As data goes through layers, each one gets a ‘lower level’ representation. </a:t>
+            </a:r>
+          </a:p>
+          <a:p>
+            <a:pPr lvl="1"/>
+            <a:r>
+              <a:rPr lang="en-US" dirty="0"/>
+              <a:t>Pooling layers will collapse a square of (usually) 4 pixels into one pixel. </a:t>
+            </a:r>
+          </a:p>
+          <a:p>
+            <a:pPr lvl="1"/>
+            <a:r>
+              <a:rPr lang="en-US" dirty="0"/>
+              <a:t>Each layer “extracts a summary” of the layer above it. </a:t>
+            </a:r>
+          </a:p>
+          <a:p>
+            <a:pPr lvl="1"/>
+            <a:r>
+              <a:rPr lang="en-US" dirty="0"/>
+              <a:t>At lower layers, the things are the same. These feed the DNN layers as the features. </a:t>
+            </a:r>
+          </a:p>
+          <a:p>
+            <a:pPr lvl="1"/>
+            <a:r>
+              <a:rPr lang="en-US" dirty="0"/>
+              <a:t>Each set of filters will tend to learn different ‘objects’ in the image, </a:t>
+            </a:r>
+            <a:r>
+              <a:rPr lang="en-US"/>
+              <a:t>and feed it to the DNN. </a:t>
+            </a:r>
+            <a:endParaRPr lang="en-US" dirty="0"/>
+          </a:p>
+          <a:p>
+            <a:r>
+              <a:rPr lang="en-US" dirty="0"/>
+              <a:t>Objects can be made up of the several different low-level ‘objects’ found. </a:t>
+            </a:r>
+          </a:p>
+          <a:p>
+            <a:pPr lvl="1"/>
+            <a:r>
+              <a:rPr lang="en-US" dirty="0"/>
+              <a:t>Some filters may end up learning to detect circles for the wheels. </a:t>
+            </a:r>
+          </a:p>
+          <a:p>
+            <a:pPr lvl="1"/>
+            <a:r>
+              <a:rPr lang="en-US" dirty="0"/>
+              <a:t>Some filters may detect the edges for the body. </a:t>
+            </a:r>
+          </a:p>
+          <a:p>
+            <a:pPr lvl="1"/>
+            <a:r>
+              <a:rPr lang="en-US" dirty="0"/>
+              <a:t>Lower-level filters may combine multiple objects in one – two wheels and some edges. </a:t>
+            </a:r>
+          </a:p>
+          <a:p>
+            <a:pPr lvl="1"/>
+            <a:r>
+              <a:rPr lang="en-US" dirty="0"/>
+              <a:t>None of this is prescribed, but if a model has low loss by detecting a car, and cars are best detected by these characteristics, that’s where the model will eventually head. </a:t>
+            </a:r>
+          </a:p>
+        </p:txBody>
+      </p:sp>
+      <p:pic>
+        <p:nvPicPr>
+          <p:cNvPr id="2050" name="Picture 2" descr="Softmax for Intermediate CNN Layers | by Sharath S Hebbar | Medium">
+            <a:extLst>
+              <a:ext uri="{FF2B5EF4-FFF2-40B4-BE49-F238E27FC236}">
+                <a16:creationId xmlns:a16="http://schemas.microsoft.com/office/drawing/2014/main" id="{52875CCA-E2A7-0761-3F6A-BBCCB6809CA7}"/>
+              </a:ext>
+            </a:extLst>
+          </p:cNvPr>
+          <p:cNvPicPr>
+            <a:picLocks noChangeAspect="1" noChangeArrowheads="1"/>
+          </p:cNvPicPr>
+          <p:nvPr/>
+        </p:nvPicPr>
+        <p:blipFill rotWithShape="1">
+          <a:blip r:embed="rId2">
+            <a:extLst>
+              <a:ext uri="{28A0092B-C50C-407E-A947-70E740481C1C}">
+                <a14:useLocalDpi xmlns:a14="http://schemas.microsoft.com/office/drawing/2010/main" val="0"/>
+              </a:ext>
+            </a:extLst>
+          </a:blip>
+          <a:srcRect r="81048"/>
+          <a:stretch/>
+        </p:blipFill>
+        <p:spPr bwMode="auto">
+          <a:xfrm>
+            <a:off x="11071907" y="0"/>
+            <a:ext cx="1000350" cy="6858000"/>
+          </a:xfrm>
+          <a:prstGeom prst="rect">
+            <a:avLst/>
+          </a:prstGeom>
+          <a:noFill/>
+          <a:extLst>
+            <a:ext uri="{909E8E84-426E-40DD-AFC4-6F175D3DCCD1}">
+              <a14:hiddenFill xmlns:a14="http://schemas.microsoft.com/office/drawing/2010/main">
+                <a:solidFill>
+                  <a:srgbClr val="FFFFFF"/>
+                </a:solidFill>
+              </a14:hiddenFill>
+            </a:ext>
+          </a:extLst>
+        </p:spPr>
+      </p:pic>
+    </p:spTree>
+    <p:extLst>
+      <p:ext uri="{BB962C8B-B14F-4D97-AF65-F5344CB8AC3E}">
+        <p14:creationId xmlns:p14="http://schemas.microsoft.com/office/powerpoint/2010/main" val="883597937"/>
+      </p:ext>
+    </p:extLst>
+  </p:cSld>
+  <p:clrMapOvr>
+    <a:masterClrMapping/>
+  </p:clrMapOvr>
+</p:sld>
+</file>
+
+<file path=ppt/slides/slide28.xml><?xml version="1.0" encoding="utf-8"?>
+<p:sld xmlns:a="http://schemas.openxmlformats.org/drawingml/2006/main" xmlns:r="http://schemas.openxmlformats.org/officeDocument/2006/relationships" xmlns:p="http://schemas.openxmlformats.org/presentationml/2006/main">
+  <p:cSld>
+    <p:spTree>
+      <p:nvGrpSpPr>
+        <p:cNvPr id="1" name=""/>
+        <p:cNvGrpSpPr/>
+        <p:nvPr/>
+      </p:nvGrpSpPr>
+      <p:grpSpPr>
+        <a:xfrm>
+          <a:off x="0" y="0"/>
+          <a:ext cx="0" cy="0"/>
+          <a:chOff x="0" y="0"/>
+          <a:chExt cx="0" cy="0"/>
+        </a:xfrm>
+      </p:grpSpPr>
+      <p:sp>
+        <p:nvSpPr>
+          <p:cNvPr id="2" name="Title 1">
+            <a:extLst>
+              <a:ext uri="{FF2B5EF4-FFF2-40B4-BE49-F238E27FC236}">
                 <a16:creationId xmlns:a16="http://schemas.microsoft.com/office/drawing/2014/main" id="{FBA22446-0940-1C4C-A480-6DE6DD8AA8D8}"/>
               </a:ext>
             </a:extLst>
@@ -7141,7 +7523,7 @@
 </p:sld>
 </file>
 
-<file path=ppt/slides/slide27.xml><?xml version="1.0" encoding="utf-8"?>
+<file path=ppt/slides/slide29.xml><?xml version="1.0" encoding="utf-8"?>
 <p:sld xmlns:a="http://schemas.openxmlformats.org/drawingml/2006/main" xmlns:r="http://schemas.openxmlformats.org/officeDocument/2006/relationships" xmlns:p="http://schemas.openxmlformats.org/presentationml/2006/main">
   <p:cSld>
     <p:spTree>
@@ -7305,864 +7687,7 @@
 </p:sld>
 </file>
 
-<file path=ppt/slides/slide28.xml><?xml version="1.0" encoding="utf-8"?>
-<p:sld xmlns:a="http://schemas.openxmlformats.org/drawingml/2006/main" xmlns:r="http://schemas.openxmlformats.org/officeDocument/2006/relationships" xmlns:p="http://schemas.openxmlformats.org/presentationml/2006/main">
-  <p:cSld>
-    <p:spTree>
-      <p:nvGrpSpPr>
-        <p:cNvPr id="1" name=""/>
-        <p:cNvGrpSpPr/>
-        <p:nvPr/>
-      </p:nvGrpSpPr>
-      <p:grpSpPr>
-        <a:xfrm>
-          <a:off x="0" y="0"/>
-          <a:ext cx="0" cy="0"/>
-          <a:chOff x="0" y="0"/>
-          <a:chExt cx="0" cy="0"/>
-        </a:xfrm>
-      </p:grpSpPr>
-      <p:sp>
-        <p:nvSpPr>
-          <p:cNvPr id="2" name="Title 1">
-            <a:extLst>
-              <a:ext uri="{FF2B5EF4-FFF2-40B4-BE49-F238E27FC236}">
-                <a16:creationId xmlns:a16="http://schemas.microsoft.com/office/drawing/2014/main" id="{AAA6434D-F1B0-8241-A5E2-9406155B278C}"/>
-              </a:ext>
-            </a:extLst>
-          </p:cNvPr>
-          <p:cNvSpPr>
-            <a:spLocks noGrp="1"/>
-          </p:cNvSpPr>
-          <p:nvPr>
-            <p:ph type="title"/>
-          </p:nvPr>
-        </p:nvSpPr>
-        <p:spPr/>
-        <p:txBody>
-          <a:bodyPr/>
-          <a:lstStyle/>
-          <a:p>
-            <a:r>
-              <a:rPr lang="en-US" dirty="0"/>
-              <a:t>Batch Normalization</a:t>
-            </a:r>
-          </a:p>
-        </p:txBody>
-      </p:sp>
-      <p:sp>
-        <p:nvSpPr>
-          <p:cNvPr id="3" name="Content Placeholder 2">
-            <a:extLst>
-              <a:ext uri="{FF2B5EF4-FFF2-40B4-BE49-F238E27FC236}">
-                <a16:creationId xmlns:a16="http://schemas.microsoft.com/office/drawing/2014/main" id="{095ABC4B-532E-B641-9900-2BD7C61B478F}"/>
-              </a:ext>
-            </a:extLst>
-          </p:cNvPr>
-          <p:cNvSpPr>
-            <a:spLocks noGrp="1"/>
-          </p:cNvSpPr>
-          <p:nvPr>
-            <p:ph idx="1"/>
-          </p:nvPr>
-        </p:nvSpPr>
-        <p:spPr>
-          <a:xfrm>
-            <a:off x="1451579" y="1853754"/>
-            <a:ext cx="9603275" cy="3612591"/>
-          </a:xfrm>
-        </p:spPr>
-        <p:txBody>
-          <a:bodyPr/>
-          <a:lstStyle/>
-          <a:p>
-            <a:r>
-              <a:rPr lang="en-US" dirty="0"/>
-              <a:t>Batch normalization is a common step used in CNNs. </a:t>
-            </a:r>
-          </a:p>
-          <a:p>
-            <a:r>
-              <a:rPr lang="en-US" dirty="0"/>
-              <a:t>Standardizes the data between layer and activation. </a:t>
-            </a:r>
-          </a:p>
-        </p:txBody>
-      </p:sp>
-    </p:spTree>
-    <p:extLst>
-      <p:ext uri="{BB962C8B-B14F-4D97-AF65-F5344CB8AC3E}">
-        <p14:creationId xmlns:p14="http://schemas.microsoft.com/office/powerpoint/2010/main" val="2557233317"/>
-      </p:ext>
-    </p:extLst>
-  </p:cSld>
-  <p:clrMapOvr>
-    <a:masterClrMapping/>
-  </p:clrMapOvr>
-</p:sld>
-</file>
-
-<file path=ppt/slides/slide29.xml><?xml version="1.0" encoding="utf-8"?>
-<p:sld xmlns:a="http://schemas.openxmlformats.org/drawingml/2006/main" xmlns:r="http://schemas.openxmlformats.org/officeDocument/2006/relationships" xmlns:p="http://schemas.openxmlformats.org/presentationml/2006/main">
-  <p:cSld>
-    <p:spTree>
-      <p:nvGrpSpPr>
-        <p:cNvPr id="1" name=""/>
-        <p:cNvGrpSpPr/>
-        <p:nvPr/>
-      </p:nvGrpSpPr>
-      <p:grpSpPr>
-        <a:xfrm>
-          <a:off x="0" y="0"/>
-          <a:ext cx="0" cy="0"/>
-          <a:chOff x="0" y="0"/>
-          <a:chExt cx="0" cy="0"/>
-        </a:xfrm>
-      </p:grpSpPr>
-      <p:sp>
-        <p:nvSpPr>
-          <p:cNvPr id="2" name="Title 1">
-            <a:extLst>
-              <a:ext uri="{FF2B5EF4-FFF2-40B4-BE49-F238E27FC236}">
-                <a16:creationId xmlns:a16="http://schemas.microsoft.com/office/drawing/2014/main" id="{03771A9C-C120-464F-975D-15A7A52C9BBE}"/>
-              </a:ext>
-            </a:extLst>
-          </p:cNvPr>
-          <p:cNvSpPr>
-            <a:spLocks noGrp="1"/>
-          </p:cNvSpPr>
-          <p:nvPr>
-            <p:ph type="title"/>
-          </p:nvPr>
-        </p:nvSpPr>
-        <p:spPr/>
-        <p:txBody>
-          <a:bodyPr/>
-          <a:lstStyle/>
-          <a:p>
-            <a:r>
-              <a:rPr lang="en-US" dirty="0"/>
-              <a:t>Convolutional Portion</a:t>
-            </a:r>
-          </a:p>
-        </p:txBody>
-      </p:sp>
-      <p:sp>
-        <p:nvSpPr>
-          <p:cNvPr id="3" name="Content Placeholder 2">
-            <a:extLst>
-              <a:ext uri="{FF2B5EF4-FFF2-40B4-BE49-F238E27FC236}">
-                <a16:creationId xmlns:a16="http://schemas.microsoft.com/office/drawing/2014/main" id="{3BEFB6C6-C30E-A34C-80CD-1114FFB7AFC1}"/>
-              </a:ext>
-            </a:extLst>
-          </p:cNvPr>
-          <p:cNvSpPr>
-            <a:spLocks noGrp="1"/>
-          </p:cNvSpPr>
-          <p:nvPr>
-            <p:ph idx="1"/>
-          </p:nvPr>
-        </p:nvSpPr>
-        <p:spPr/>
-        <p:txBody>
-          <a:bodyPr/>
-          <a:lstStyle/>
-          <a:p>
-            <a:r>
-              <a:rPr lang="en-US" dirty="0"/>
-              <a:t>The convolutional parts of a CNN normally repeat this through several layers:</a:t>
-            </a:r>
-          </a:p>
-          <a:p>
-            <a:pPr lvl="1"/>
-            <a:r>
-              <a:rPr lang="en-US" dirty="0"/>
-              <a:t>Convolutional layer finds component image features. </a:t>
-            </a:r>
-          </a:p>
-          <a:p>
-            <a:pPr lvl="1"/>
-            <a:r>
-              <a:rPr lang="en-US" dirty="0"/>
-              <a:t>Pooling layer generalizes. </a:t>
-            </a:r>
-          </a:p>
-          <a:p>
-            <a:endParaRPr lang="en-US" dirty="0"/>
-          </a:p>
-        </p:txBody>
-      </p:sp>
-    </p:spTree>
-    <p:extLst>
-      <p:ext uri="{BB962C8B-B14F-4D97-AF65-F5344CB8AC3E}">
-        <p14:creationId xmlns:p14="http://schemas.microsoft.com/office/powerpoint/2010/main" val="2981774519"/>
-      </p:ext>
-    </p:extLst>
-  </p:cSld>
-  <p:clrMapOvr>
-    <a:masterClrMapping/>
-  </p:clrMapOvr>
-</p:sld>
-</file>
-
 <file path=ppt/slides/slide3.xml><?xml version="1.0" encoding="utf-8"?>
-<p:sld xmlns:a="http://schemas.openxmlformats.org/drawingml/2006/main" xmlns:r="http://schemas.openxmlformats.org/officeDocument/2006/relationships" xmlns:p="http://schemas.openxmlformats.org/presentationml/2006/main">
-  <p:cSld>
-    <p:spTree>
-      <p:nvGrpSpPr>
-        <p:cNvPr id="1" name=""/>
-        <p:cNvGrpSpPr/>
-        <p:nvPr/>
-      </p:nvGrpSpPr>
-      <p:grpSpPr>
-        <a:xfrm>
-          <a:off x="0" y="0"/>
-          <a:ext cx="0" cy="0"/>
-          <a:chOff x="0" y="0"/>
-          <a:chExt cx="0" cy="0"/>
-        </a:xfrm>
-      </p:grpSpPr>
-      <p:sp>
-        <p:nvSpPr>
-          <p:cNvPr id="2" name="Title 1">
-            <a:extLst>
-              <a:ext uri="{FF2B5EF4-FFF2-40B4-BE49-F238E27FC236}">
-                <a16:creationId xmlns:a16="http://schemas.microsoft.com/office/drawing/2014/main" id="{52D89D82-C8E6-AC4F-B7DC-2C0C0861C3C7}"/>
-              </a:ext>
-            </a:extLst>
-          </p:cNvPr>
-          <p:cNvSpPr>
-            <a:spLocks noGrp="1"/>
-          </p:cNvSpPr>
-          <p:nvPr>
-            <p:ph type="ctrTitle"/>
-          </p:nvPr>
-        </p:nvSpPr>
-        <p:spPr/>
-        <p:txBody>
-          <a:bodyPr>
-            <a:normAutofit fontScale="90000"/>
-          </a:bodyPr>
-          <a:lstStyle/>
-          <a:p>
-            <a:r>
-              <a:rPr lang="en-US" dirty="0"/>
-              <a:t>Images and Convolutional Networks</a:t>
-            </a:r>
-          </a:p>
-        </p:txBody>
-      </p:sp>
-      <p:sp>
-        <p:nvSpPr>
-          <p:cNvPr id="3" name="Subtitle 2">
-            <a:extLst>
-              <a:ext uri="{FF2B5EF4-FFF2-40B4-BE49-F238E27FC236}">
-                <a16:creationId xmlns:a16="http://schemas.microsoft.com/office/drawing/2014/main" id="{5B6AC208-76B5-344E-82D3-DAC460F2A870}"/>
-              </a:ext>
-            </a:extLst>
-          </p:cNvPr>
-          <p:cNvSpPr>
-            <a:spLocks noGrp="1"/>
-          </p:cNvSpPr>
-          <p:nvPr>
-            <p:ph type="subTitle" idx="1"/>
-          </p:nvPr>
-        </p:nvSpPr>
-        <p:spPr/>
-        <p:txBody>
-          <a:bodyPr/>
-          <a:lstStyle/>
-          <a:p>
-            <a:endParaRPr lang="en-US"/>
-          </a:p>
-        </p:txBody>
-      </p:sp>
-    </p:spTree>
-    <p:extLst>
-      <p:ext uri="{BB962C8B-B14F-4D97-AF65-F5344CB8AC3E}">
-        <p14:creationId xmlns:p14="http://schemas.microsoft.com/office/powerpoint/2010/main" val="980147196"/>
-      </p:ext>
-    </p:extLst>
-  </p:cSld>
-  <p:clrMapOvr>
-    <a:masterClrMapping/>
-  </p:clrMapOvr>
-</p:sld>
-</file>
-
-<file path=ppt/slides/slide30.xml><?xml version="1.0" encoding="utf-8"?>
-<p:sld xmlns:a="http://schemas.openxmlformats.org/drawingml/2006/main" xmlns:r="http://schemas.openxmlformats.org/officeDocument/2006/relationships" xmlns:p="http://schemas.openxmlformats.org/presentationml/2006/main">
-  <p:cSld>
-    <p:spTree>
-      <p:nvGrpSpPr>
-        <p:cNvPr id="1" name=""/>
-        <p:cNvGrpSpPr/>
-        <p:nvPr/>
-      </p:nvGrpSpPr>
-      <p:grpSpPr>
-        <a:xfrm>
-          <a:off x="0" y="0"/>
-          <a:ext cx="0" cy="0"/>
-          <a:chOff x="0" y="0"/>
-          <a:chExt cx="0" cy="0"/>
-        </a:xfrm>
-      </p:grpSpPr>
-      <p:sp>
-        <p:nvSpPr>
-          <p:cNvPr id="2" name="Title 1">
-            <a:extLst>
-              <a:ext uri="{FF2B5EF4-FFF2-40B4-BE49-F238E27FC236}">
-                <a16:creationId xmlns:a16="http://schemas.microsoft.com/office/drawing/2014/main" id="{8E633538-DE51-9D43-9B87-A21A03C4D9A1}"/>
-              </a:ext>
-            </a:extLst>
-          </p:cNvPr>
-          <p:cNvSpPr>
-            <a:spLocks noGrp="1"/>
-          </p:cNvSpPr>
-          <p:nvPr>
-            <p:ph type="title"/>
-          </p:nvPr>
-        </p:nvSpPr>
-        <p:spPr/>
-        <p:txBody>
-          <a:bodyPr/>
-          <a:lstStyle/>
-          <a:p>
-            <a:r>
-              <a:rPr lang="en-US" dirty="0"/>
-              <a:t>Data Augmentation</a:t>
-            </a:r>
-          </a:p>
-        </p:txBody>
-      </p:sp>
-      <p:sp>
-        <p:nvSpPr>
-          <p:cNvPr id="3" name="Content Placeholder 2">
-            <a:extLst>
-              <a:ext uri="{FF2B5EF4-FFF2-40B4-BE49-F238E27FC236}">
-                <a16:creationId xmlns:a16="http://schemas.microsoft.com/office/drawing/2014/main" id="{28220651-09A5-4248-B991-FA651014E333}"/>
-              </a:ext>
-            </a:extLst>
-          </p:cNvPr>
-          <p:cNvSpPr>
-            <a:spLocks noGrp="1"/>
-          </p:cNvSpPr>
-          <p:nvPr>
-            <p:ph idx="1"/>
-          </p:nvPr>
-        </p:nvSpPr>
-        <p:spPr>
-          <a:xfrm>
-            <a:off x="1451579" y="1853754"/>
-            <a:ext cx="9603275" cy="3612591"/>
-          </a:xfrm>
-        </p:spPr>
-        <p:txBody>
-          <a:bodyPr/>
-          <a:lstStyle/>
-          <a:p>
-            <a:r>
-              <a:rPr lang="en-US" dirty="0"/>
-              <a:t>Recall the #1 rule of better predictions – get more data. </a:t>
-            </a:r>
-          </a:p>
-          <a:p>
-            <a:r>
-              <a:rPr lang="en-US" dirty="0"/>
-              <a:t>Images make it easy to generate more data for training. </a:t>
-            </a:r>
-          </a:p>
-          <a:p>
-            <a:pPr lvl="1"/>
-            <a:r>
-              <a:rPr lang="en-US" dirty="0"/>
-              <a:t>Flip images. </a:t>
-            </a:r>
-          </a:p>
-          <a:p>
-            <a:pPr lvl="1"/>
-            <a:r>
-              <a:rPr lang="en-US" dirty="0"/>
-              <a:t>Shift a window to parts of an image. </a:t>
-            </a:r>
-          </a:p>
-          <a:p>
-            <a:r>
-              <a:rPr lang="en-US" dirty="0"/>
-              <a:t>Easy to do when constructing a dataset. </a:t>
-            </a:r>
-          </a:p>
-        </p:txBody>
-      </p:sp>
-      <p:pic>
-        <p:nvPicPr>
-          <p:cNvPr id="2052" name="Picture 4" descr="Data Augmentation: How to use Deep Learning when you have Limited Data -  KDnuggets">
-            <a:extLst>
-              <a:ext uri="{FF2B5EF4-FFF2-40B4-BE49-F238E27FC236}">
-                <a16:creationId xmlns:a16="http://schemas.microsoft.com/office/drawing/2014/main" id="{888CCA9D-637B-7A43-B396-CA12661FCB63}"/>
-              </a:ext>
-            </a:extLst>
-          </p:cNvPr>
-          <p:cNvPicPr>
-            <a:picLocks noChangeAspect="1" noChangeArrowheads="1"/>
-          </p:cNvPicPr>
-          <p:nvPr/>
-        </p:nvPicPr>
-        <p:blipFill>
-          <a:blip r:embed="rId2">
-            <a:extLst>
-              <a:ext uri="{28A0092B-C50C-407E-A947-70E740481C1C}">
-                <a14:useLocalDpi xmlns:a14="http://schemas.microsoft.com/office/drawing/2010/main" val="0"/>
-              </a:ext>
-            </a:extLst>
-          </a:blip>
-          <a:srcRect/>
-          <a:stretch>
-            <a:fillRect/>
-          </a:stretch>
-        </p:blipFill>
-        <p:spPr bwMode="auto">
-          <a:xfrm>
-            <a:off x="3757961" y="4043310"/>
-            <a:ext cx="5436805" cy="2756630"/>
-          </a:xfrm>
-          <a:prstGeom prst="rect">
-            <a:avLst/>
-          </a:prstGeom>
-          <a:noFill/>
-          <a:extLst>
-            <a:ext uri="{909E8E84-426E-40DD-AFC4-6F175D3DCCD1}">
-              <a14:hiddenFill xmlns:a14="http://schemas.microsoft.com/office/drawing/2010/main">
-                <a:solidFill>
-                  <a:srgbClr val="FFFFFF"/>
-                </a:solidFill>
-              </a14:hiddenFill>
-            </a:ext>
-          </a:extLst>
-        </p:spPr>
-      </p:pic>
-    </p:spTree>
-    <p:extLst>
-      <p:ext uri="{BB962C8B-B14F-4D97-AF65-F5344CB8AC3E}">
-        <p14:creationId xmlns:p14="http://schemas.microsoft.com/office/powerpoint/2010/main" val="2829747906"/>
-      </p:ext>
-    </p:extLst>
-  </p:cSld>
-  <p:clrMapOvr>
-    <a:masterClrMapping/>
-  </p:clrMapOvr>
-</p:sld>
-</file>
-
-<file path=ppt/slides/slide31.xml><?xml version="1.0" encoding="utf-8"?>
-<p:sld xmlns:a="http://schemas.openxmlformats.org/drawingml/2006/main" xmlns:r="http://schemas.openxmlformats.org/officeDocument/2006/relationships" xmlns:p="http://schemas.openxmlformats.org/presentationml/2006/main">
-  <p:cSld>
-    <p:spTree>
-      <p:nvGrpSpPr>
-        <p:cNvPr id="1" name=""/>
-        <p:cNvGrpSpPr/>
-        <p:nvPr/>
-      </p:nvGrpSpPr>
-      <p:grpSpPr>
-        <a:xfrm>
-          <a:off x="0" y="0"/>
-          <a:ext cx="0" cy="0"/>
-          <a:chOff x="0" y="0"/>
-          <a:chExt cx="0" cy="0"/>
-        </a:xfrm>
-      </p:grpSpPr>
-      <p:sp>
-        <p:nvSpPr>
-          <p:cNvPr id="2" name="Title 1">
-            <a:extLst>
-              <a:ext uri="{FF2B5EF4-FFF2-40B4-BE49-F238E27FC236}">
-                <a16:creationId xmlns:a16="http://schemas.microsoft.com/office/drawing/2014/main" id="{1EE9A41D-4AB8-0B49-B199-5B443679EE12}"/>
-              </a:ext>
-            </a:extLst>
-          </p:cNvPr>
-          <p:cNvSpPr>
-            <a:spLocks noGrp="1"/>
-          </p:cNvSpPr>
-          <p:nvPr>
-            <p:ph type="title"/>
-          </p:nvPr>
-        </p:nvSpPr>
-        <p:spPr/>
-        <p:txBody>
-          <a:bodyPr/>
-          <a:lstStyle/>
-          <a:p>
-            <a:r>
-              <a:rPr lang="en-US" dirty="0"/>
-              <a:t>Pretrained Models and Transferred Learning</a:t>
-            </a:r>
-          </a:p>
-        </p:txBody>
-      </p:sp>
-      <p:sp>
-        <p:nvSpPr>
-          <p:cNvPr id="3" name="Content Placeholder 2">
-            <a:extLst>
-              <a:ext uri="{FF2B5EF4-FFF2-40B4-BE49-F238E27FC236}">
-                <a16:creationId xmlns:a16="http://schemas.microsoft.com/office/drawing/2014/main" id="{A4CB7E67-D909-E34E-BA22-3CC2E29D9AB4}"/>
-              </a:ext>
-            </a:extLst>
-          </p:cNvPr>
-          <p:cNvSpPr>
-            <a:spLocks noGrp="1"/>
-          </p:cNvSpPr>
-          <p:nvPr>
-            <p:ph idx="1"/>
-          </p:nvPr>
-        </p:nvSpPr>
-        <p:spPr>
-          <a:xfrm>
-            <a:off x="1451579" y="1853754"/>
-            <a:ext cx="9603275" cy="3612591"/>
-          </a:xfrm>
-        </p:spPr>
-        <p:txBody>
-          <a:bodyPr/>
-          <a:lstStyle/>
-          <a:p>
-            <a:r>
-              <a:rPr lang="en-US" dirty="0"/>
-              <a:t>On common practice with images is to use a pretrained model. </a:t>
-            </a:r>
-          </a:p>
-          <a:p>
-            <a:pPr lvl="1"/>
-            <a:r>
-              <a:rPr lang="en-US" dirty="0"/>
-              <a:t>Images are large, datasets can be huge, processing </a:t>
-            </a:r>
-            <a:r>
-              <a:rPr lang="en-US"/>
-              <a:t>is demanding. </a:t>
-            </a:r>
-            <a:endParaRPr lang="en-US" dirty="0"/>
-          </a:p>
-          <a:p>
-            <a:r>
-              <a:rPr lang="en-US" dirty="0"/>
-              <a:t>Common filtering is built in, since it has been trained with a lot of data. </a:t>
-            </a:r>
-          </a:p>
-          <a:p>
-            <a:pPr lvl="1"/>
-            <a:r>
-              <a:rPr lang="en-US" dirty="0"/>
-              <a:t>E.g. for navigation edge detection is very important. Edges are a common feature that is extracted with image processing. </a:t>
-            </a:r>
-          </a:p>
-          <a:p>
-            <a:r>
-              <a:rPr lang="en-US" dirty="0"/>
-              <a:t>Since features are common across images in general, not just ours, we can borrow that learning!</a:t>
-            </a:r>
-          </a:p>
-          <a:p>
-            <a:pPr lvl="1"/>
-            <a:r>
-              <a:rPr lang="en-US" dirty="0"/>
-              <a:t>We’ll look at this more in ~2 weeks</a:t>
-            </a:r>
-          </a:p>
-        </p:txBody>
-      </p:sp>
-    </p:spTree>
-    <p:extLst>
-      <p:ext uri="{BB962C8B-B14F-4D97-AF65-F5344CB8AC3E}">
-        <p14:creationId xmlns:p14="http://schemas.microsoft.com/office/powerpoint/2010/main" val="3092961842"/>
-      </p:ext>
-    </p:extLst>
-  </p:cSld>
-  <p:clrMapOvr>
-    <a:masterClrMapping/>
-  </p:clrMapOvr>
-</p:sld>
-</file>
-
-<file path=ppt/slides/slide32.xml><?xml version="1.0" encoding="utf-8"?>
-<p:sld xmlns:a="http://schemas.openxmlformats.org/drawingml/2006/main" xmlns:r="http://schemas.openxmlformats.org/officeDocument/2006/relationships" xmlns:p="http://schemas.openxmlformats.org/presentationml/2006/main">
-  <p:cSld>
-    <p:spTree>
-      <p:nvGrpSpPr>
-        <p:cNvPr id="1" name=""/>
-        <p:cNvGrpSpPr/>
-        <p:nvPr/>
-      </p:nvGrpSpPr>
-      <p:grpSpPr>
-        <a:xfrm>
-          <a:off x="0" y="0"/>
-          <a:ext cx="0" cy="0"/>
-          <a:chOff x="0" y="0"/>
-          <a:chExt cx="0" cy="0"/>
-        </a:xfrm>
-      </p:grpSpPr>
-      <p:sp>
-        <p:nvSpPr>
-          <p:cNvPr id="2" name="Title 1">
-            <a:extLst>
-              <a:ext uri="{FF2B5EF4-FFF2-40B4-BE49-F238E27FC236}">
-                <a16:creationId xmlns:a16="http://schemas.microsoft.com/office/drawing/2014/main" id="{288A9F71-8543-B841-A046-859D34245E76}"/>
-              </a:ext>
-            </a:extLst>
-          </p:cNvPr>
-          <p:cNvSpPr>
-            <a:spLocks noGrp="1"/>
-          </p:cNvSpPr>
-          <p:nvPr>
-            <p:ph type="title"/>
-          </p:nvPr>
-        </p:nvSpPr>
-        <p:spPr/>
-        <p:txBody>
-          <a:bodyPr/>
-          <a:lstStyle/>
-          <a:p>
-            <a:endParaRPr lang="en-US"/>
-          </a:p>
-        </p:txBody>
-      </p:sp>
-      <p:sp>
-        <p:nvSpPr>
-          <p:cNvPr id="3" name="Content Placeholder 2">
-            <a:extLst>
-              <a:ext uri="{FF2B5EF4-FFF2-40B4-BE49-F238E27FC236}">
-                <a16:creationId xmlns:a16="http://schemas.microsoft.com/office/drawing/2014/main" id="{CFF96112-2239-B24E-A8B8-122DB15EEA55}"/>
-              </a:ext>
-            </a:extLst>
-          </p:cNvPr>
-          <p:cNvSpPr>
-            <a:spLocks noGrp="1"/>
-          </p:cNvSpPr>
-          <p:nvPr>
-            <p:ph idx="1"/>
-          </p:nvPr>
-        </p:nvSpPr>
-        <p:spPr/>
-        <p:txBody>
-          <a:bodyPr/>
-          <a:lstStyle/>
-          <a:p>
-            <a:endParaRPr lang="en-US"/>
-          </a:p>
-        </p:txBody>
-      </p:sp>
-      <p:pic>
-        <p:nvPicPr>
-          <p:cNvPr id="1026" name="Picture 2" descr="Capsule Networks | Deep Learning Capsule Network">
-            <a:extLst>
-              <a:ext uri="{FF2B5EF4-FFF2-40B4-BE49-F238E27FC236}">
-                <a16:creationId xmlns:a16="http://schemas.microsoft.com/office/drawing/2014/main" id="{150FDA50-CA3D-2147-8BF3-5215DF12701B}"/>
-              </a:ext>
-            </a:extLst>
-          </p:cNvPr>
-          <p:cNvPicPr>
-            <a:picLocks noChangeAspect="1" noChangeArrowheads="1"/>
-          </p:cNvPicPr>
-          <p:nvPr/>
-        </p:nvPicPr>
-        <p:blipFill>
-          <a:blip r:embed="rId2">
-            <a:extLst>
-              <a:ext uri="{28A0092B-C50C-407E-A947-70E740481C1C}">
-                <a14:useLocalDpi xmlns:a14="http://schemas.microsoft.com/office/drawing/2010/main" val="0"/>
-              </a:ext>
-            </a:extLst>
-          </a:blip>
-          <a:srcRect/>
-          <a:stretch>
-            <a:fillRect/>
-          </a:stretch>
-        </p:blipFill>
-        <p:spPr bwMode="auto">
-          <a:xfrm>
-            <a:off x="1917700" y="323850"/>
-            <a:ext cx="8356600" cy="6210300"/>
-          </a:xfrm>
-          <a:prstGeom prst="rect">
-            <a:avLst/>
-          </a:prstGeom>
-          <a:noFill/>
-          <a:extLst>
-            <a:ext uri="{909E8E84-426E-40DD-AFC4-6F175D3DCCD1}">
-              <a14:hiddenFill xmlns:a14="http://schemas.microsoft.com/office/drawing/2010/main">
-                <a:solidFill>
-                  <a:srgbClr val="FFFFFF"/>
-                </a:solidFill>
-              </a14:hiddenFill>
-            </a:ext>
-          </a:extLst>
-        </p:spPr>
-      </p:pic>
-    </p:spTree>
-    <p:extLst>
-      <p:ext uri="{BB962C8B-B14F-4D97-AF65-F5344CB8AC3E}">
-        <p14:creationId xmlns:p14="http://schemas.microsoft.com/office/powerpoint/2010/main" val="1438773404"/>
-      </p:ext>
-    </p:extLst>
-  </p:cSld>
-  <p:clrMapOvr>
-    <a:masterClrMapping/>
-  </p:clrMapOvr>
-</p:sld>
-</file>
-
-<file path=ppt/slides/slide4.xml><?xml version="1.0" encoding="utf-8"?>
-<p:sld xmlns:a="http://schemas.openxmlformats.org/drawingml/2006/main" xmlns:r="http://schemas.openxmlformats.org/officeDocument/2006/relationships" xmlns:p="http://schemas.openxmlformats.org/presentationml/2006/main">
-  <p:cSld>
-    <p:spTree>
-      <p:nvGrpSpPr>
-        <p:cNvPr id="1" name=""/>
-        <p:cNvGrpSpPr/>
-        <p:nvPr/>
-      </p:nvGrpSpPr>
-      <p:grpSpPr>
-        <a:xfrm>
-          <a:off x="0" y="0"/>
-          <a:ext cx="0" cy="0"/>
-          <a:chOff x="0" y="0"/>
-          <a:chExt cx="0" cy="0"/>
-        </a:xfrm>
-      </p:grpSpPr>
-      <p:sp>
-        <p:nvSpPr>
-          <p:cNvPr id="2" name="Title 1">
-            <a:extLst>
-              <a:ext uri="{FF2B5EF4-FFF2-40B4-BE49-F238E27FC236}">
-                <a16:creationId xmlns:a16="http://schemas.microsoft.com/office/drawing/2014/main" id="{BF512CCA-4F11-3249-AED9-0D0D7D9D77E9}"/>
-              </a:ext>
-            </a:extLst>
-          </p:cNvPr>
-          <p:cNvSpPr>
-            <a:spLocks noGrp="1"/>
-          </p:cNvSpPr>
-          <p:nvPr>
-            <p:ph type="title"/>
-          </p:nvPr>
-        </p:nvSpPr>
-        <p:spPr/>
-        <p:txBody>
-          <a:bodyPr/>
-          <a:lstStyle/>
-          <a:p>
-            <a:r>
-              <a:rPr lang="en-US" dirty="0"/>
-              <a:t>Detour 1 – Sequential vs Functional</a:t>
-            </a:r>
-          </a:p>
-        </p:txBody>
-      </p:sp>
-      <p:sp>
-        <p:nvSpPr>
-          <p:cNvPr id="3" name="Content Placeholder 2">
-            <a:extLst>
-              <a:ext uri="{FF2B5EF4-FFF2-40B4-BE49-F238E27FC236}">
-                <a16:creationId xmlns:a16="http://schemas.microsoft.com/office/drawing/2014/main" id="{852D2B1B-77A8-6C42-83C7-6FEEC4193082}"/>
-              </a:ext>
-            </a:extLst>
-          </p:cNvPr>
-          <p:cNvSpPr>
-            <a:spLocks noGrp="1"/>
-          </p:cNvSpPr>
-          <p:nvPr>
-            <p:ph idx="1"/>
-          </p:nvPr>
-        </p:nvSpPr>
-        <p:spPr>
-          <a:xfrm>
-            <a:off x="1451579" y="1853754"/>
-            <a:ext cx="9603275" cy="4299620"/>
-          </a:xfrm>
-        </p:spPr>
-        <p:txBody>
-          <a:bodyPr>
-            <a:normAutofit lnSpcReduction="10000"/>
-          </a:bodyPr>
-          <a:lstStyle/>
-          <a:p>
-            <a:r>
-              <a:rPr lang="en-US" dirty="0"/>
-              <a:t>Sequential models work sequentially – one layer after the other. </a:t>
-            </a:r>
-          </a:p>
-          <a:p>
-            <a:pPr lvl="1"/>
-            <a:r>
-              <a:rPr lang="en-US" dirty="0"/>
-              <a:t>Start with an input layer. End with an output</a:t>
-            </a:r>
-          </a:p>
-          <a:p>
-            <a:r>
-              <a:rPr lang="en-US" dirty="0"/>
-              <a:t>Functional neural network types allow for that rule to be broken:</a:t>
-            </a:r>
-          </a:p>
-          <a:p>
-            <a:pPr lvl="1"/>
-            <a:r>
-              <a:rPr lang="en-US" dirty="0"/>
-              <a:t>Slicing and concatenating parts of a model. </a:t>
-            </a:r>
-          </a:p>
-          <a:p>
-            <a:pPr lvl="1"/>
-            <a:r>
-              <a:rPr lang="en-US" dirty="0"/>
-              <a:t>Multiple inputs and/or multiple outputs. </a:t>
-            </a:r>
-          </a:p>
-          <a:p>
-            <a:r>
-              <a:rPr lang="en-US" dirty="0"/>
-              <a:t>Image processing – examine different portions of an image differently. </a:t>
-            </a:r>
-          </a:p>
-          <a:p>
-            <a:r>
-              <a:rPr lang="en-US" dirty="0"/>
-              <a:t>Generally allows for task specific adaptation of the model to the data. </a:t>
-            </a:r>
-          </a:p>
-          <a:p>
-            <a:r>
-              <a:rPr lang="en-US" dirty="0"/>
-              <a:t>Imagine stock price predictions:</a:t>
-            </a:r>
-          </a:p>
-          <a:p>
-            <a:pPr lvl="1"/>
-            <a:r>
-              <a:rPr lang="en-US" dirty="0"/>
-              <a:t>Multiple inputs for book info, market analysis, and time-series of tech. info. </a:t>
-            </a:r>
-          </a:p>
-          <a:p>
-            <a:pPr lvl="1"/>
-            <a:r>
-              <a:rPr lang="en-US" dirty="0"/>
-              <a:t>Output of price projection and buy/sell/hold recommendation. </a:t>
-            </a:r>
-          </a:p>
-        </p:txBody>
-      </p:sp>
-    </p:spTree>
-    <p:extLst>
-      <p:ext uri="{BB962C8B-B14F-4D97-AF65-F5344CB8AC3E}">
-        <p14:creationId xmlns:p14="http://schemas.microsoft.com/office/powerpoint/2010/main" val="3592937072"/>
-      </p:ext>
-    </p:extLst>
-  </p:cSld>
-  <p:clrMapOvr>
-    <a:masterClrMapping/>
-  </p:clrMapOvr>
-</p:sld>
-</file>
-
-<file path=ppt/slides/slide5.xml><?xml version="1.0" encoding="utf-8"?>
 <p:sld xmlns:a="http://schemas.openxmlformats.org/drawingml/2006/main" xmlns:r="http://schemas.openxmlformats.org/officeDocument/2006/relationships" xmlns:p="http://schemas.openxmlformats.org/presentationml/2006/main">
   <p:cSld>
     <p:spTree>
@@ -8656,7 +8181,7 @@
 </p:sld>
 </file>
 
-<file path=ppt/slides/slide6.xml><?xml version="1.0" encoding="utf-8"?>
+<file path=ppt/slides/slide30.xml><?xml version="1.0" encoding="utf-8"?>
 <p:sld xmlns:a="http://schemas.openxmlformats.org/drawingml/2006/main" xmlns:r="http://schemas.openxmlformats.org/officeDocument/2006/relationships" xmlns:p="http://schemas.openxmlformats.org/presentationml/2006/main">
   <p:cSld>
     <p:spTree>
@@ -8678,6 +8203,626 @@
           <p:cNvPr id="2" name="Title 1">
             <a:extLst>
               <a:ext uri="{FF2B5EF4-FFF2-40B4-BE49-F238E27FC236}">
+                <a16:creationId xmlns:a16="http://schemas.microsoft.com/office/drawing/2014/main" id="{AAA6434D-F1B0-8241-A5E2-9406155B278C}"/>
+              </a:ext>
+            </a:extLst>
+          </p:cNvPr>
+          <p:cNvSpPr>
+            <a:spLocks noGrp="1"/>
+          </p:cNvSpPr>
+          <p:nvPr>
+            <p:ph type="title"/>
+          </p:nvPr>
+        </p:nvSpPr>
+        <p:spPr/>
+        <p:txBody>
+          <a:bodyPr/>
+          <a:lstStyle/>
+          <a:p>
+            <a:r>
+              <a:rPr lang="en-US" dirty="0"/>
+              <a:t>Batch Normalization</a:t>
+            </a:r>
+          </a:p>
+        </p:txBody>
+      </p:sp>
+      <p:sp>
+        <p:nvSpPr>
+          <p:cNvPr id="3" name="Content Placeholder 2">
+            <a:extLst>
+              <a:ext uri="{FF2B5EF4-FFF2-40B4-BE49-F238E27FC236}">
+                <a16:creationId xmlns:a16="http://schemas.microsoft.com/office/drawing/2014/main" id="{095ABC4B-532E-B641-9900-2BD7C61B478F}"/>
+              </a:ext>
+            </a:extLst>
+          </p:cNvPr>
+          <p:cNvSpPr>
+            <a:spLocks noGrp="1"/>
+          </p:cNvSpPr>
+          <p:nvPr>
+            <p:ph idx="1"/>
+          </p:nvPr>
+        </p:nvSpPr>
+        <p:spPr>
+          <a:xfrm>
+            <a:off x="1451579" y="1853754"/>
+            <a:ext cx="9603275" cy="3612591"/>
+          </a:xfrm>
+        </p:spPr>
+        <p:txBody>
+          <a:bodyPr/>
+          <a:lstStyle/>
+          <a:p>
+            <a:r>
+              <a:rPr lang="en-US" dirty="0"/>
+              <a:t>Batch normalization is a common step used in CNNs. </a:t>
+            </a:r>
+          </a:p>
+          <a:p>
+            <a:r>
+              <a:rPr lang="en-US" dirty="0"/>
+              <a:t>Standardizes the data between layer and activation. </a:t>
+            </a:r>
+          </a:p>
+        </p:txBody>
+      </p:sp>
+    </p:spTree>
+    <p:extLst>
+      <p:ext uri="{BB962C8B-B14F-4D97-AF65-F5344CB8AC3E}">
+        <p14:creationId xmlns:p14="http://schemas.microsoft.com/office/powerpoint/2010/main" val="2557233317"/>
+      </p:ext>
+    </p:extLst>
+  </p:cSld>
+  <p:clrMapOvr>
+    <a:masterClrMapping/>
+  </p:clrMapOvr>
+</p:sld>
+</file>
+
+<file path=ppt/slides/slide31.xml><?xml version="1.0" encoding="utf-8"?>
+<p:sld xmlns:a="http://schemas.openxmlformats.org/drawingml/2006/main" xmlns:r="http://schemas.openxmlformats.org/officeDocument/2006/relationships" xmlns:p="http://schemas.openxmlformats.org/presentationml/2006/main">
+  <p:cSld>
+    <p:spTree>
+      <p:nvGrpSpPr>
+        <p:cNvPr id="1" name=""/>
+        <p:cNvGrpSpPr/>
+        <p:nvPr/>
+      </p:nvGrpSpPr>
+      <p:grpSpPr>
+        <a:xfrm>
+          <a:off x="0" y="0"/>
+          <a:ext cx="0" cy="0"/>
+          <a:chOff x="0" y="0"/>
+          <a:chExt cx="0" cy="0"/>
+        </a:xfrm>
+      </p:grpSpPr>
+      <p:sp>
+        <p:nvSpPr>
+          <p:cNvPr id="2" name="Title 1">
+            <a:extLst>
+              <a:ext uri="{FF2B5EF4-FFF2-40B4-BE49-F238E27FC236}">
+                <a16:creationId xmlns:a16="http://schemas.microsoft.com/office/drawing/2014/main" id="{03771A9C-C120-464F-975D-15A7A52C9BBE}"/>
+              </a:ext>
+            </a:extLst>
+          </p:cNvPr>
+          <p:cNvSpPr>
+            <a:spLocks noGrp="1"/>
+          </p:cNvSpPr>
+          <p:nvPr>
+            <p:ph type="title"/>
+          </p:nvPr>
+        </p:nvSpPr>
+        <p:spPr/>
+        <p:txBody>
+          <a:bodyPr/>
+          <a:lstStyle/>
+          <a:p>
+            <a:r>
+              <a:rPr lang="en-US" dirty="0"/>
+              <a:t>Convolutional Portion</a:t>
+            </a:r>
+          </a:p>
+        </p:txBody>
+      </p:sp>
+      <p:sp>
+        <p:nvSpPr>
+          <p:cNvPr id="3" name="Content Placeholder 2">
+            <a:extLst>
+              <a:ext uri="{FF2B5EF4-FFF2-40B4-BE49-F238E27FC236}">
+                <a16:creationId xmlns:a16="http://schemas.microsoft.com/office/drawing/2014/main" id="{3BEFB6C6-C30E-A34C-80CD-1114FFB7AFC1}"/>
+              </a:ext>
+            </a:extLst>
+          </p:cNvPr>
+          <p:cNvSpPr>
+            <a:spLocks noGrp="1"/>
+          </p:cNvSpPr>
+          <p:nvPr>
+            <p:ph idx="1"/>
+          </p:nvPr>
+        </p:nvSpPr>
+        <p:spPr/>
+        <p:txBody>
+          <a:bodyPr/>
+          <a:lstStyle/>
+          <a:p>
+            <a:r>
+              <a:rPr lang="en-US" dirty="0"/>
+              <a:t>The convolutional parts of a CNN normally repeat this through several layers:</a:t>
+            </a:r>
+          </a:p>
+          <a:p>
+            <a:pPr lvl="1"/>
+            <a:r>
+              <a:rPr lang="en-US" dirty="0"/>
+              <a:t>Convolutional layer finds component image features. </a:t>
+            </a:r>
+          </a:p>
+          <a:p>
+            <a:pPr lvl="1"/>
+            <a:r>
+              <a:rPr lang="en-US" dirty="0"/>
+              <a:t>Pooling layer generalizes. </a:t>
+            </a:r>
+          </a:p>
+          <a:p>
+            <a:endParaRPr lang="en-US" dirty="0"/>
+          </a:p>
+        </p:txBody>
+      </p:sp>
+    </p:spTree>
+    <p:extLst>
+      <p:ext uri="{BB962C8B-B14F-4D97-AF65-F5344CB8AC3E}">
+        <p14:creationId xmlns:p14="http://schemas.microsoft.com/office/powerpoint/2010/main" val="2981774519"/>
+      </p:ext>
+    </p:extLst>
+  </p:cSld>
+  <p:clrMapOvr>
+    <a:masterClrMapping/>
+  </p:clrMapOvr>
+</p:sld>
+</file>
+
+<file path=ppt/slides/slide32.xml><?xml version="1.0" encoding="utf-8"?>
+<p:sld xmlns:a="http://schemas.openxmlformats.org/drawingml/2006/main" xmlns:r="http://schemas.openxmlformats.org/officeDocument/2006/relationships" xmlns:p="http://schemas.openxmlformats.org/presentationml/2006/main">
+  <p:cSld>
+    <p:spTree>
+      <p:nvGrpSpPr>
+        <p:cNvPr id="1" name=""/>
+        <p:cNvGrpSpPr/>
+        <p:nvPr/>
+      </p:nvGrpSpPr>
+      <p:grpSpPr>
+        <a:xfrm>
+          <a:off x="0" y="0"/>
+          <a:ext cx="0" cy="0"/>
+          <a:chOff x="0" y="0"/>
+          <a:chExt cx="0" cy="0"/>
+        </a:xfrm>
+      </p:grpSpPr>
+      <p:sp>
+        <p:nvSpPr>
+          <p:cNvPr id="2" name="Title 1">
+            <a:extLst>
+              <a:ext uri="{FF2B5EF4-FFF2-40B4-BE49-F238E27FC236}">
+                <a16:creationId xmlns:a16="http://schemas.microsoft.com/office/drawing/2014/main" id="{8E633538-DE51-9D43-9B87-A21A03C4D9A1}"/>
+              </a:ext>
+            </a:extLst>
+          </p:cNvPr>
+          <p:cNvSpPr>
+            <a:spLocks noGrp="1"/>
+          </p:cNvSpPr>
+          <p:nvPr>
+            <p:ph type="title"/>
+          </p:nvPr>
+        </p:nvSpPr>
+        <p:spPr/>
+        <p:txBody>
+          <a:bodyPr/>
+          <a:lstStyle/>
+          <a:p>
+            <a:r>
+              <a:rPr lang="en-US" dirty="0"/>
+              <a:t>Data Augmentation</a:t>
+            </a:r>
+          </a:p>
+        </p:txBody>
+      </p:sp>
+      <p:sp>
+        <p:nvSpPr>
+          <p:cNvPr id="3" name="Content Placeholder 2">
+            <a:extLst>
+              <a:ext uri="{FF2B5EF4-FFF2-40B4-BE49-F238E27FC236}">
+                <a16:creationId xmlns:a16="http://schemas.microsoft.com/office/drawing/2014/main" id="{28220651-09A5-4248-B991-FA651014E333}"/>
+              </a:ext>
+            </a:extLst>
+          </p:cNvPr>
+          <p:cNvSpPr>
+            <a:spLocks noGrp="1"/>
+          </p:cNvSpPr>
+          <p:nvPr>
+            <p:ph idx="1"/>
+          </p:nvPr>
+        </p:nvSpPr>
+        <p:spPr>
+          <a:xfrm>
+            <a:off x="1451579" y="1853754"/>
+            <a:ext cx="9603275" cy="3612591"/>
+          </a:xfrm>
+        </p:spPr>
+        <p:txBody>
+          <a:bodyPr/>
+          <a:lstStyle/>
+          <a:p>
+            <a:r>
+              <a:rPr lang="en-US" dirty="0"/>
+              <a:t>Recall the #1 rule of better predictions – get more data. </a:t>
+            </a:r>
+          </a:p>
+          <a:p>
+            <a:r>
+              <a:rPr lang="en-US" dirty="0"/>
+              <a:t>Images make it easy to generate more data for training. </a:t>
+            </a:r>
+          </a:p>
+          <a:p>
+            <a:pPr lvl="1"/>
+            <a:r>
+              <a:rPr lang="en-US" dirty="0"/>
+              <a:t>Flip images. </a:t>
+            </a:r>
+          </a:p>
+          <a:p>
+            <a:pPr lvl="1"/>
+            <a:r>
+              <a:rPr lang="en-US" dirty="0"/>
+              <a:t>Shift a window to parts of an image. </a:t>
+            </a:r>
+          </a:p>
+          <a:p>
+            <a:r>
+              <a:rPr lang="en-US" dirty="0"/>
+              <a:t>Easy to do when constructing a dataset. </a:t>
+            </a:r>
+          </a:p>
+        </p:txBody>
+      </p:sp>
+      <p:pic>
+        <p:nvPicPr>
+          <p:cNvPr id="2052" name="Picture 4" descr="Data Augmentation: How to use Deep Learning when you have Limited Data -  KDnuggets">
+            <a:extLst>
+              <a:ext uri="{FF2B5EF4-FFF2-40B4-BE49-F238E27FC236}">
+                <a16:creationId xmlns:a16="http://schemas.microsoft.com/office/drawing/2014/main" id="{888CCA9D-637B-7A43-B396-CA12661FCB63}"/>
+              </a:ext>
+            </a:extLst>
+          </p:cNvPr>
+          <p:cNvPicPr>
+            <a:picLocks noChangeAspect="1" noChangeArrowheads="1"/>
+          </p:cNvPicPr>
+          <p:nvPr/>
+        </p:nvPicPr>
+        <p:blipFill>
+          <a:blip r:embed="rId2">
+            <a:extLst>
+              <a:ext uri="{28A0092B-C50C-407E-A947-70E740481C1C}">
+                <a14:useLocalDpi xmlns:a14="http://schemas.microsoft.com/office/drawing/2010/main" val="0"/>
+              </a:ext>
+            </a:extLst>
+          </a:blip>
+          <a:srcRect/>
+          <a:stretch>
+            <a:fillRect/>
+          </a:stretch>
+        </p:blipFill>
+        <p:spPr bwMode="auto">
+          <a:xfrm>
+            <a:off x="3757961" y="4043310"/>
+            <a:ext cx="5436805" cy="2756630"/>
+          </a:xfrm>
+          <a:prstGeom prst="rect">
+            <a:avLst/>
+          </a:prstGeom>
+          <a:noFill/>
+          <a:extLst>
+            <a:ext uri="{909E8E84-426E-40DD-AFC4-6F175D3DCCD1}">
+              <a14:hiddenFill xmlns:a14="http://schemas.microsoft.com/office/drawing/2010/main">
+                <a:solidFill>
+                  <a:srgbClr val="FFFFFF"/>
+                </a:solidFill>
+              </a14:hiddenFill>
+            </a:ext>
+          </a:extLst>
+        </p:spPr>
+      </p:pic>
+    </p:spTree>
+    <p:extLst>
+      <p:ext uri="{BB962C8B-B14F-4D97-AF65-F5344CB8AC3E}">
+        <p14:creationId xmlns:p14="http://schemas.microsoft.com/office/powerpoint/2010/main" val="2829747906"/>
+      </p:ext>
+    </p:extLst>
+  </p:cSld>
+  <p:clrMapOvr>
+    <a:masterClrMapping/>
+  </p:clrMapOvr>
+</p:sld>
+</file>
+
+<file path=ppt/slides/slide33.xml><?xml version="1.0" encoding="utf-8"?>
+<p:sld xmlns:a="http://schemas.openxmlformats.org/drawingml/2006/main" xmlns:r="http://schemas.openxmlformats.org/officeDocument/2006/relationships" xmlns:p="http://schemas.openxmlformats.org/presentationml/2006/main">
+  <p:cSld>
+    <p:spTree>
+      <p:nvGrpSpPr>
+        <p:cNvPr id="1" name=""/>
+        <p:cNvGrpSpPr/>
+        <p:nvPr/>
+      </p:nvGrpSpPr>
+      <p:grpSpPr>
+        <a:xfrm>
+          <a:off x="0" y="0"/>
+          <a:ext cx="0" cy="0"/>
+          <a:chOff x="0" y="0"/>
+          <a:chExt cx="0" cy="0"/>
+        </a:xfrm>
+      </p:grpSpPr>
+      <p:sp>
+        <p:nvSpPr>
+          <p:cNvPr id="2" name="Title 1">
+            <a:extLst>
+              <a:ext uri="{FF2B5EF4-FFF2-40B4-BE49-F238E27FC236}">
+                <a16:creationId xmlns:a16="http://schemas.microsoft.com/office/drawing/2014/main" id="{1EE9A41D-4AB8-0B49-B199-5B443679EE12}"/>
+              </a:ext>
+            </a:extLst>
+          </p:cNvPr>
+          <p:cNvSpPr>
+            <a:spLocks noGrp="1"/>
+          </p:cNvSpPr>
+          <p:nvPr>
+            <p:ph type="title"/>
+          </p:nvPr>
+        </p:nvSpPr>
+        <p:spPr/>
+        <p:txBody>
+          <a:bodyPr/>
+          <a:lstStyle/>
+          <a:p>
+            <a:r>
+              <a:rPr lang="en-US" dirty="0"/>
+              <a:t>Pretrained Models and Transferred Learning</a:t>
+            </a:r>
+          </a:p>
+        </p:txBody>
+      </p:sp>
+      <p:sp>
+        <p:nvSpPr>
+          <p:cNvPr id="3" name="Content Placeholder 2">
+            <a:extLst>
+              <a:ext uri="{FF2B5EF4-FFF2-40B4-BE49-F238E27FC236}">
+                <a16:creationId xmlns:a16="http://schemas.microsoft.com/office/drawing/2014/main" id="{A4CB7E67-D909-E34E-BA22-3CC2E29D9AB4}"/>
+              </a:ext>
+            </a:extLst>
+          </p:cNvPr>
+          <p:cNvSpPr>
+            <a:spLocks noGrp="1"/>
+          </p:cNvSpPr>
+          <p:nvPr>
+            <p:ph idx="1"/>
+          </p:nvPr>
+        </p:nvSpPr>
+        <p:spPr>
+          <a:xfrm>
+            <a:off x="1451579" y="1853754"/>
+            <a:ext cx="9603275" cy="3612591"/>
+          </a:xfrm>
+        </p:spPr>
+        <p:txBody>
+          <a:bodyPr/>
+          <a:lstStyle/>
+          <a:p>
+            <a:r>
+              <a:rPr lang="en-US" dirty="0"/>
+              <a:t>On common practice with images is to use a pretrained model. </a:t>
+            </a:r>
+          </a:p>
+          <a:p>
+            <a:pPr lvl="1"/>
+            <a:r>
+              <a:rPr lang="en-US" dirty="0"/>
+              <a:t>Images are large, datasets can be huge, processing </a:t>
+            </a:r>
+            <a:r>
+              <a:rPr lang="en-US"/>
+              <a:t>is demanding. </a:t>
+            </a:r>
+            <a:endParaRPr lang="en-US" dirty="0"/>
+          </a:p>
+          <a:p>
+            <a:r>
+              <a:rPr lang="en-US" dirty="0"/>
+              <a:t>Common filtering is built in, since it has been trained with a lot of data. </a:t>
+            </a:r>
+          </a:p>
+          <a:p>
+            <a:pPr lvl="1"/>
+            <a:r>
+              <a:rPr lang="en-US" dirty="0"/>
+              <a:t>E.g. for navigation edge detection is very important. Edges are a common feature that is extracted with image processing. </a:t>
+            </a:r>
+          </a:p>
+          <a:p>
+            <a:r>
+              <a:rPr lang="en-US" dirty="0"/>
+              <a:t>Since features are common across images in general, not just ours, we can borrow that learning!</a:t>
+            </a:r>
+          </a:p>
+          <a:p>
+            <a:pPr lvl="1"/>
+            <a:r>
+              <a:rPr lang="en-US" dirty="0"/>
+              <a:t>We’ll look at this more in ~2 weeks</a:t>
+            </a:r>
+          </a:p>
+        </p:txBody>
+      </p:sp>
+    </p:spTree>
+    <p:extLst>
+      <p:ext uri="{BB962C8B-B14F-4D97-AF65-F5344CB8AC3E}">
+        <p14:creationId xmlns:p14="http://schemas.microsoft.com/office/powerpoint/2010/main" val="3092961842"/>
+      </p:ext>
+    </p:extLst>
+  </p:cSld>
+  <p:clrMapOvr>
+    <a:masterClrMapping/>
+  </p:clrMapOvr>
+</p:sld>
+</file>
+
+<file path=ppt/slides/slide34.xml><?xml version="1.0" encoding="utf-8"?>
+<p:sld xmlns:a="http://schemas.openxmlformats.org/drawingml/2006/main" xmlns:r="http://schemas.openxmlformats.org/officeDocument/2006/relationships" xmlns:p="http://schemas.openxmlformats.org/presentationml/2006/main">
+  <p:cSld>
+    <p:spTree>
+      <p:nvGrpSpPr>
+        <p:cNvPr id="1" name=""/>
+        <p:cNvGrpSpPr/>
+        <p:nvPr/>
+      </p:nvGrpSpPr>
+      <p:grpSpPr>
+        <a:xfrm>
+          <a:off x="0" y="0"/>
+          <a:ext cx="0" cy="0"/>
+          <a:chOff x="0" y="0"/>
+          <a:chExt cx="0" cy="0"/>
+        </a:xfrm>
+      </p:grpSpPr>
+      <p:sp>
+        <p:nvSpPr>
+          <p:cNvPr id="2" name="Title 1">
+            <a:extLst>
+              <a:ext uri="{FF2B5EF4-FFF2-40B4-BE49-F238E27FC236}">
+                <a16:creationId xmlns:a16="http://schemas.microsoft.com/office/drawing/2014/main" id="{288A9F71-8543-B841-A046-859D34245E76}"/>
+              </a:ext>
+            </a:extLst>
+          </p:cNvPr>
+          <p:cNvSpPr>
+            <a:spLocks noGrp="1"/>
+          </p:cNvSpPr>
+          <p:nvPr>
+            <p:ph type="title"/>
+          </p:nvPr>
+        </p:nvSpPr>
+        <p:spPr/>
+        <p:txBody>
+          <a:bodyPr/>
+          <a:lstStyle/>
+          <a:p>
+            <a:endParaRPr lang="en-US"/>
+          </a:p>
+        </p:txBody>
+      </p:sp>
+      <p:sp>
+        <p:nvSpPr>
+          <p:cNvPr id="3" name="Content Placeholder 2">
+            <a:extLst>
+              <a:ext uri="{FF2B5EF4-FFF2-40B4-BE49-F238E27FC236}">
+                <a16:creationId xmlns:a16="http://schemas.microsoft.com/office/drawing/2014/main" id="{CFF96112-2239-B24E-A8B8-122DB15EEA55}"/>
+              </a:ext>
+            </a:extLst>
+          </p:cNvPr>
+          <p:cNvSpPr>
+            <a:spLocks noGrp="1"/>
+          </p:cNvSpPr>
+          <p:nvPr>
+            <p:ph idx="1"/>
+          </p:nvPr>
+        </p:nvSpPr>
+        <p:spPr/>
+        <p:txBody>
+          <a:bodyPr/>
+          <a:lstStyle/>
+          <a:p>
+            <a:endParaRPr lang="en-US"/>
+          </a:p>
+        </p:txBody>
+      </p:sp>
+      <p:pic>
+        <p:nvPicPr>
+          <p:cNvPr id="1026" name="Picture 2" descr="Capsule Networks | Deep Learning Capsule Network">
+            <a:extLst>
+              <a:ext uri="{FF2B5EF4-FFF2-40B4-BE49-F238E27FC236}">
+                <a16:creationId xmlns:a16="http://schemas.microsoft.com/office/drawing/2014/main" id="{150FDA50-CA3D-2147-8BF3-5215DF12701B}"/>
+              </a:ext>
+            </a:extLst>
+          </p:cNvPr>
+          <p:cNvPicPr>
+            <a:picLocks noChangeAspect="1" noChangeArrowheads="1"/>
+          </p:cNvPicPr>
+          <p:nvPr/>
+        </p:nvPicPr>
+        <p:blipFill>
+          <a:blip r:embed="rId2">
+            <a:extLst>
+              <a:ext uri="{28A0092B-C50C-407E-A947-70E740481C1C}">
+                <a14:useLocalDpi xmlns:a14="http://schemas.microsoft.com/office/drawing/2010/main" val="0"/>
+              </a:ext>
+            </a:extLst>
+          </a:blip>
+          <a:srcRect/>
+          <a:stretch>
+            <a:fillRect/>
+          </a:stretch>
+        </p:blipFill>
+        <p:spPr bwMode="auto">
+          <a:xfrm>
+            <a:off x="1917700" y="323850"/>
+            <a:ext cx="8356600" cy="6210300"/>
+          </a:xfrm>
+          <a:prstGeom prst="rect">
+            <a:avLst/>
+          </a:prstGeom>
+          <a:noFill/>
+          <a:extLst>
+            <a:ext uri="{909E8E84-426E-40DD-AFC4-6F175D3DCCD1}">
+              <a14:hiddenFill xmlns:a14="http://schemas.microsoft.com/office/drawing/2010/main">
+                <a:solidFill>
+                  <a:srgbClr val="FFFFFF"/>
+                </a:solidFill>
+              </a14:hiddenFill>
+            </a:ext>
+          </a:extLst>
+        </p:spPr>
+      </p:pic>
+    </p:spTree>
+    <p:extLst>
+      <p:ext uri="{BB962C8B-B14F-4D97-AF65-F5344CB8AC3E}">
+        <p14:creationId xmlns:p14="http://schemas.microsoft.com/office/powerpoint/2010/main" val="1438773404"/>
+      </p:ext>
+    </p:extLst>
+  </p:cSld>
+  <p:clrMapOvr>
+    <a:masterClrMapping/>
+  </p:clrMapOvr>
+</p:sld>
+</file>
+
+<file path=ppt/slides/slide4.xml><?xml version="1.0" encoding="utf-8"?>
+<p:sld xmlns:a="http://schemas.openxmlformats.org/drawingml/2006/main" xmlns:r="http://schemas.openxmlformats.org/officeDocument/2006/relationships" xmlns:p="http://schemas.openxmlformats.org/presentationml/2006/main">
+  <p:cSld>
+    <p:spTree>
+      <p:nvGrpSpPr>
+        <p:cNvPr id="1" name=""/>
+        <p:cNvGrpSpPr/>
+        <p:nvPr/>
+      </p:nvGrpSpPr>
+      <p:grpSpPr>
+        <a:xfrm>
+          <a:off x="0" y="0"/>
+          <a:ext cx="0" cy="0"/>
+          <a:chOff x="0" y="0"/>
+          <a:chExt cx="0" cy="0"/>
+        </a:xfrm>
+      </p:grpSpPr>
+      <p:sp>
+        <p:nvSpPr>
+          <p:cNvPr id="2" name="Title 1">
+            <a:extLst>
+              <a:ext uri="{FF2B5EF4-FFF2-40B4-BE49-F238E27FC236}">
                 <a16:creationId xmlns:a16="http://schemas.microsoft.com/office/drawing/2014/main" id="{2F60C8D4-416E-484B-8E0D-9522CD4C1216}"/>
               </a:ext>
             </a:extLst>
@@ -8816,7 +8961,7 @@
 </p:sld>
 </file>
 
-<file path=ppt/slides/slide7.xml><?xml version="1.0" encoding="utf-8"?>
+<file path=ppt/slides/slide5.xml><?xml version="1.0" encoding="utf-8"?>
 <p:sld xmlns:a="http://schemas.openxmlformats.org/drawingml/2006/main" xmlns:r="http://schemas.openxmlformats.org/officeDocument/2006/relationships" xmlns:p="http://schemas.openxmlformats.org/presentationml/2006/main">
   <p:cSld>
     <p:spTree>
@@ -9008,7 +9153,87 @@
 </p:sld>
 </file>
 
-<file path=ppt/slides/slide8.xml><?xml version="1.0" encoding="utf-8"?>
+<file path=ppt/slides/slide6.xml><?xml version="1.0" encoding="utf-8"?>
+<p:sld xmlns:a="http://schemas.openxmlformats.org/drawingml/2006/main" xmlns:r="http://schemas.openxmlformats.org/officeDocument/2006/relationships" xmlns:p="http://schemas.openxmlformats.org/presentationml/2006/main">
+  <p:cSld>
+    <p:spTree>
+      <p:nvGrpSpPr>
+        <p:cNvPr id="1" name=""/>
+        <p:cNvGrpSpPr/>
+        <p:nvPr/>
+      </p:nvGrpSpPr>
+      <p:grpSpPr>
+        <a:xfrm>
+          <a:off x="0" y="0"/>
+          <a:ext cx="0" cy="0"/>
+          <a:chOff x="0" y="0"/>
+          <a:chExt cx="0" cy="0"/>
+        </a:xfrm>
+      </p:grpSpPr>
+      <p:sp>
+        <p:nvSpPr>
+          <p:cNvPr id="2" name="Title 1">
+            <a:extLst>
+              <a:ext uri="{FF2B5EF4-FFF2-40B4-BE49-F238E27FC236}">
+                <a16:creationId xmlns:a16="http://schemas.microsoft.com/office/drawing/2014/main" id="{E15FAE5D-7AC6-2221-44EF-DF68E08AE156}"/>
+              </a:ext>
+            </a:extLst>
+          </p:cNvPr>
+          <p:cNvSpPr>
+            <a:spLocks noGrp="1"/>
+          </p:cNvSpPr>
+          <p:nvPr>
+            <p:ph type="title"/>
+          </p:nvPr>
+        </p:nvSpPr>
+        <p:spPr/>
+        <p:txBody>
+          <a:bodyPr/>
+          <a:lstStyle/>
+          <a:p>
+            <a:endParaRPr lang="en-US"/>
+          </a:p>
+        </p:txBody>
+      </p:sp>
+      <p:sp>
+        <p:nvSpPr>
+          <p:cNvPr id="3" name="Content Placeholder 2">
+            <a:extLst>
+              <a:ext uri="{FF2B5EF4-FFF2-40B4-BE49-F238E27FC236}">
+                <a16:creationId xmlns:a16="http://schemas.microsoft.com/office/drawing/2014/main" id="{D2C1EFF4-19BE-C34A-14B7-B75A918347A8}"/>
+              </a:ext>
+            </a:extLst>
+          </p:cNvPr>
+          <p:cNvSpPr>
+            <a:spLocks noGrp="1"/>
+          </p:cNvSpPr>
+          <p:nvPr>
+            <p:ph idx="1"/>
+          </p:nvPr>
+        </p:nvSpPr>
+        <p:spPr/>
+        <p:txBody>
+          <a:bodyPr/>
+          <a:lstStyle/>
+          <a:p>
+            <a:endParaRPr lang="en-US"/>
+          </a:p>
+        </p:txBody>
+      </p:sp>
+    </p:spTree>
+    <p:extLst>
+      <p:ext uri="{BB962C8B-B14F-4D97-AF65-F5344CB8AC3E}">
+        <p14:creationId xmlns:p14="http://schemas.microsoft.com/office/powerpoint/2010/main" val="593197876"/>
+      </p:ext>
+    </p:extLst>
+  </p:cSld>
+  <p:clrMapOvr>
+    <a:masterClrMapping/>
+  </p:clrMapOvr>
+</p:sld>
+</file>
+
+<file path=ppt/slides/slide7.xml><?xml version="1.0" encoding="utf-8"?>
 <p:sld xmlns:a="http://schemas.openxmlformats.org/drawingml/2006/main" xmlns:r="http://schemas.openxmlformats.org/officeDocument/2006/relationships" xmlns:p="http://schemas.openxmlformats.org/presentationml/2006/main">
   <p:cSld>
     <p:bg>
@@ -9307,7 +9532,7 @@
 </p:sld>
 </file>
 
-<file path=ppt/slides/slide9.xml><?xml version="1.0" encoding="utf-8"?>
+<file path=ppt/slides/slide8.xml><?xml version="1.0" encoding="utf-8"?>
 <p:sld xmlns:a="http://schemas.openxmlformats.org/drawingml/2006/main" xmlns:r="http://schemas.openxmlformats.org/officeDocument/2006/relationships" xmlns:p="http://schemas.openxmlformats.org/presentationml/2006/main">
   <p:cSld>
     <p:spTree>
@@ -9486,6 +9711,136 @@
     <p:extLst>
       <p:ext uri="{BB962C8B-B14F-4D97-AF65-F5344CB8AC3E}">
         <p14:creationId xmlns:p14="http://schemas.microsoft.com/office/powerpoint/2010/main" val="3733473293"/>
+      </p:ext>
+    </p:extLst>
+  </p:cSld>
+  <p:clrMapOvr>
+    <a:masterClrMapping/>
+  </p:clrMapOvr>
+</p:sld>
+</file>
+
+<file path=ppt/slides/slide9.xml><?xml version="1.0" encoding="utf-8"?>
+<p:sld xmlns:a="http://schemas.openxmlformats.org/drawingml/2006/main" xmlns:r="http://schemas.openxmlformats.org/officeDocument/2006/relationships" xmlns:p="http://schemas.openxmlformats.org/presentationml/2006/main">
+  <p:cSld>
+    <p:spTree>
+      <p:nvGrpSpPr>
+        <p:cNvPr id="1" name=""/>
+        <p:cNvGrpSpPr/>
+        <p:nvPr/>
+      </p:nvGrpSpPr>
+      <p:grpSpPr>
+        <a:xfrm>
+          <a:off x="0" y="0"/>
+          <a:ext cx="0" cy="0"/>
+          <a:chOff x="0" y="0"/>
+          <a:chExt cx="0" cy="0"/>
+        </a:xfrm>
+      </p:grpSpPr>
+      <p:sp>
+        <p:nvSpPr>
+          <p:cNvPr id="2" name="Title 1">
+            <a:extLst>
+              <a:ext uri="{FF2B5EF4-FFF2-40B4-BE49-F238E27FC236}">
+                <a16:creationId xmlns:a16="http://schemas.microsoft.com/office/drawing/2014/main" id="{A9DF2AF1-B6CB-F74F-B8D0-3ABC4C802CB1}"/>
+              </a:ext>
+            </a:extLst>
+          </p:cNvPr>
+          <p:cNvSpPr>
+            <a:spLocks noGrp="1"/>
+          </p:cNvSpPr>
+          <p:nvPr>
+            <p:ph type="title"/>
+          </p:nvPr>
+        </p:nvSpPr>
+        <p:spPr/>
+        <p:txBody>
+          <a:bodyPr/>
+          <a:lstStyle/>
+          <a:p>
+            <a:r>
+              <a:rPr lang="en-US" dirty="0"/>
+              <a:t>Images in Neural Networks</a:t>
+            </a:r>
+          </a:p>
+        </p:txBody>
+      </p:sp>
+      <p:sp>
+        <p:nvSpPr>
+          <p:cNvPr id="3" name="Content Placeholder 2">
+            <a:extLst>
+              <a:ext uri="{FF2B5EF4-FFF2-40B4-BE49-F238E27FC236}">
+                <a16:creationId xmlns:a16="http://schemas.microsoft.com/office/drawing/2014/main" id="{C46F2DBC-406F-2840-82C9-58C0B16CC630}"/>
+              </a:ext>
+            </a:extLst>
+          </p:cNvPr>
+          <p:cNvSpPr>
+            <a:spLocks noGrp="1"/>
+          </p:cNvSpPr>
+          <p:nvPr>
+            <p:ph idx="1"/>
+          </p:nvPr>
+        </p:nvSpPr>
+        <p:spPr>
+          <a:xfrm>
+            <a:off x="1451579" y="2015732"/>
+            <a:ext cx="9603275" cy="4037749"/>
+          </a:xfrm>
+        </p:spPr>
+        <p:txBody>
+          <a:bodyPr/>
+          <a:lstStyle/>
+          <a:p>
+            <a:r>
+              <a:rPr lang="en-US" dirty="0"/>
+              <a:t>Image recognition is one of the big leaders in modern neural networks. </a:t>
+            </a:r>
+          </a:p>
+          <a:p>
+            <a:r>
+              <a:rPr lang="en-US" dirty="0"/>
+              <a:t>Can be far more accurate, especially in big data. </a:t>
+            </a:r>
+          </a:p>
+          <a:p>
+            <a:r>
+              <a:rPr lang="en-US" dirty="0"/>
+              <a:t>Images have spatial relationships not well represented in linear arrays:</a:t>
+            </a:r>
+          </a:p>
+          <a:p>
+            <a:pPr lvl="1"/>
+            <a:r>
+              <a:rPr lang="en-US" dirty="0"/>
+              <a:t>E.g. a bike has two wheels, and a triangle in between. </a:t>
+            </a:r>
+          </a:p>
+          <a:p>
+            <a:pPr lvl="1"/>
+            <a:r>
+              <a:rPr lang="en-US" dirty="0"/>
+              <a:t>It doesn’t matter where in an image this object is, only the location relative each other. </a:t>
+            </a:r>
+          </a:p>
+          <a:p>
+            <a:r>
+              <a:rPr lang="en-US" dirty="0"/>
+              <a:t>Convolutional neural networks are able to examine images in a way that captures spatial relationships. </a:t>
+            </a:r>
+          </a:p>
+          <a:p>
+            <a:pPr lvl="1"/>
+            <a:r>
+              <a:rPr lang="en-US" dirty="0"/>
+              <a:t>The deep networks from last time that do well at image recognition are CNNs. </a:t>
+            </a:r>
+          </a:p>
+        </p:txBody>
+      </p:sp>
+    </p:spTree>
+    <p:extLst>
+      <p:ext uri="{BB962C8B-B14F-4D97-AF65-F5344CB8AC3E}">
+        <p14:creationId xmlns:p14="http://schemas.microsoft.com/office/powerpoint/2010/main" val="4171629867"/>
       </p:ext>
     </p:extLst>
   </p:cSld>

--- a/reference_content/Slides/images_cnn.pptx
+++ b/reference_content/Slides/images_cnn.pptx
@@ -15,30 +15,34 @@
     <p:sldId id="258" r:id="rId9"/>
     <p:sldId id="259" r:id="rId10"/>
     <p:sldId id="260" r:id="rId11"/>
-    <p:sldId id="264" r:id="rId12"/>
-    <p:sldId id="290" r:id="rId13"/>
-    <p:sldId id="261" r:id="rId14"/>
-    <p:sldId id="262" r:id="rId15"/>
-    <p:sldId id="263" r:id="rId16"/>
-    <p:sldId id="266" r:id="rId17"/>
-    <p:sldId id="267" r:id="rId18"/>
-    <p:sldId id="268" r:id="rId19"/>
-    <p:sldId id="269" r:id="rId20"/>
-    <p:sldId id="265" r:id="rId21"/>
-    <p:sldId id="288" r:id="rId22"/>
-    <p:sldId id="291" r:id="rId23"/>
-    <p:sldId id="272" r:id="rId24"/>
-    <p:sldId id="282" r:id="rId25"/>
-    <p:sldId id="284" r:id="rId26"/>
-    <p:sldId id="283" r:id="rId27"/>
-    <p:sldId id="292" r:id="rId28"/>
-    <p:sldId id="274" r:id="rId29"/>
-    <p:sldId id="271" r:id="rId30"/>
-    <p:sldId id="276" r:id="rId31"/>
-    <p:sldId id="273" r:id="rId32"/>
-    <p:sldId id="275" r:id="rId33"/>
-    <p:sldId id="270" r:id="rId34"/>
-    <p:sldId id="287" r:id="rId35"/>
+    <p:sldId id="296" r:id="rId12"/>
+    <p:sldId id="264" r:id="rId13"/>
+    <p:sldId id="290" r:id="rId14"/>
+    <p:sldId id="261" r:id="rId15"/>
+    <p:sldId id="262" r:id="rId16"/>
+    <p:sldId id="263" r:id="rId17"/>
+    <p:sldId id="266" r:id="rId18"/>
+    <p:sldId id="267" r:id="rId19"/>
+    <p:sldId id="268" r:id="rId20"/>
+    <p:sldId id="269" r:id="rId21"/>
+    <p:sldId id="265" r:id="rId22"/>
+    <p:sldId id="293" r:id="rId23"/>
+    <p:sldId id="288" r:id="rId24"/>
+    <p:sldId id="291" r:id="rId25"/>
+    <p:sldId id="272" r:id="rId26"/>
+    <p:sldId id="282" r:id="rId27"/>
+    <p:sldId id="284" r:id="rId28"/>
+    <p:sldId id="283" r:id="rId29"/>
+    <p:sldId id="292" r:id="rId30"/>
+    <p:sldId id="274" r:id="rId31"/>
+    <p:sldId id="271" r:id="rId32"/>
+    <p:sldId id="276" r:id="rId33"/>
+    <p:sldId id="273" r:id="rId34"/>
+    <p:sldId id="275" r:id="rId35"/>
+    <p:sldId id="287" r:id="rId36"/>
+    <p:sldId id="295" r:id="rId37"/>
+    <p:sldId id="270" r:id="rId38"/>
+    <p:sldId id="294" r:id="rId39"/>
   </p:sldIdLst>
   <p:sldSz cx="12192000" cy="6858000"/>
   <p:notesSz cx="6858000" cy="9144000"/>
@@ -4126,7 +4130,7 @@
           <p:cNvPr id="2" name="Title 1">
             <a:extLst>
               <a:ext uri="{FF2B5EF4-FFF2-40B4-BE49-F238E27FC236}">
-                <a16:creationId xmlns:a16="http://schemas.microsoft.com/office/drawing/2014/main" id="{2833260B-126C-1146-9F78-897B0CEF03A9}"/>
+                <a16:creationId xmlns:a16="http://schemas.microsoft.com/office/drawing/2014/main" id="{31D8DAF7-C1F4-C05C-8823-4602E7998B33}"/>
               </a:ext>
             </a:extLst>
           </p:cNvPr>
@@ -4142,10 +4146,7 @@
           <a:bodyPr/>
           <a:lstStyle/>
           <a:p>
-            <a:r>
-              <a:rPr lang="en-US" dirty="0"/>
-              <a:t>BUT First… Basic CNN Parts</a:t>
-            </a:r>
+            <a:endParaRPr lang="en-US"/>
           </a:p>
         </p:txBody>
       </p:sp>
@@ -4154,7 +4155,7 @@
           <p:cNvPr id="3" name="Content Placeholder 2">
             <a:extLst>
               <a:ext uri="{FF2B5EF4-FFF2-40B4-BE49-F238E27FC236}">
-                <a16:creationId xmlns:a16="http://schemas.microsoft.com/office/drawing/2014/main" id="{3A391A93-7A36-3241-93A7-F1953EB2E19F}"/>
+                <a16:creationId xmlns:a16="http://schemas.microsoft.com/office/drawing/2014/main" id="{A66D8420-EFCA-8C33-9978-2A8E79BC6BD4}"/>
               </a:ext>
             </a:extLst>
           </p:cNvPr>
@@ -4165,78 +4166,66 @@
             <p:ph idx="1"/>
           </p:nvPr>
         </p:nvSpPr>
-        <p:spPr>
+        <p:spPr/>
+        <p:txBody>
+          <a:bodyPr/>
+          <a:lstStyle/>
+          <a:p>
+            <a:endParaRPr lang="en-US"/>
+          </a:p>
+        </p:txBody>
+      </p:sp>
+      <p:pic>
+        <p:nvPicPr>
+          <p:cNvPr id="4098" name="Picture 2" descr="Convolutional Neural Networks: 1998-2023 Overview | SuperAnnotate">
+            <a:extLst>
+              <a:ext uri="{FF2B5EF4-FFF2-40B4-BE49-F238E27FC236}">
+                <a16:creationId xmlns:a16="http://schemas.microsoft.com/office/drawing/2014/main" id="{9E6DCF8D-9E40-79D2-A5BE-916E6C7DE732}"/>
+              </a:ext>
+            </a:extLst>
+          </p:cNvPr>
+          <p:cNvPicPr>
+            <a:picLocks noChangeAspect="1" noChangeArrowheads="1"/>
+          </p:cNvPicPr>
+          <p:nvPr/>
+        </p:nvPicPr>
+        <p:blipFill>
+          <a:blip r:embed="rId2">
+            <a:extLst>
+              <a:ext uri="{28A0092B-C50C-407E-A947-70E740481C1C}">
+                <a14:useLocalDpi xmlns:a14="http://schemas.microsoft.com/office/drawing/2010/main" val="0"/>
+              </a:ext>
+            </a:extLst>
+          </a:blip>
+          <a:srcRect/>
+          <a:stretch>
+            <a:fillRect/>
+          </a:stretch>
+        </p:blipFill>
+        <p:spPr bwMode="auto">
           <a:xfrm>
-            <a:off x="1451579" y="2015732"/>
-            <a:ext cx="9603275" cy="4037749"/>
+            <a:off x="602063" y="0"/>
+            <a:ext cx="10987873" cy="6858000"/>
           </a:xfrm>
+          <a:prstGeom prst="rect">
+            <a:avLst/>
+          </a:prstGeom>
+          <a:noFill/>
+          <a:extLst>
+            <a:ext uri="{909E8E84-426E-40DD-AFC4-6F175D3DCCD1}">
+              <a14:hiddenFill xmlns:a14="http://schemas.microsoft.com/office/drawing/2010/main">
+                <a:solidFill>
+                  <a:srgbClr val="FFFFFF"/>
+                </a:solidFill>
+              </a14:hiddenFill>
+            </a:ext>
+          </a:extLst>
         </p:spPr>
-        <p:txBody>
-          <a:bodyPr/>
-          <a:lstStyle/>
-          <a:p>
-            <a:r>
-              <a:rPr lang="en-US" dirty="0"/>
-              <a:t>CNN have different types of layers than the Dense we are used to:</a:t>
-            </a:r>
-          </a:p>
-          <a:p>
-            <a:pPr lvl="1"/>
-            <a:r>
-              <a:rPr lang="en-US" dirty="0"/>
-              <a:t>Convolutional layers – do the convolution step just mentioned. </a:t>
-            </a:r>
-          </a:p>
-          <a:p>
-            <a:pPr lvl="1"/>
-            <a:r>
-              <a:rPr lang="en-US" dirty="0"/>
-              <a:t>Pooling Layers</a:t>
-            </a:r>
-          </a:p>
-          <a:p>
-            <a:pPr lvl="1"/>
-            <a:r>
-              <a:rPr lang="en-US" dirty="0"/>
-              <a:t>“Normal” neural network layers – take the data processed by the convolutional parts and do a “standard” prediction. </a:t>
-            </a:r>
-          </a:p>
-          <a:p>
-            <a:r>
-              <a:rPr lang="en-US" dirty="0"/>
-              <a:t>First, we’ll look at the convolutional layer part. </a:t>
-            </a:r>
-          </a:p>
-          <a:p>
-            <a:r>
-              <a:rPr lang="en-US" dirty="0"/>
-              <a:t>Simple parts:</a:t>
-            </a:r>
-          </a:p>
-          <a:p>
-            <a:pPr lvl="1"/>
-            <a:r>
-              <a:rPr lang="en-US" dirty="0"/>
-              <a:t>The stride is how many pixels the filter slides, we have 1 in the example. </a:t>
-            </a:r>
-          </a:p>
-          <a:p>
-            <a:pPr lvl="1"/>
-            <a:r>
-              <a:rPr lang="en-US" dirty="0"/>
-              <a:t>The filter/kernel size is the dimension of the pixels being looked at. </a:t>
-            </a:r>
-          </a:p>
-          <a:p>
-            <a:pPr lvl="1"/>
-            <a:endParaRPr lang="en-US" dirty="0"/>
-          </a:p>
-        </p:txBody>
-      </p:sp>
+      </p:pic>
     </p:spTree>
     <p:extLst>
       <p:ext uri="{BB962C8B-B14F-4D97-AF65-F5344CB8AC3E}">
-        <p14:creationId xmlns:p14="http://schemas.microsoft.com/office/powerpoint/2010/main" val="1823046554"/>
+        <p14:creationId xmlns:p14="http://schemas.microsoft.com/office/powerpoint/2010/main" val="1626473237"/>
       </p:ext>
     </p:extLst>
   </p:cSld>
@@ -4268,6 +4257,148 @@
           <p:cNvPr id="2" name="Title 1">
             <a:extLst>
               <a:ext uri="{FF2B5EF4-FFF2-40B4-BE49-F238E27FC236}">
+                <a16:creationId xmlns:a16="http://schemas.microsoft.com/office/drawing/2014/main" id="{2833260B-126C-1146-9F78-897B0CEF03A9}"/>
+              </a:ext>
+            </a:extLst>
+          </p:cNvPr>
+          <p:cNvSpPr>
+            <a:spLocks noGrp="1"/>
+          </p:cNvSpPr>
+          <p:nvPr>
+            <p:ph type="title"/>
+          </p:nvPr>
+        </p:nvSpPr>
+        <p:spPr/>
+        <p:txBody>
+          <a:bodyPr/>
+          <a:lstStyle/>
+          <a:p>
+            <a:r>
+              <a:rPr lang="en-US" dirty="0"/>
+              <a:t>BUT First… Basic CNN Parts</a:t>
+            </a:r>
+          </a:p>
+        </p:txBody>
+      </p:sp>
+      <p:sp>
+        <p:nvSpPr>
+          <p:cNvPr id="3" name="Content Placeholder 2">
+            <a:extLst>
+              <a:ext uri="{FF2B5EF4-FFF2-40B4-BE49-F238E27FC236}">
+                <a16:creationId xmlns:a16="http://schemas.microsoft.com/office/drawing/2014/main" id="{3A391A93-7A36-3241-93A7-F1953EB2E19F}"/>
+              </a:ext>
+            </a:extLst>
+          </p:cNvPr>
+          <p:cNvSpPr>
+            <a:spLocks noGrp="1"/>
+          </p:cNvSpPr>
+          <p:nvPr>
+            <p:ph idx="1"/>
+          </p:nvPr>
+        </p:nvSpPr>
+        <p:spPr>
+          <a:xfrm>
+            <a:off x="1451579" y="2015732"/>
+            <a:ext cx="9603275" cy="4037749"/>
+          </a:xfrm>
+        </p:spPr>
+        <p:txBody>
+          <a:bodyPr/>
+          <a:lstStyle/>
+          <a:p>
+            <a:r>
+              <a:rPr lang="en-US" dirty="0"/>
+              <a:t>CNN have different types of layers than the Dense we are used to:</a:t>
+            </a:r>
+          </a:p>
+          <a:p>
+            <a:pPr lvl="1"/>
+            <a:r>
+              <a:rPr lang="en-US" dirty="0"/>
+              <a:t>Convolutional layers – do the convolution step just mentioned. </a:t>
+            </a:r>
+          </a:p>
+          <a:p>
+            <a:pPr lvl="1"/>
+            <a:r>
+              <a:rPr lang="en-US" dirty="0"/>
+              <a:t>Pooling Layers</a:t>
+            </a:r>
+          </a:p>
+          <a:p>
+            <a:pPr lvl="1"/>
+            <a:r>
+              <a:rPr lang="en-US" dirty="0"/>
+              <a:t>“Normal” neural network layers – take the data processed by the convolutional parts and do a “standard” prediction. </a:t>
+            </a:r>
+          </a:p>
+          <a:p>
+            <a:r>
+              <a:rPr lang="en-US" dirty="0"/>
+              <a:t>First, we’ll look at the convolutional layer part. </a:t>
+            </a:r>
+          </a:p>
+          <a:p>
+            <a:r>
+              <a:rPr lang="en-US" dirty="0"/>
+              <a:t>Simple parts:</a:t>
+            </a:r>
+          </a:p>
+          <a:p>
+            <a:pPr lvl="1"/>
+            <a:r>
+              <a:rPr lang="en-US" dirty="0"/>
+              <a:t>The stride is how many pixels the filter slides, we have 1 in the example. </a:t>
+            </a:r>
+          </a:p>
+          <a:p>
+            <a:pPr lvl="1"/>
+            <a:r>
+              <a:rPr lang="en-US" dirty="0"/>
+              <a:t>The filter/kernel size is the dimension of the pixels being looked at. </a:t>
+            </a:r>
+          </a:p>
+          <a:p>
+            <a:pPr lvl="1"/>
+            <a:endParaRPr lang="en-US" dirty="0"/>
+          </a:p>
+        </p:txBody>
+      </p:sp>
+    </p:spTree>
+    <p:extLst>
+      <p:ext uri="{BB962C8B-B14F-4D97-AF65-F5344CB8AC3E}">
+        <p14:creationId xmlns:p14="http://schemas.microsoft.com/office/powerpoint/2010/main" val="1823046554"/>
+      </p:ext>
+    </p:extLst>
+  </p:cSld>
+  <p:clrMapOvr>
+    <a:masterClrMapping/>
+  </p:clrMapOvr>
+</p:sld>
+</file>
+
+<file path=ppt/slides/slide13.xml><?xml version="1.0" encoding="utf-8"?>
+<p:sld xmlns:a="http://schemas.openxmlformats.org/drawingml/2006/main" xmlns:r="http://schemas.openxmlformats.org/officeDocument/2006/relationships" xmlns:p="http://schemas.openxmlformats.org/presentationml/2006/main">
+  <p:cSld>
+    <p:spTree>
+      <p:nvGrpSpPr>
+        <p:cNvPr id="1" name=""/>
+        <p:cNvGrpSpPr/>
+        <p:nvPr/>
+      </p:nvGrpSpPr>
+      <p:grpSpPr>
+        <a:xfrm>
+          <a:off x="0" y="0"/>
+          <a:ext cx="0" cy="0"/>
+          <a:chOff x="0" y="0"/>
+          <a:chExt cx="0" cy="0"/>
+        </a:xfrm>
+      </p:grpSpPr>
+      <p:sp>
+        <p:nvSpPr>
+          <p:cNvPr id="2" name="Title 1">
+            <a:extLst>
+              <a:ext uri="{FF2B5EF4-FFF2-40B4-BE49-F238E27FC236}">
                 <a16:creationId xmlns:a16="http://schemas.microsoft.com/office/drawing/2014/main" id="{75CE81AE-FDC4-59C1-349A-5A6E1A0A6A99}"/>
               </a:ext>
             </a:extLst>
@@ -4376,7 +4507,7 @@
 </p:sld>
 </file>
 
-<file path=ppt/slides/slide13.xml><?xml version="1.0" encoding="utf-8"?>
+<file path=ppt/slides/slide14.xml><?xml version="1.0" encoding="utf-8"?>
 <p:sld xmlns:a="http://schemas.openxmlformats.org/drawingml/2006/main" xmlns:r="http://schemas.openxmlformats.org/officeDocument/2006/relationships" xmlns:p="http://schemas.openxmlformats.org/presentationml/2006/main">
   <p:cSld>
     <p:spTree>
@@ -4503,7 +4634,7 @@
 </p:sld>
 </file>
 
-<file path=ppt/slides/slide14.xml><?xml version="1.0" encoding="utf-8"?>
+<file path=ppt/slides/slide15.xml><?xml version="1.0" encoding="utf-8"?>
 <p:sld xmlns:a="http://schemas.openxmlformats.org/drawingml/2006/main" xmlns:r="http://schemas.openxmlformats.org/officeDocument/2006/relationships" xmlns:p="http://schemas.openxmlformats.org/presentationml/2006/main">
   <p:cSld>
     <p:spTree>
@@ -4630,7 +4761,7 @@
 </p:sld>
 </file>
 
-<file path=ppt/slides/slide15.xml><?xml version="1.0" encoding="utf-8"?>
+<file path=ppt/slides/slide16.xml><?xml version="1.0" encoding="utf-8"?>
 <p:sld xmlns:a="http://schemas.openxmlformats.org/drawingml/2006/main" xmlns:r="http://schemas.openxmlformats.org/officeDocument/2006/relationships" xmlns:p="http://schemas.openxmlformats.org/presentationml/2006/main">
   <p:cSld>
     <p:spTree>
@@ -4693,8 +4824,8 @@
         </p:nvSpPr>
         <p:spPr>
           <a:xfrm>
-            <a:off x="357239" y="2015732"/>
-            <a:ext cx="10697615" cy="4037749"/>
+            <a:off x="357239" y="1853754"/>
+            <a:ext cx="10697615" cy="4199727"/>
           </a:xfrm>
         </p:spPr>
         <p:txBody>
@@ -4752,7 +4883,7 @@
             <a:pPr lvl="1"/>
             <a:r>
               <a:rPr lang="en-US" dirty="0"/>
-              <a:t>When transformed, that data get’s “weighted”.</a:t>
+              <a:t>When transformed, that data get’s “weighted”. The weights are learned.</a:t>
             </a:r>
           </a:p>
           <a:p>
@@ -4871,7 +5002,7 @@
 </p:sld>
 </file>
 
-<file path=ppt/slides/slide16.xml><?xml version="1.0" encoding="utf-8"?>
+<file path=ppt/slides/slide17.xml><?xml version="1.0" encoding="utf-8"?>
 <p:sld xmlns:a="http://schemas.openxmlformats.org/drawingml/2006/main" xmlns:r="http://schemas.openxmlformats.org/officeDocument/2006/relationships" xmlns:p="http://schemas.openxmlformats.org/presentationml/2006/main">
   <p:cSld>
     <p:bg>
@@ -5101,7 +5232,7 @@
 </p:sld>
 </file>
 
-<file path=ppt/slides/slide17.xml><?xml version="1.0" encoding="utf-8"?>
+<file path=ppt/slides/slide18.xml><?xml version="1.0" encoding="utf-8"?>
 <p:sld xmlns:a="http://schemas.openxmlformats.org/drawingml/2006/main" xmlns:r="http://schemas.openxmlformats.org/officeDocument/2006/relationships" xmlns:p="http://schemas.openxmlformats.org/presentationml/2006/main">
   <p:cSld>
     <p:spTree>
@@ -5307,7 +5438,7 @@
 </p:sld>
 </file>
 
-<file path=ppt/slides/slide18.xml><?xml version="1.0" encoding="utf-8"?>
+<file path=ppt/slides/slide19.xml><?xml version="1.0" encoding="utf-8"?>
 <p:sld xmlns:a="http://schemas.openxmlformats.org/drawingml/2006/main" xmlns:r="http://schemas.openxmlformats.org/officeDocument/2006/relationships" xmlns:p="http://schemas.openxmlformats.org/presentationml/2006/main">
   <p:cSld>
     <p:bg>
@@ -5518,7 +5649,159 @@
 </p:sld>
 </file>
 
-<file path=ppt/slides/slide19.xml><?xml version="1.0" encoding="utf-8"?>
+<file path=ppt/slides/slide2.xml><?xml version="1.0" encoding="utf-8"?>
+<p:sld xmlns:a="http://schemas.openxmlformats.org/drawingml/2006/main" xmlns:r="http://schemas.openxmlformats.org/officeDocument/2006/relationships" xmlns:p="http://schemas.openxmlformats.org/presentationml/2006/main">
+  <p:cSld>
+    <p:spTree>
+      <p:nvGrpSpPr>
+        <p:cNvPr id="1" name=""/>
+        <p:cNvGrpSpPr/>
+        <p:nvPr/>
+      </p:nvGrpSpPr>
+      <p:grpSpPr>
+        <a:xfrm>
+          <a:off x="0" y="0"/>
+          <a:ext cx="0" cy="0"/>
+          <a:chOff x="0" y="0"/>
+          <a:chExt cx="0" cy="0"/>
+        </a:xfrm>
+      </p:grpSpPr>
+      <p:sp>
+        <p:nvSpPr>
+          <p:cNvPr id="2" name="Title 1">
+            <a:extLst>
+              <a:ext uri="{FF2B5EF4-FFF2-40B4-BE49-F238E27FC236}">
+                <a16:creationId xmlns:a16="http://schemas.microsoft.com/office/drawing/2014/main" id="{BF512CCA-4F11-3249-AED9-0D0D7D9D77E9}"/>
+              </a:ext>
+            </a:extLst>
+          </p:cNvPr>
+          <p:cNvSpPr>
+            <a:spLocks noGrp="1"/>
+          </p:cNvSpPr>
+          <p:nvPr>
+            <p:ph type="title"/>
+          </p:nvPr>
+        </p:nvSpPr>
+        <p:spPr/>
+        <p:txBody>
+          <a:bodyPr/>
+          <a:lstStyle/>
+          <a:p>
+            <a:r>
+              <a:rPr lang="en-US" dirty="0"/>
+              <a:t>Detour 1 – Sequential vs Functional</a:t>
+            </a:r>
+          </a:p>
+        </p:txBody>
+      </p:sp>
+      <p:sp>
+        <p:nvSpPr>
+          <p:cNvPr id="3" name="Content Placeholder 2">
+            <a:extLst>
+              <a:ext uri="{FF2B5EF4-FFF2-40B4-BE49-F238E27FC236}">
+                <a16:creationId xmlns:a16="http://schemas.microsoft.com/office/drawing/2014/main" id="{852D2B1B-77A8-6C42-83C7-6FEEC4193082}"/>
+              </a:ext>
+            </a:extLst>
+          </p:cNvPr>
+          <p:cNvSpPr>
+            <a:spLocks noGrp="1"/>
+          </p:cNvSpPr>
+          <p:nvPr>
+            <p:ph idx="1"/>
+          </p:nvPr>
+        </p:nvSpPr>
+        <p:spPr>
+          <a:xfrm>
+            <a:off x="1451579" y="1853754"/>
+            <a:ext cx="9603275" cy="4299620"/>
+          </a:xfrm>
+        </p:spPr>
+        <p:txBody>
+          <a:bodyPr>
+            <a:normAutofit lnSpcReduction="10000"/>
+          </a:bodyPr>
+          <a:lstStyle/>
+          <a:p>
+            <a:r>
+              <a:rPr lang="en-US" dirty="0"/>
+              <a:t>Sequential models work sequentially – one layer after the other. </a:t>
+            </a:r>
+          </a:p>
+          <a:p>
+            <a:pPr lvl="1"/>
+            <a:r>
+              <a:rPr lang="en-US" dirty="0"/>
+              <a:t>Start with an input layer. End with an output</a:t>
+            </a:r>
+          </a:p>
+          <a:p>
+            <a:r>
+              <a:rPr lang="en-US" dirty="0"/>
+              <a:t>Functional neural network types allow for that rule to be broken:</a:t>
+            </a:r>
+          </a:p>
+          <a:p>
+            <a:pPr lvl="1"/>
+            <a:r>
+              <a:rPr lang="en-US" dirty="0"/>
+              <a:t>Slicing and concatenating parts of a model. </a:t>
+            </a:r>
+          </a:p>
+          <a:p>
+            <a:pPr lvl="1"/>
+            <a:r>
+              <a:rPr lang="en-US" dirty="0"/>
+              <a:t>Multiple inputs and/or multiple outputs. </a:t>
+            </a:r>
+          </a:p>
+          <a:p>
+            <a:r>
+              <a:rPr lang="en-US" dirty="0"/>
+              <a:t>Image processing – examine different portions of an image differently. </a:t>
+            </a:r>
+          </a:p>
+          <a:p>
+            <a:r>
+              <a:rPr lang="en-US" dirty="0"/>
+              <a:t>Generally allows for task specific adaptation of the model to the data. </a:t>
+            </a:r>
+          </a:p>
+          <a:p>
+            <a:r>
+              <a:rPr lang="en-US" dirty="0"/>
+              <a:t>Imagine stock price predictions:</a:t>
+            </a:r>
+          </a:p>
+          <a:p>
+            <a:pPr lvl="1"/>
+            <a:r>
+              <a:rPr lang="en-US" dirty="0"/>
+              <a:t>Multiple inputs for book info, market analysis, and time-series of tech. info. </a:t>
+            </a:r>
+          </a:p>
+          <a:p>
+            <a:pPr lvl="1"/>
+            <a:r>
+              <a:rPr lang="en-US" dirty="0"/>
+              <a:t>Output of price projection and buy/sell/hold recommendation. </a:t>
+            </a:r>
+          </a:p>
+        </p:txBody>
+      </p:sp>
+    </p:spTree>
+    <p:extLst>
+      <p:ext uri="{BB962C8B-B14F-4D97-AF65-F5344CB8AC3E}">
+        <p14:creationId xmlns:p14="http://schemas.microsoft.com/office/powerpoint/2010/main" val="3592937072"/>
+      </p:ext>
+    </p:extLst>
+  </p:cSld>
+  <p:clrMapOvr>
+    <a:masterClrMapping/>
+  </p:clrMapOvr>
+</p:sld>
+</file>
+
+<file path=ppt/slides/slide20.xml><?xml version="1.0" encoding="utf-8"?>
 <p:sld xmlns:a="http://schemas.openxmlformats.org/drawingml/2006/main" xmlns:r="http://schemas.openxmlformats.org/officeDocument/2006/relationships" xmlns:p="http://schemas.openxmlformats.org/presentationml/2006/main">
   <p:cSld>
     <p:bg>
@@ -5763,7 +6046,7 @@
 </p:sld>
 </file>
 
-<file path=ppt/slides/slide2.xml><?xml version="1.0" encoding="utf-8"?>
+<file path=ppt/slides/slide21.xml><?xml version="1.0" encoding="utf-8"?>
 <p:sld xmlns:a="http://schemas.openxmlformats.org/drawingml/2006/main" xmlns:r="http://schemas.openxmlformats.org/officeDocument/2006/relationships" xmlns:p="http://schemas.openxmlformats.org/presentationml/2006/main">
   <p:cSld>
     <p:spTree>
@@ -5785,7 +6068,7 @@
           <p:cNvPr id="2" name="Title 1">
             <a:extLst>
               <a:ext uri="{FF2B5EF4-FFF2-40B4-BE49-F238E27FC236}">
-                <a16:creationId xmlns:a16="http://schemas.microsoft.com/office/drawing/2014/main" id="{BF512CCA-4F11-3249-AED9-0D0D7D9D77E9}"/>
+                <a16:creationId xmlns:a16="http://schemas.microsoft.com/office/drawing/2014/main" id="{DDBCE7D5-9876-9147-8D13-7B001AFF59DC}"/>
               </a:ext>
             </a:extLst>
           </p:cNvPr>
@@ -5803,7 +6086,7 @@
           <a:p>
             <a:r>
               <a:rPr lang="en-US" dirty="0"/>
-              <a:t>Detour 1 – Sequential vs Functional</a:t>
+              <a:t>Filters in Practice</a:t>
             </a:r>
           </a:p>
         </p:txBody>
@@ -5813,7 +6096,7 @@
           <p:cNvPr id="3" name="Content Placeholder 2">
             <a:extLst>
               <a:ext uri="{FF2B5EF4-FFF2-40B4-BE49-F238E27FC236}">
-                <a16:creationId xmlns:a16="http://schemas.microsoft.com/office/drawing/2014/main" id="{852D2B1B-77A8-6C42-83C7-6FEEC4193082}"/>
+                <a16:creationId xmlns:a16="http://schemas.microsoft.com/office/drawing/2014/main" id="{A73155D5-89A7-EC4B-B589-D9A74A29464D}"/>
               </a:ext>
             </a:extLst>
           </p:cNvPr>
@@ -5826,78 +6109,58 @@
         </p:nvSpPr>
         <p:spPr>
           <a:xfrm>
-            <a:off x="1451579" y="1853754"/>
-            <a:ext cx="9603275" cy="4299620"/>
+            <a:off x="1451579" y="2015732"/>
+            <a:ext cx="9603275" cy="3944004"/>
           </a:xfrm>
         </p:spPr>
         <p:txBody>
-          <a:bodyPr>
-            <a:normAutofit lnSpcReduction="10000"/>
-          </a:bodyPr>
-          <a:lstStyle/>
-          <a:p>
-            <a:r>
-              <a:rPr lang="en-US" dirty="0"/>
-              <a:t>Sequential models work sequentially – one layer after the other. </a:t>
+          <a:bodyPr/>
+          <a:lstStyle/>
+          <a:p>
+            <a:r>
+              <a:rPr lang="en-US" dirty="0"/>
+              <a:t>Like other layers in a NN, the filters in a convolutional layer learn during fitting. </a:t>
+            </a:r>
+          </a:p>
+          <a:p>
+            <a:r>
+              <a:rPr lang="en-US" dirty="0"/>
+              <a:t>Each filter learns to identify some aspect of the image. </a:t>
             </a:r>
           </a:p>
           <a:p>
             <a:pPr lvl="1"/>
             <a:r>
               <a:rPr lang="en-US" dirty="0"/>
-              <a:t>Start with an input layer. End with an output</a:t>
-            </a:r>
-          </a:p>
-          <a:p>
-            <a:r>
-              <a:rPr lang="en-US" dirty="0"/>
-              <a:t>Functional neural network types allow for that rule to be broken:</a:t>
+              <a:t>E.g. a model trained to differentiate cars from trucks might identify the horizontal rectangle shape of a truck bed. Another filter might recognize the slope of a car rear window. </a:t>
+            </a:r>
+          </a:p>
+          <a:p>
+            <a:r>
+              <a:rPr lang="en-US" dirty="0"/>
+              <a:t>The convolutional filters have a couple of key benefits for image processing. </a:t>
             </a:r>
           </a:p>
           <a:p>
             <a:pPr lvl="1"/>
             <a:r>
               <a:rPr lang="en-US" dirty="0"/>
-              <a:t>Slicing and concatenating parts of a model. </a:t>
+              <a:t>Translation invariant – patterns (edges, curves, </a:t>
+            </a:r>
+            <a:r>
+              <a:rPr lang="en-US" dirty="0" err="1"/>
+              <a:t>etc</a:t>
+            </a:r>
+            <a:r>
+              <a:rPr lang="en-US" dirty="0"/>
+              <a:t>…) can be found anywhere, once identified.</a:t>
             </a:r>
           </a:p>
           <a:p>
             <a:pPr lvl="1"/>
             <a:r>
               <a:rPr lang="en-US" dirty="0"/>
-              <a:t>Multiple inputs and/or multiple outputs. </a:t>
-            </a:r>
-          </a:p>
-          <a:p>
-            <a:r>
-              <a:rPr lang="en-US" dirty="0"/>
-              <a:t>Image processing – examine different portions of an image differently. </a:t>
-            </a:r>
-          </a:p>
-          <a:p>
-            <a:r>
-              <a:rPr lang="en-US" dirty="0"/>
-              <a:t>Generally allows for task specific adaptation of the model to the data. </a:t>
-            </a:r>
-          </a:p>
-          <a:p>
-            <a:r>
-              <a:rPr lang="en-US" dirty="0"/>
-              <a:t>Imagine stock price predictions:</a:t>
-            </a:r>
-          </a:p>
-          <a:p>
-            <a:pPr lvl="1"/>
-            <a:r>
-              <a:rPr lang="en-US" dirty="0"/>
-              <a:t>Multiple inputs for book info, market analysis, and time-series of tech. info. </a:t>
-            </a:r>
-          </a:p>
-          <a:p>
-            <a:pPr lvl="1"/>
-            <a:r>
-              <a:rPr lang="en-US" dirty="0"/>
-              <a:t>Output of price projection and buy/sell/hold recommendation. </a:t>
+              <a:t>Hierarchical – the layered representations allow real world things in images to be composed of smaller items. A face is made up of eyes, nose, and mouth, all smeared on an oval. </a:t>
             </a:r>
           </a:p>
         </p:txBody>
@@ -5905,7 +6168,7 @@
     </p:spTree>
     <p:extLst>
       <p:ext uri="{BB962C8B-B14F-4D97-AF65-F5344CB8AC3E}">
-        <p14:creationId xmlns:p14="http://schemas.microsoft.com/office/powerpoint/2010/main" val="3592937072"/>
+        <p14:creationId xmlns:p14="http://schemas.microsoft.com/office/powerpoint/2010/main" val="2221904628"/>
       </p:ext>
     </p:extLst>
   </p:cSld>
@@ -5915,8 +6178,8 @@
 </p:sld>
 </file>
 
-<file path=ppt/slides/slide20.xml><?xml version="1.0" encoding="utf-8"?>
-<p:sld xmlns:a="http://schemas.openxmlformats.org/drawingml/2006/main" xmlns:r="http://schemas.openxmlformats.org/officeDocument/2006/relationships" xmlns:p="http://schemas.openxmlformats.org/presentationml/2006/main">
+<file path=ppt/slides/slide22.xml><?xml version="1.0" encoding="utf-8"?>
+<p:sld xmlns:a="http://schemas.openxmlformats.org/drawingml/2006/main" xmlns:r="http://schemas.openxmlformats.org/officeDocument/2006/relationships" xmlns:p="http://schemas.openxmlformats.org/presentationml/2006/main" show="0">
   <p:cSld>
     <p:spTree>
       <p:nvGrpSpPr>
@@ -5937,7 +6200,7 @@
           <p:cNvPr id="2" name="Title 1">
             <a:extLst>
               <a:ext uri="{FF2B5EF4-FFF2-40B4-BE49-F238E27FC236}">
-                <a16:creationId xmlns:a16="http://schemas.microsoft.com/office/drawing/2014/main" id="{DDBCE7D5-9876-9147-8D13-7B001AFF59DC}"/>
+                <a16:creationId xmlns:a16="http://schemas.microsoft.com/office/drawing/2014/main" id="{4035FCF2-2BDE-9D2B-1EE5-231DB60EE36E}"/>
               </a:ext>
             </a:extLst>
           </p:cNvPr>
@@ -5953,10 +6216,7 @@
           <a:bodyPr/>
           <a:lstStyle/>
           <a:p>
-            <a:r>
-              <a:rPr lang="en-US" dirty="0"/>
-              <a:t>Filters in Practice</a:t>
-            </a:r>
+            <a:endParaRPr lang="en-US"/>
           </a:p>
         </p:txBody>
       </p:sp>
@@ -5965,7 +6225,7 @@
           <p:cNvPr id="3" name="Content Placeholder 2">
             <a:extLst>
               <a:ext uri="{FF2B5EF4-FFF2-40B4-BE49-F238E27FC236}">
-                <a16:creationId xmlns:a16="http://schemas.microsoft.com/office/drawing/2014/main" id="{A73155D5-89A7-EC4B-B589-D9A74A29464D}"/>
+                <a16:creationId xmlns:a16="http://schemas.microsoft.com/office/drawing/2014/main" id="{61F1298E-6459-3769-B69E-22D0EF25F7F7}"/>
               </a:ext>
             </a:extLst>
           </p:cNvPr>
@@ -5981,33 +6241,14 @@
           <a:bodyPr/>
           <a:lstStyle/>
           <a:p>
-            <a:r>
-              <a:rPr lang="en-US" dirty="0"/>
-              <a:t>Like other layers in a NN, the filters in a convolutional layer learn during fitting. </a:t>
-            </a:r>
-          </a:p>
-          <a:p>
-            <a:r>
-              <a:rPr lang="en-US" dirty="0"/>
-              <a:t>Each filter learns to identify some aspect of the image. </a:t>
-            </a:r>
-          </a:p>
-          <a:p>
-            <a:pPr lvl="1"/>
-            <a:r>
-              <a:rPr lang="en-US" dirty="0"/>
-              <a:t>E.g. a model trained to differentiate cars from trucks might identify the horizontal rectangle shape of a truck bed. Another filter might recognize the slope of a car rear window. </a:t>
-            </a:r>
-          </a:p>
-          <a:p>
-            <a:endParaRPr lang="en-US" dirty="0"/>
+            <a:endParaRPr lang="en-US"/>
           </a:p>
         </p:txBody>
       </p:sp>
     </p:spTree>
     <p:extLst>
       <p:ext uri="{BB962C8B-B14F-4D97-AF65-F5344CB8AC3E}">
-        <p14:creationId xmlns:p14="http://schemas.microsoft.com/office/powerpoint/2010/main" val="2221904628"/>
+        <p14:creationId xmlns:p14="http://schemas.microsoft.com/office/powerpoint/2010/main" val="3050749303"/>
       </p:ext>
     </p:extLst>
   </p:cSld>
@@ -6017,7 +6258,7 @@
 </p:sld>
 </file>
 
-<file path=ppt/slides/slide21.xml><?xml version="1.0" encoding="utf-8"?>
+<file path=ppt/slides/slide23.xml><?xml version="1.0" encoding="utf-8"?>
 <p:sld xmlns:a="http://schemas.openxmlformats.org/drawingml/2006/main" xmlns:r="http://schemas.openxmlformats.org/officeDocument/2006/relationships" xmlns:p="http://schemas.openxmlformats.org/presentationml/2006/main">
   <p:cSld>
     <p:spTree>
@@ -6144,7 +6385,7 @@
 </p:sld>
 </file>
 
-<file path=ppt/slides/slide22.xml><?xml version="1.0" encoding="utf-8"?>
+<file path=ppt/slides/slide24.xml><?xml version="1.0" encoding="utf-8"?>
 <p:sld xmlns:a="http://schemas.openxmlformats.org/drawingml/2006/main" xmlns:r="http://schemas.openxmlformats.org/officeDocument/2006/relationships" xmlns:p="http://schemas.openxmlformats.org/presentationml/2006/main">
   <p:cSld>
     <p:bg>
@@ -6395,7 +6636,7 @@
 </p:sld>
 </file>
 
-<file path=ppt/slides/slide23.xml><?xml version="1.0" encoding="utf-8"?>
+<file path=ppt/slides/slide25.xml><?xml version="1.0" encoding="utf-8"?>
 <p:sld xmlns:a="http://schemas.openxmlformats.org/drawingml/2006/main" xmlns:r="http://schemas.openxmlformats.org/officeDocument/2006/relationships" xmlns:p="http://schemas.openxmlformats.org/presentationml/2006/main">
   <p:cSld>
     <p:spTree>
@@ -6542,7 +6783,7 @@
 </p:sld>
 </file>
 
-<file path=ppt/slides/slide24.xml><?xml version="1.0" encoding="utf-8"?>
+<file path=ppt/slides/slide26.xml><?xml version="1.0" encoding="utf-8"?>
 <p:sld xmlns:a="http://schemas.openxmlformats.org/drawingml/2006/main" xmlns:r="http://schemas.openxmlformats.org/officeDocument/2006/relationships" xmlns:p="http://schemas.openxmlformats.org/presentationml/2006/main">
   <p:cSld>
     <p:spTree>
@@ -6695,7 +6936,7 @@
 </p:sld>
 </file>
 
-<file path=ppt/slides/slide25.xml><?xml version="1.0" encoding="utf-8"?>
+<file path=ppt/slides/slide27.xml><?xml version="1.0" encoding="utf-8"?>
 <p:sld xmlns:a="http://schemas.openxmlformats.org/drawingml/2006/main" xmlns:r="http://schemas.openxmlformats.org/officeDocument/2006/relationships" xmlns:p="http://schemas.openxmlformats.org/presentationml/2006/main">
   <p:cSld>
     <p:spTree>
@@ -6900,7 +7141,7 @@
 </p:sld>
 </file>
 
-<file path=ppt/slides/slide26.xml><?xml version="1.0" encoding="utf-8"?>
+<file path=ppt/slides/slide28.xml><?xml version="1.0" encoding="utf-8"?>
 <p:sld xmlns:a="http://schemas.openxmlformats.org/drawingml/2006/main" xmlns:r="http://schemas.openxmlformats.org/officeDocument/2006/relationships" xmlns:p="http://schemas.openxmlformats.org/presentationml/2006/main">
   <p:cSld>
     <p:bg>
@@ -7125,7 +7366,7 @@
 </p:sld>
 </file>
 
-<file path=ppt/slides/slide27.xml><?xml version="1.0" encoding="utf-8"?>
+<file path=ppt/slides/slide29.xml><?xml version="1.0" encoding="utf-8"?>
 <p:sld xmlns:a="http://schemas.openxmlformats.org/drawingml/2006/main" xmlns:r="http://schemas.openxmlformats.org/officeDocument/2006/relationships" xmlns:p="http://schemas.openxmlformats.org/presentationml/2006/main">
   <p:cSld>
     <p:spTree>
@@ -7228,13 +7469,8 @@
             <a:pPr lvl="1"/>
             <a:r>
               <a:rPr lang="en-US" dirty="0"/>
-              <a:t>Each set of filters will tend to learn different ‘objects’ in the image, </a:t>
-            </a:r>
-            <a:r>
-              <a:rPr lang="en-US"/>
-              <a:t>and feed it to the DNN. </a:t>
-            </a:r>
-            <a:endParaRPr lang="en-US" dirty="0"/>
+              <a:t>Each set of filters will tend to learn different ‘objects’ in the image, and feed it to the DNN. </a:t>
+            </a:r>
           </a:p>
           <a:p>
             <a:r>
@@ -7321,363 +7557,6 @@
     <p:extLst>
       <p:ext uri="{BB962C8B-B14F-4D97-AF65-F5344CB8AC3E}">
         <p14:creationId xmlns:p14="http://schemas.microsoft.com/office/powerpoint/2010/main" val="883597937"/>
-      </p:ext>
-    </p:extLst>
-  </p:cSld>
-  <p:clrMapOvr>
-    <a:masterClrMapping/>
-  </p:clrMapOvr>
-</p:sld>
-</file>
-
-<file path=ppt/slides/slide28.xml><?xml version="1.0" encoding="utf-8"?>
-<p:sld xmlns:a="http://schemas.openxmlformats.org/drawingml/2006/main" xmlns:r="http://schemas.openxmlformats.org/officeDocument/2006/relationships" xmlns:p="http://schemas.openxmlformats.org/presentationml/2006/main">
-  <p:cSld>
-    <p:spTree>
-      <p:nvGrpSpPr>
-        <p:cNvPr id="1" name=""/>
-        <p:cNvGrpSpPr/>
-        <p:nvPr/>
-      </p:nvGrpSpPr>
-      <p:grpSpPr>
-        <a:xfrm>
-          <a:off x="0" y="0"/>
-          <a:ext cx="0" cy="0"/>
-          <a:chOff x="0" y="0"/>
-          <a:chExt cx="0" cy="0"/>
-        </a:xfrm>
-      </p:grpSpPr>
-      <p:sp>
-        <p:nvSpPr>
-          <p:cNvPr id="2" name="Title 1">
-            <a:extLst>
-              <a:ext uri="{FF2B5EF4-FFF2-40B4-BE49-F238E27FC236}">
-                <a16:creationId xmlns:a16="http://schemas.microsoft.com/office/drawing/2014/main" id="{FBA22446-0940-1C4C-A480-6DE6DD8AA8D8}"/>
-              </a:ext>
-            </a:extLst>
-          </p:cNvPr>
-          <p:cNvSpPr>
-            <a:spLocks noGrp="1"/>
-          </p:cNvSpPr>
-          <p:nvPr>
-            <p:ph type="title"/>
-          </p:nvPr>
-        </p:nvSpPr>
-        <p:spPr/>
-        <p:txBody>
-          <a:bodyPr/>
-          <a:lstStyle/>
-          <a:p>
-            <a:r>
-              <a:rPr lang="en-US" dirty="0"/>
-              <a:t>CNN Back end</a:t>
-            </a:r>
-          </a:p>
-        </p:txBody>
-      </p:sp>
-      <p:sp>
-        <p:nvSpPr>
-          <p:cNvPr id="3" name="Content Placeholder 2">
-            <a:extLst>
-              <a:ext uri="{FF2B5EF4-FFF2-40B4-BE49-F238E27FC236}">
-                <a16:creationId xmlns:a16="http://schemas.microsoft.com/office/drawing/2014/main" id="{CE71FEB7-076F-EC41-9C59-8B5255F9E235}"/>
-              </a:ext>
-            </a:extLst>
-          </p:cNvPr>
-          <p:cNvSpPr>
-            <a:spLocks noGrp="1"/>
-          </p:cNvSpPr>
-          <p:nvPr>
-            <p:ph idx="1"/>
-          </p:nvPr>
-        </p:nvSpPr>
-        <p:spPr>
-          <a:xfrm>
-            <a:off x="1451579" y="1853754"/>
-            <a:ext cx="9603275" cy="4199727"/>
-          </a:xfrm>
-        </p:spPr>
-        <p:txBody>
-          <a:bodyPr>
-            <a:normAutofit lnSpcReduction="10000"/>
-          </a:bodyPr>
-          <a:lstStyle/>
-          <a:p>
-            <a:r>
-              <a:rPr lang="en-US" dirty="0"/>
-              <a:t>After the convolutional parts of a CNN have extracted features, it is time to predict. </a:t>
-            </a:r>
-          </a:p>
-          <a:p>
-            <a:r>
-              <a:rPr lang="en-US" dirty="0"/>
-              <a:t>We flatten the data down and use a normal dense network at the end. </a:t>
-            </a:r>
-          </a:p>
-          <a:p>
-            <a:r>
-              <a:rPr lang="en-US" dirty="0"/>
-              <a:t>Overall structure:</a:t>
-            </a:r>
-          </a:p>
-          <a:p>
-            <a:pPr marL="800100" lvl="1" indent="-342900">
-              <a:buFont typeface="+mj-lt"/>
-              <a:buAutoNum type="arabicPeriod"/>
-            </a:pPr>
-            <a:r>
-              <a:rPr lang="en-US" dirty="0"/>
-              <a:t>CONVOLUTIONAL STUFF</a:t>
-            </a:r>
-          </a:p>
-          <a:p>
-            <a:pPr marL="1257300" lvl="2" indent="-342900">
-              <a:buFont typeface="+mj-lt"/>
-              <a:buAutoNum type="arabicPeriod"/>
-            </a:pPr>
-            <a:r>
-              <a:rPr lang="en-US" dirty="0"/>
-              <a:t>Convolutional layer</a:t>
-            </a:r>
-          </a:p>
-          <a:p>
-            <a:pPr marL="1257300" lvl="2" indent="-342900">
-              <a:buFont typeface="+mj-lt"/>
-              <a:buAutoNum type="arabicPeriod"/>
-            </a:pPr>
-            <a:r>
-              <a:rPr lang="en-US" dirty="0"/>
-              <a:t>Pooling layer</a:t>
-            </a:r>
-          </a:p>
-          <a:p>
-            <a:pPr marL="1257300" lvl="2" indent="-342900">
-              <a:buFont typeface="+mj-lt"/>
-              <a:buAutoNum type="arabicPeriod"/>
-            </a:pPr>
-            <a:r>
-              <a:rPr lang="en-US" dirty="0"/>
-              <a:t>Repeat</a:t>
-            </a:r>
-          </a:p>
-          <a:p>
-            <a:pPr marL="800100" lvl="1" indent="-342900">
-              <a:buFont typeface="+mj-lt"/>
-              <a:buAutoNum type="arabicPeriod"/>
-            </a:pPr>
-            <a:r>
-              <a:rPr lang="en-US" dirty="0"/>
-              <a:t>DENSE NETWORK</a:t>
-            </a:r>
-          </a:p>
-          <a:p>
-            <a:pPr marL="1257300" lvl="2" indent="-342900">
-              <a:buFont typeface="+mj-lt"/>
-              <a:buAutoNum type="arabicPeriod"/>
-            </a:pPr>
-            <a:r>
-              <a:rPr lang="en-US" dirty="0"/>
-              <a:t>Flatten layer</a:t>
-            </a:r>
-          </a:p>
-          <a:p>
-            <a:pPr marL="1257300" lvl="2" indent="-342900">
-              <a:buFont typeface="+mj-lt"/>
-              <a:buAutoNum type="arabicPeriod"/>
-            </a:pPr>
-            <a:r>
-              <a:rPr lang="en-US" dirty="0"/>
-              <a:t>Other stuff (hidden, dropouts, </a:t>
-            </a:r>
-            <a:r>
-              <a:rPr lang="en-US" dirty="0" err="1"/>
-              <a:t>etc</a:t>
-            </a:r>
-            <a:r>
-              <a:rPr lang="en-US" dirty="0"/>
-              <a:t>… If needed)</a:t>
-            </a:r>
-          </a:p>
-          <a:p>
-            <a:pPr marL="1257300" lvl="2" indent="-342900">
-              <a:buFont typeface="+mj-lt"/>
-              <a:buAutoNum type="arabicPeriod"/>
-            </a:pPr>
-            <a:r>
-              <a:rPr lang="en-US" dirty="0"/>
-              <a:t>Output layer</a:t>
-            </a:r>
-          </a:p>
-        </p:txBody>
-      </p:sp>
-    </p:spTree>
-    <p:extLst>
-      <p:ext uri="{BB962C8B-B14F-4D97-AF65-F5344CB8AC3E}">
-        <p14:creationId xmlns:p14="http://schemas.microsoft.com/office/powerpoint/2010/main" val="1467885215"/>
-      </p:ext>
-    </p:extLst>
-  </p:cSld>
-  <p:clrMapOvr>
-    <a:masterClrMapping/>
-  </p:clrMapOvr>
-</p:sld>
-</file>
-
-<file path=ppt/slides/slide29.xml><?xml version="1.0" encoding="utf-8"?>
-<p:sld xmlns:a="http://schemas.openxmlformats.org/drawingml/2006/main" xmlns:r="http://schemas.openxmlformats.org/officeDocument/2006/relationships" xmlns:p="http://schemas.openxmlformats.org/presentationml/2006/main">
-  <p:cSld>
-    <p:spTree>
-      <p:nvGrpSpPr>
-        <p:cNvPr id="1" name=""/>
-        <p:cNvGrpSpPr/>
-        <p:nvPr/>
-      </p:nvGrpSpPr>
-      <p:grpSpPr>
-        <a:xfrm>
-          <a:off x="0" y="0"/>
-          <a:ext cx="0" cy="0"/>
-          <a:chOff x="0" y="0"/>
-          <a:chExt cx="0" cy="0"/>
-        </a:xfrm>
-      </p:grpSpPr>
-      <p:sp>
-        <p:nvSpPr>
-          <p:cNvPr id="2" name="Title 1">
-            <a:extLst>
-              <a:ext uri="{FF2B5EF4-FFF2-40B4-BE49-F238E27FC236}">
-                <a16:creationId xmlns:a16="http://schemas.microsoft.com/office/drawing/2014/main" id="{4DABF1C1-41FC-2E40-A08D-984A261CE072}"/>
-              </a:ext>
-            </a:extLst>
-          </p:cNvPr>
-          <p:cNvSpPr>
-            <a:spLocks noGrp="1"/>
-          </p:cNvSpPr>
-          <p:nvPr>
-            <p:ph type="title"/>
-          </p:nvPr>
-        </p:nvSpPr>
-        <p:spPr/>
-        <p:txBody>
-          <a:bodyPr/>
-          <a:lstStyle/>
-          <a:p>
-            <a:r>
-              <a:rPr lang="en-US" dirty="0"/>
-              <a:t>Padding</a:t>
-            </a:r>
-          </a:p>
-        </p:txBody>
-      </p:sp>
-      <p:sp>
-        <p:nvSpPr>
-          <p:cNvPr id="3" name="Content Placeholder 2">
-            <a:extLst>
-              <a:ext uri="{FF2B5EF4-FFF2-40B4-BE49-F238E27FC236}">
-                <a16:creationId xmlns:a16="http://schemas.microsoft.com/office/drawing/2014/main" id="{D335DCCD-D9B8-EA42-94E9-4CBCFA0D777F}"/>
-              </a:ext>
-            </a:extLst>
-          </p:cNvPr>
-          <p:cNvSpPr>
-            <a:spLocks noGrp="1"/>
-          </p:cNvSpPr>
-          <p:nvPr>
-            <p:ph idx="1"/>
-          </p:nvPr>
-        </p:nvSpPr>
-        <p:spPr>
-          <a:xfrm>
-            <a:off x="903249" y="1853755"/>
-            <a:ext cx="10549053" cy="2398932"/>
-          </a:xfrm>
-        </p:spPr>
-        <p:txBody>
-          <a:bodyPr/>
-          <a:lstStyle/>
-          <a:p>
-            <a:r>
-              <a:rPr lang="en-US" dirty="0"/>
-              <a:t>Padding determines what happens at the edge of an image.</a:t>
-            </a:r>
-          </a:p>
-          <a:p>
-            <a:r>
-              <a:rPr lang="en-US" dirty="0"/>
-              <a:t>The filter window can either:</a:t>
-            </a:r>
-          </a:p>
-          <a:p>
-            <a:pPr lvl="1"/>
-            <a:r>
-              <a:rPr lang="en-US" dirty="0"/>
-              <a:t>Stop at the edge. Reduces dimension. Valid padding.</a:t>
-            </a:r>
-          </a:p>
-          <a:p>
-            <a:pPr lvl="1"/>
-            <a:r>
-              <a:rPr lang="en-US" dirty="0"/>
-              <a:t>Go over the edge, filling in a border of 0s. Maintaining dimension. Same padding. </a:t>
-            </a:r>
-          </a:p>
-          <a:p>
-            <a:r>
-              <a:rPr lang="en-US" dirty="0"/>
-              <a:t>Padding does what we’d expect, better maintains information in the corners. (Border effects).</a:t>
-            </a:r>
-          </a:p>
-        </p:txBody>
-      </p:sp>
-      <p:pic>
-        <p:nvPicPr>
-          <p:cNvPr id="1026" name="Picture 2">
-            <a:extLst>
-              <a:ext uri="{FF2B5EF4-FFF2-40B4-BE49-F238E27FC236}">
-                <a16:creationId xmlns:a16="http://schemas.microsoft.com/office/drawing/2014/main" id="{C742A5F5-BEDF-3B40-973A-D9260A686487}"/>
-              </a:ext>
-            </a:extLst>
-          </p:cNvPr>
-          <p:cNvPicPr>
-            <a:picLocks noChangeAspect="1" noChangeArrowheads="1"/>
-          </p:cNvPicPr>
-          <p:nvPr/>
-        </p:nvPicPr>
-        <p:blipFill>
-          <a:blip r:embed="rId2">
-            <a:extLst>
-              <a:ext uri="{28A0092B-C50C-407E-A947-70E740481C1C}">
-                <a14:useLocalDpi xmlns:a14="http://schemas.microsoft.com/office/drawing/2010/main" val="0"/>
-              </a:ext>
-            </a:extLst>
-          </a:blip>
-          <a:srcRect/>
-          <a:stretch>
-            <a:fillRect/>
-          </a:stretch>
-        </p:blipFill>
-        <p:spPr bwMode="auto">
-          <a:xfrm>
-            <a:off x="3178629" y="4107838"/>
-            <a:ext cx="6229960" cy="2750162"/>
-          </a:xfrm>
-          <a:prstGeom prst="rect">
-            <a:avLst/>
-          </a:prstGeom>
-          <a:noFill/>
-          <a:extLst>
-            <a:ext uri="{909E8E84-426E-40DD-AFC4-6F175D3DCCD1}">
-              <a14:hiddenFill xmlns:a14="http://schemas.microsoft.com/office/drawing/2010/main">
-                <a:solidFill>
-                  <a:srgbClr val="FFFFFF"/>
-                </a:solidFill>
-              </a14:hiddenFill>
-            </a:ext>
-          </a:extLst>
-        </p:spPr>
-      </p:pic>
-    </p:spTree>
-    <p:extLst>
-      <p:ext uri="{BB962C8B-B14F-4D97-AF65-F5344CB8AC3E}">
-        <p14:creationId xmlns:p14="http://schemas.microsoft.com/office/powerpoint/2010/main" val="4121109973"/>
       </p:ext>
     </p:extLst>
   </p:cSld>
@@ -8203,7 +8082,7 @@
           <p:cNvPr id="2" name="Title 1">
             <a:extLst>
               <a:ext uri="{FF2B5EF4-FFF2-40B4-BE49-F238E27FC236}">
-                <a16:creationId xmlns:a16="http://schemas.microsoft.com/office/drawing/2014/main" id="{AAA6434D-F1B0-8241-A5E2-9406155B278C}"/>
+                <a16:creationId xmlns:a16="http://schemas.microsoft.com/office/drawing/2014/main" id="{FBA22446-0940-1C4C-A480-6DE6DD8AA8D8}"/>
               </a:ext>
             </a:extLst>
           </p:cNvPr>
@@ -8221,7 +8100,7 @@
           <a:p>
             <a:r>
               <a:rPr lang="en-US" dirty="0"/>
-              <a:t>Batch Normalization</a:t>
+              <a:t>CNN Back end</a:t>
             </a:r>
           </a:p>
         </p:txBody>
@@ -8231,7 +8110,7 @@
           <p:cNvPr id="3" name="Content Placeholder 2">
             <a:extLst>
               <a:ext uri="{FF2B5EF4-FFF2-40B4-BE49-F238E27FC236}">
-                <a16:creationId xmlns:a16="http://schemas.microsoft.com/office/drawing/2014/main" id="{095ABC4B-532E-B641-9900-2BD7C61B478F}"/>
+                <a16:creationId xmlns:a16="http://schemas.microsoft.com/office/drawing/2014/main" id="{CE71FEB7-076F-EC41-9C59-8B5255F9E235}"/>
               </a:ext>
             </a:extLst>
           </p:cNvPr>
@@ -8245,22 +8124,118 @@
         <p:spPr>
           <a:xfrm>
             <a:off x="1451579" y="1853754"/>
-            <a:ext cx="9603275" cy="3612591"/>
+            <a:ext cx="9603275" cy="4199727"/>
           </a:xfrm>
         </p:spPr>
         <p:txBody>
-          <a:bodyPr/>
-          <a:lstStyle/>
-          <a:p>
-            <a:r>
-              <a:rPr lang="en-US" dirty="0"/>
-              <a:t>Batch normalization is a common step used in CNNs. </a:t>
-            </a:r>
-          </a:p>
-          <a:p>
-            <a:r>
-              <a:rPr lang="en-US" dirty="0"/>
-              <a:t>Standardizes the data between layer and activation. </a:t>
+          <a:bodyPr>
+            <a:normAutofit lnSpcReduction="10000"/>
+          </a:bodyPr>
+          <a:lstStyle/>
+          <a:p>
+            <a:r>
+              <a:rPr lang="en-US" dirty="0"/>
+              <a:t>After the convolutional parts of a CNN have extracted features, it is time to predict. </a:t>
+            </a:r>
+          </a:p>
+          <a:p>
+            <a:r>
+              <a:rPr lang="en-US" dirty="0"/>
+              <a:t>We flatten the data down and use a normal dense network at the end. </a:t>
+            </a:r>
+          </a:p>
+          <a:p>
+            <a:r>
+              <a:rPr lang="en-US" dirty="0"/>
+              <a:t>Overall structure:</a:t>
+            </a:r>
+          </a:p>
+          <a:p>
+            <a:pPr marL="800100" lvl="1" indent="-342900">
+              <a:buFont typeface="+mj-lt"/>
+              <a:buAutoNum type="arabicPeriod"/>
+            </a:pPr>
+            <a:r>
+              <a:rPr lang="en-US" dirty="0"/>
+              <a:t>CONVOLUTIONAL STUFF</a:t>
+            </a:r>
+          </a:p>
+          <a:p>
+            <a:pPr marL="1257300" lvl="2" indent="-342900">
+              <a:buFont typeface="+mj-lt"/>
+              <a:buAutoNum type="arabicPeriod"/>
+            </a:pPr>
+            <a:r>
+              <a:rPr lang="en-US" dirty="0"/>
+              <a:t>Convolutional layer</a:t>
+            </a:r>
+          </a:p>
+          <a:p>
+            <a:pPr marL="1257300" lvl="2" indent="-342900">
+              <a:buFont typeface="+mj-lt"/>
+              <a:buAutoNum type="arabicPeriod"/>
+            </a:pPr>
+            <a:r>
+              <a:rPr lang="en-US" dirty="0"/>
+              <a:t>Pooling layer</a:t>
+            </a:r>
+          </a:p>
+          <a:p>
+            <a:pPr marL="1257300" lvl="2" indent="-342900">
+              <a:buFont typeface="+mj-lt"/>
+              <a:buAutoNum type="arabicPeriod"/>
+            </a:pPr>
+            <a:r>
+              <a:rPr lang="en-US" dirty="0"/>
+              <a:t>Repeat</a:t>
+            </a:r>
+          </a:p>
+          <a:p>
+            <a:pPr marL="800100" lvl="1" indent="-342900">
+              <a:buFont typeface="+mj-lt"/>
+              <a:buAutoNum type="arabicPeriod"/>
+            </a:pPr>
+            <a:r>
+              <a:rPr lang="en-US" dirty="0"/>
+              <a:t>DENSE NETWORK</a:t>
+            </a:r>
+          </a:p>
+          <a:p>
+            <a:pPr marL="1257300" lvl="2" indent="-342900">
+              <a:buFont typeface="+mj-lt"/>
+              <a:buAutoNum type="arabicPeriod"/>
+            </a:pPr>
+            <a:r>
+              <a:rPr lang="en-US" dirty="0"/>
+              <a:t>Flatten layer</a:t>
+            </a:r>
+          </a:p>
+          <a:p>
+            <a:pPr marL="1257300" lvl="2" indent="-342900">
+              <a:buFont typeface="+mj-lt"/>
+              <a:buAutoNum type="arabicPeriod"/>
+            </a:pPr>
+            <a:r>
+              <a:rPr lang="en-US" dirty="0"/>
+              <a:t>Other stuff (hidden, dropouts, </a:t>
+            </a:r>
+            <a:r>
+              <a:rPr lang="en-US" dirty="0" err="1"/>
+              <a:t>etc</a:t>
+            </a:r>
+            <a:r>
+              <a:rPr lang="en-US" dirty="0"/>
+              <a:t>… If needed)</a:t>
+            </a:r>
+          </a:p>
+          <a:p>
+            <a:pPr marL="1257300" lvl="2" indent="-342900">
+              <a:buFont typeface="+mj-lt"/>
+              <a:buAutoNum type="arabicPeriod"/>
+            </a:pPr>
+            <a:r>
+              <a:rPr lang="en-US" dirty="0"/>
+              <a:t>Output layer</a:t>
             </a:r>
           </a:p>
         </p:txBody>
@@ -8268,7 +8243,7 @@
     </p:spTree>
     <p:extLst>
       <p:ext uri="{BB962C8B-B14F-4D97-AF65-F5344CB8AC3E}">
-        <p14:creationId xmlns:p14="http://schemas.microsoft.com/office/powerpoint/2010/main" val="2557233317"/>
+        <p14:creationId xmlns:p14="http://schemas.microsoft.com/office/powerpoint/2010/main" val="1467885215"/>
       </p:ext>
     </p:extLst>
   </p:cSld>
@@ -8300,6 +8275,267 @@
           <p:cNvPr id="2" name="Title 1">
             <a:extLst>
               <a:ext uri="{FF2B5EF4-FFF2-40B4-BE49-F238E27FC236}">
+                <a16:creationId xmlns:a16="http://schemas.microsoft.com/office/drawing/2014/main" id="{4DABF1C1-41FC-2E40-A08D-984A261CE072}"/>
+              </a:ext>
+            </a:extLst>
+          </p:cNvPr>
+          <p:cNvSpPr>
+            <a:spLocks noGrp="1"/>
+          </p:cNvSpPr>
+          <p:nvPr>
+            <p:ph type="title"/>
+          </p:nvPr>
+        </p:nvSpPr>
+        <p:spPr/>
+        <p:txBody>
+          <a:bodyPr/>
+          <a:lstStyle/>
+          <a:p>
+            <a:r>
+              <a:rPr lang="en-US" dirty="0"/>
+              <a:t>Padding</a:t>
+            </a:r>
+          </a:p>
+        </p:txBody>
+      </p:sp>
+      <p:sp>
+        <p:nvSpPr>
+          <p:cNvPr id="3" name="Content Placeholder 2">
+            <a:extLst>
+              <a:ext uri="{FF2B5EF4-FFF2-40B4-BE49-F238E27FC236}">
+                <a16:creationId xmlns:a16="http://schemas.microsoft.com/office/drawing/2014/main" id="{D335DCCD-D9B8-EA42-94E9-4CBCFA0D777F}"/>
+              </a:ext>
+            </a:extLst>
+          </p:cNvPr>
+          <p:cNvSpPr>
+            <a:spLocks noGrp="1"/>
+          </p:cNvSpPr>
+          <p:nvPr>
+            <p:ph idx="1"/>
+          </p:nvPr>
+        </p:nvSpPr>
+        <p:spPr>
+          <a:xfrm>
+            <a:off x="903249" y="1853755"/>
+            <a:ext cx="10549053" cy="2398932"/>
+          </a:xfrm>
+        </p:spPr>
+        <p:txBody>
+          <a:bodyPr/>
+          <a:lstStyle/>
+          <a:p>
+            <a:r>
+              <a:rPr lang="en-US" dirty="0"/>
+              <a:t>Padding determines what happens at the edge of an image.</a:t>
+            </a:r>
+          </a:p>
+          <a:p>
+            <a:r>
+              <a:rPr lang="en-US" dirty="0"/>
+              <a:t>The filter window can either:</a:t>
+            </a:r>
+          </a:p>
+          <a:p>
+            <a:pPr lvl="1"/>
+            <a:r>
+              <a:rPr lang="en-US" dirty="0"/>
+              <a:t>Stop at the edge. Reduces dimension. Valid padding.</a:t>
+            </a:r>
+          </a:p>
+          <a:p>
+            <a:pPr lvl="1"/>
+            <a:r>
+              <a:rPr lang="en-US" dirty="0"/>
+              <a:t>Go over the edge, filling in a border of 0s. Maintaining dimension. Same padding. </a:t>
+            </a:r>
+          </a:p>
+          <a:p>
+            <a:r>
+              <a:rPr lang="en-US" dirty="0"/>
+              <a:t>Padding does what we’d expect, better maintains information in the corners. (Border effects).</a:t>
+            </a:r>
+          </a:p>
+        </p:txBody>
+      </p:sp>
+      <p:pic>
+        <p:nvPicPr>
+          <p:cNvPr id="1026" name="Picture 2">
+            <a:extLst>
+              <a:ext uri="{FF2B5EF4-FFF2-40B4-BE49-F238E27FC236}">
+                <a16:creationId xmlns:a16="http://schemas.microsoft.com/office/drawing/2014/main" id="{C742A5F5-BEDF-3B40-973A-D9260A686487}"/>
+              </a:ext>
+            </a:extLst>
+          </p:cNvPr>
+          <p:cNvPicPr>
+            <a:picLocks noChangeAspect="1" noChangeArrowheads="1"/>
+          </p:cNvPicPr>
+          <p:nvPr/>
+        </p:nvPicPr>
+        <p:blipFill>
+          <a:blip r:embed="rId2">
+            <a:extLst>
+              <a:ext uri="{28A0092B-C50C-407E-A947-70E740481C1C}">
+                <a14:useLocalDpi xmlns:a14="http://schemas.microsoft.com/office/drawing/2010/main" val="0"/>
+              </a:ext>
+            </a:extLst>
+          </a:blip>
+          <a:srcRect/>
+          <a:stretch>
+            <a:fillRect/>
+          </a:stretch>
+        </p:blipFill>
+        <p:spPr bwMode="auto">
+          <a:xfrm>
+            <a:off x="3178629" y="4107838"/>
+            <a:ext cx="6229960" cy="2750162"/>
+          </a:xfrm>
+          <a:prstGeom prst="rect">
+            <a:avLst/>
+          </a:prstGeom>
+          <a:noFill/>
+          <a:extLst>
+            <a:ext uri="{909E8E84-426E-40DD-AFC4-6F175D3DCCD1}">
+              <a14:hiddenFill xmlns:a14="http://schemas.microsoft.com/office/drawing/2010/main">
+                <a:solidFill>
+                  <a:srgbClr val="FFFFFF"/>
+                </a:solidFill>
+              </a14:hiddenFill>
+            </a:ext>
+          </a:extLst>
+        </p:spPr>
+      </p:pic>
+    </p:spTree>
+    <p:extLst>
+      <p:ext uri="{BB962C8B-B14F-4D97-AF65-F5344CB8AC3E}">
+        <p14:creationId xmlns:p14="http://schemas.microsoft.com/office/powerpoint/2010/main" val="4121109973"/>
+      </p:ext>
+    </p:extLst>
+  </p:cSld>
+  <p:clrMapOvr>
+    <a:masterClrMapping/>
+  </p:clrMapOvr>
+</p:sld>
+</file>
+
+<file path=ppt/slides/slide32.xml><?xml version="1.0" encoding="utf-8"?>
+<p:sld xmlns:a="http://schemas.openxmlformats.org/drawingml/2006/main" xmlns:r="http://schemas.openxmlformats.org/officeDocument/2006/relationships" xmlns:p="http://schemas.openxmlformats.org/presentationml/2006/main">
+  <p:cSld>
+    <p:spTree>
+      <p:nvGrpSpPr>
+        <p:cNvPr id="1" name=""/>
+        <p:cNvGrpSpPr/>
+        <p:nvPr/>
+      </p:nvGrpSpPr>
+      <p:grpSpPr>
+        <a:xfrm>
+          <a:off x="0" y="0"/>
+          <a:ext cx="0" cy="0"/>
+          <a:chOff x="0" y="0"/>
+          <a:chExt cx="0" cy="0"/>
+        </a:xfrm>
+      </p:grpSpPr>
+      <p:sp>
+        <p:nvSpPr>
+          <p:cNvPr id="2" name="Title 1">
+            <a:extLst>
+              <a:ext uri="{FF2B5EF4-FFF2-40B4-BE49-F238E27FC236}">
+                <a16:creationId xmlns:a16="http://schemas.microsoft.com/office/drawing/2014/main" id="{AAA6434D-F1B0-8241-A5E2-9406155B278C}"/>
+              </a:ext>
+            </a:extLst>
+          </p:cNvPr>
+          <p:cNvSpPr>
+            <a:spLocks noGrp="1"/>
+          </p:cNvSpPr>
+          <p:nvPr>
+            <p:ph type="title"/>
+          </p:nvPr>
+        </p:nvSpPr>
+        <p:spPr/>
+        <p:txBody>
+          <a:bodyPr/>
+          <a:lstStyle/>
+          <a:p>
+            <a:r>
+              <a:rPr lang="en-US" dirty="0"/>
+              <a:t>Batch Normalization</a:t>
+            </a:r>
+          </a:p>
+        </p:txBody>
+      </p:sp>
+      <p:sp>
+        <p:nvSpPr>
+          <p:cNvPr id="3" name="Content Placeholder 2">
+            <a:extLst>
+              <a:ext uri="{FF2B5EF4-FFF2-40B4-BE49-F238E27FC236}">
+                <a16:creationId xmlns:a16="http://schemas.microsoft.com/office/drawing/2014/main" id="{095ABC4B-532E-B641-9900-2BD7C61B478F}"/>
+              </a:ext>
+            </a:extLst>
+          </p:cNvPr>
+          <p:cNvSpPr>
+            <a:spLocks noGrp="1"/>
+          </p:cNvSpPr>
+          <p:nvPr>
+            <p:ph idx="1"/>
+          </p:nvPr>
+        </p:nvSpPr>
+        <p:spPr>
+          <a:xfrm>
+            <a:off x="1451579" y="1853754"/>
+            <a:ext cx="9603275" cy="3612591"/>
+          </a:xfrm>
+        </p:spPr>
+        <p:txBody>
+          <a:bodyPr/>
+          <a:lstStyle/>
+          <a:p>
+            <a:r>
+              <a:rPr lang="en-US" dirty="0"/>
+              <a:t>Batch normalization is a common step used in CNNs. </a:t>
+            </a:r>
+          </a:p>
+          <a:p>
+            <a:r>
+              <a:rPr lang="en-US" dirty="0"/>
+              <a:t>Standardizes the data between layers. </a:t>
+            </a:r>
+          </a:p>
+        </p:txBody>
+      </p:sp>
+    </p:spTree>
+    <p:extLst>
+      <p:ext uri="{BB962C8B-B14F-4D97-AF65-F5344CB8AC3E}">
+        <p14:creationId xmlns:p14="http://schemas.microsoft.com/office/powerpoint/2010/main" val="2557233317"/>
+      </p:ext>
+    </p:extLst>
+  </p:cSld>
+  <p:clrMapOvr>
+    <a:masterClrMapping/>
+  </p:clrMapOvr>
+</p:sld>
+</file>
+
+<file path=ppt/slides/slide33.xml><?xml version="1.0" encoding="utf-8"?>
+<p:sld xmlns:a="http://schemas.openxmlformats.org/drawingml/2006/main" xmlns:r="http://schemas.openxmlformats.org/officeDocument/2006/relationships" xmlns:p="http://schemas.openxmlformats.org/presentationml/2006/main">
+  <p:cSld>
+    <p:spTree>
+      <p:nvGrpSpPr>
+        <p:cNvPr id="1" name=""/>
+        <p:cNvGrpSpPr/>
+        <p:nvPr/>
+      </p:nvGrpSpPr>
+      <p:grpSpPr>
+        <a:xfrm>
+          <a:off x="0" y="0"/>
+          <a:ext cx="0" cy="0"/>
+          <a:chOff x="0" y="0"/>
+          <a:chExt cx="0" cy="0"/>
+        </a:xfrm>
+      </p:grpSpPr>
+      <p:sp>
+        <p:nvSpPr>
+          <p:cNvPr id="2" name="Title 1">
+            <a:extLst>
+              <a:ext uri="{FF2B5EF4-FFF2-40B4-BE49-F238E27FC236}">
                 <a16:creationId xmlns:a16="http://schemas.microsoft.com/office/drawing/2014/main" id="{03771A9C-C120-464F-975D-15A7A52C9BBE}"/>
               </a:ext>
             </a:extLst>
@@ -8368,6 +8604,53 @@
           </a:p>
         </p:txBody>
       </p:sp>
+      <p:pic>
+        <p:nvPicPr>
+          <p:cNvPr id="3074" name="Picture 2" descr="3-layer CNN architecture composed by two layers of convolutional and... |  Download Scientific Diagram">
+            <a:extLst>
+              <a:ext uri="{FF2B5EF4-FFF2-40B4-BE49-F238E27FC236}">
+                <a16:creationId xmlns:a16="http://schemas.microsoft.com/office/drawing/2014/main" id="{CD4D371D-FF4B-E31C-6A40-730FB44CAC08}"/>
+              </a:ext>
+            </a:extLst>
+          </p:cNvPr>
+          <p:cNvPicPr>
+            <a:picLocks noChangeAspect="1" noChangeArrowheads="1"/>
+          </p:cNvPicPr>
+          <p:nvPr/>
+        </p:nvPicPr>
+        <p:blipFill>
+          <a:blip r:embed="rId2">
+            <a:extLst>
+              <a:ext uri="{28A0092B-C50C-407E-A947-70E740481C1C}">
+                <a14:useLocalDpi xmlns:a14="http://schemas.microsoft.com/office/drawing/2010/main" val="0"/>
+              </a:ext>
+            </a:extLst>
+          </a:blip>
+          <a:srcRect/>
+          <a:stretch>
+            <a:fillRect/>
+          </a:stretch>
+        </p:blipFill>
+        <p:spPr bwMode="auto">
+          <a:xfrm>
+            <a:off x="698500" y="3238500"/>
+            <a:ext cx="10795000" cy="3619500"/>
+          </a:xfrm>
+          <a:prstGeom prst="rect">
+            <a:avLst/>
+          </a:prstGeom>
+          <a:noFill/>
+          <a:extLst>
+            <a:ext uri="{909E8E84-426E-40DD-AFC4-6F175D3DCCD1}">
+              <a14:hiddenFill xmlns:a14="http://schemas.microsoft.com/office/drawing/2010/main">
+                <a:solidFill>
+                  <a:srgbClr val="FFFFFF"/>
+                </a:solidFill>
+              </a14:hiddenFill>
+            </a:ext>
+          </a:extLst>
+        </p:spPr>
+      </p:pic>
     </p:spTree>
     <p:extLst>
       <p:ext uri="{BB962C8B-B14F-4D97-AF65-F5344CB8AC3E}">
@@ -8381,7 +8664,7 @@
 </p:sld>
 </file>
 
-<file path=ppt/slides/slide32.xml><?xml version="1.0" encoding="utf-8"?>
+<file path=ppt/slides/slide34.xml><?xml version="1.0" encoding="utf-8"?>
 <p:sld xmlns:a="http://schemas.openxmlformats.org/drawingml/2006/main" xmlns:r="http://schemas.openxmlformats.org/officeDocument/2006/relationships" xmlns:p="http://schemas.openxmlformats.org/presentationml/2006/main">
   <p:cSld>
     <p:spTree>
@@ -8545,136 +8828,7 @@
 </p:sld>
 </file>
 
-<file path=ppt/slides/slide33.xml><?xml version="1.0" encoding="utf-8"?>
-<p:sld xmlns:a="http://schemas.openxmlformats.org/drawingml/2006/main" xmlns:r="http://schemas.openxmlformats.org/officeDocument/2006/relationships" xmlns:p="http://schemas.openxmlformats.org/presentationml/2006/main">
-  <p:cSld>
-    <p:spTree>
-      <p:nvGrpSpPr>
-        <p:cNvPr id="1" name=""/>
-        <p:cNvGrpSpPr/>
-        <p:nvPr/>
-      </p:nvGrpSpPr>
-      <p:grpSpPr>
-        <a:xfrm>
-          <a:off x="0" y="0"/>
-          <a:ext cx="0" cy="0"/>
-          <a:chOff x="0" y="0"/>
-          <a:chExt cx="0" cy="0"/>
-        </a:xfrm>
-      </p:grpSpPr>
-      <p:sp>
-        <p:nvSpPr>
-          <p:cNvPr id="2" name="Title 1">
-            <a:extLst>
-              <a:ext uri="{FF2B5EF4-FFF2-40B4-BE49-F238E27FC236}">
-                <a16:creationId xmlns:a16="http://schemas.microsoft.com/office/drawing/2014/main" id="{1EE9A41D-4AB8-0B49-B199-5B443679EE12}"/>
-              </a:ext>
-            </a:extLst>
-          </p:cNvPr>
-          <p:cNvSpPr>
-            <a:spLocks noGrp="1"/>
-          </p:cNvSpPr>
-          <p:nvPr>
-            <p:ph type="title"/>
-          </p:nvPr>
-        </p:nvSpPr>
-        <p:spPr/>
-        <p:txBody>
-          <a:bodyPr/>
-          <a:lstStyle/>
-          <a:p>
-            <a:r>
-              <a:rPr lang="en-US" dirty="0"/>
-              <a:t>Pretrained Models and Transferred Learning</a:t>
-            </a:r>
-          </a:p>
-        </p:txBody>
-      </p:sp>
-      <p:sp>
-        <p:nvSpPr>
-          <p:cNvPr id="3" name="Content Placeholder 2">
-            <a:extLst>
-              <a:ext uri="{FF2B5EF4-FFF2-40B4-BE49-F238E27FC236}">
-                <a16:creationId xmlns:a16="http://schemas.microsoft.com/office/drawing/2014/main" id="{A4CB7E67-D909-E34E-BA22-3CC2E29D9AB4}"/>
-              </a:ext>
-            </a:extLst>
-          </p:cNvPr>
-          <p:cNvSpPr>
-            <a:spLocks noGrp="1"/>
-          </p:cNvSpPr>
-          <p:nvPr>
-            <p:ph idx="1"/>
-          </p:nvPr>
-        </p:nvSpPr>
-        <p:spPr>
-          <a:xfrm>
-            <a:off x="1451579" y="1853754"/>
-            <a:ext cx="9603275" cy="3612591"/>
-          </a:xfrm>
-        </p:spPr>
-        <p:txBody>
-          <a:bodyPr/>
-          <a:lstStyle/>
-          <a:p>
-            <a:r>
-              <a:rPr lang="en-US" dirty="0"/>
-              <a:t>On common practice with images is to use a pretrained model. </a:t>
-            </a:r>
-          </a:p>
-          <a:p>
-            <a:pPr lvl="1"/>
-            <a:r>
-              <a:rPr lang="en-US" dirty="0"/>
-              <a:t>Images are large, datasets can be huge, processing </a:t>
-            </a:r>
-            <a:r>
-              <a:rPr lang="en-US"/>
-              <a:t>is demanding. </a:t>
-            </a:r>
-            <a:endParaRPr lang="en-US" dirty="0"/>
-          </a:p>
-          <a:p>
-            <a:r>
-              <a:rPr lang="en-US" dirty="0"/>
-              <a:t>Common filtering is built in, since it has been trained with a lot of data. </a:t>
-            </a:r>
-          </a:p>
-          <a:p>
-            <a:pPr lvl="1"/>
-            <a:r>
-              <a:rPr lang="en-US" dirty="0"/>
-              <a:t>E.g. for navigation edge detection is very important. Edges are a common feature that is extracted with image processing. </a:t>
-            </a:r>
-          </a:p>
-          <a:p>
-            <a:r>
-              <a:rPr lang="en-US" dirty="0"/>
-              <a:t>Since features are common across images in general, not just ours, we can borrow that learning!</a:t>
-            </a:r>
-          </a:p>
-          <a:p>
-            <a:pPr lvl="1"/>
-            <a:r>
-              <a:rPr lang="en-US" dirty="0"/>
-              <a:t>We’ll look at this more in ~2 weeks</a:t>
-            </a:r>
-          </a:p>
-        </p:txBody>
-      </p:sp>
-    </p:spTree>
-    <p:extLst>
-      <p:ext uri="{BB962C8B-B14F-4D97-AF65-F5344CB8AC3E}">
-        <p14:creationId xmlns:p14="http://schemas.microsoft.com/office/powerpoint/2010/main" val="3092961842"/>
-      </p:ext>
-    </p:extLst>
-  </p:cSld>
-  <p:clrMapOvr>
-    <a:masterClrMapping/>
-  </p:clrMapOvr>
-</p:sld>
-</file>
-
-<file path=ppt/slides/slide34.xml><?xml version="1.0" encoding="utf-8"?>
+<file path=ppt/slides/slide35.xml><?xml version="1.0" encoding="utf-8"?>
 <p:sld xmlns:a="http://schemas.openxmlformats.org/drawingml/2006/main" xmlns:r="http://schemas.openxmlformats.org/officeDocument/2006/relationships" xmlns:p="http://schemas.openxmlformats.org/presentationml/2006/main">
   <p:cSld>
     <p:spTree>
@@ -8792,6 +8946,412 @@
     <p:extLst>
       <p:ext uri="{BB962C8B-B14F-4D97-AF65-F5344CB8AC3E}">
         <p14:creationId xmlns:p14="http://schemas.microsoft.com/office/powerpoint/2010/main" val="1438773404"/>
+      </p:ext>
+    </p:extLst>
+  </p:cSld>
+  <p:clrMapOvr>
+    <a:masterClrMapping/>
+  </p:clrMapOvr>
+</p:sld>
+</file>
+
+<file path=ppt/slides/slide36.xml><?xml version="1.0" encoding="utf-8"?>
+<p:sld xmlns:a="http://schemas.openxmlformats.org/drawingml/2006/main" xmlns:r="http://schemas.openxmlformats.org/officeDocument/2006/relationships" xmlns:p="http://schemas.openxmlformats.org/presentationml/2006/main">
+  <p:cSld>
+    <p:spTree>
+      <p:nvGrpSpPr>
+        <p:cNvPr id="1" name=""/>
+        <p:cNvGrpSpPr/>
+        <p:nvPr/>
+      </p:nvGrpSpPr>
+      <p:grpSpPr>
+        <a:xfrm>
+          <a:off x="0" y="0"/>
+          <a:ext cx="0" cy="0"/>
+          <a:chOff x="0" y="0"/>
+          <a:chExt cx="0" cy="0"/>
+        </a:xfrm>
+      </p:grpSpPr>
+      <p:sp>
+        <p:nvSpPr>
+          <p:cNvPr id="2" name="Title 1">
+            <a:extLst>
+              <a:ext uri="{FF2B5EF4-FFF2-40B4-BE49-F238E27FC236}">
+                <a16:creationId xmlns:a16="http://schemas.microsoft.com/office/drawing/2014/main" id="{6A35BF75-C4DD-9387-C15E-D97B5830129C}"/>
+              </a:ext>
+            </a:extLst>
+          </p:cNvPr>
+          <p:cNvSpPr>
+            <a:spLocks noGrp="1"/>
+          </p:cNvSpPr>
+          <p:nvPr>
+            <p:ph type="title"/>
+          </p:nvPr>
+        </p:nvSpPr>
+        <p:spPr/>
+        <p:txBody>
+          <a:bodyPr/>
+          <a:lstStyle/>
+          <a:p>
+            <a:r>
+              <a:rPr lang="en-US" dirty="0"/>
+              <a:t>Real Life CNNs</a:t>
+            </a:r>
+          </a:p>
+        </p:txBody>
+      </p:sp>
+      <p:sp>
+        <p:nvSpPr>
+          <p:cNvPr id="3" name="Content Placeholder 2">
+            <a:extLst>
+              <a:ext uri="{FF2B5EF4-FFF2-40B4-BE49-F238E27FC236}">
+                <a16:creationId xmlns:a16="http://schemas.microsoft.com/office/drawing/2014/main" id="{11377019-76B5-2A93-BF55-EFEEEEE4A903}"/>
+              </a:ext>
+            </a:extLst>
+          </p:cNvPr>
+          <p:cNvSpPr>
+            <a:spLocks noGrp="1"/>
+          </p:cNvSpPr>
+          <p:nvPr>
+            <p:ph idx="1"/>
+          </p:nvPr>
+        </p:nvSpPr>
+        <p:spPr>
+          <a:xfrm>
+            <a:off x="1451579" y="1853754"/>
+            <a:ext cx="9603275" cy="4199727"/>
+          </a:xfrm>
+        </p:spPr>
+        <p:txBody>
+          <a:bodyPr/>
+          <a:lstStyle/>
+          <a:p>
+            <a:r>
+              <a:rPr lang="en-US" dirty="0"/>
+              <a:t>CNN models are the way that image processing is done in most cases. </a:t>
+            </a:r>
+          </a:p>
+          <a:p>
+            <a:r>
+              <a:rPr lang="en-US" dirty="0"/>
+              <a:t>Modern image recognition models are very good, complex, and large. </a:t>
+            </a:r>
+          </a:p>
+          <a:p>
+            <a:pPr lvl="1"/>
+            <a:r>
+              <a:rPr lang="en-US" dirty="0"/>
+              <a:t>Typically far beyond what is possible to train on consumer equipment. </a:t>
+            </a:r>
+          </a:p>
+          <a:p>
+            <a:pPr lvl="1"/>
+            <a:r>
+              <a:rPr lang="en-US" dirty="0"/>
+              <a:t>Massive datasets are needed to train very large/complex models. </a:t>
+            </a:r>
+          </a:p>
+          <a:p>
+            <a:r>
+              <a:rPr lang="en-US" dirty="0"/>
+              <a:t>There are very few scenarios where training a model from scratch will win. </a:t>
+            </a:r>
+          </a:p>
+          <a:p>
+            <a:pPr lvl="1"/>
+            <a:r>
+              <a:rPr lang="en-US" dirty="0"/>
+              <a:t>Only if the image data is very specialized, and we have a lot of it. </a:t>
+            </a:r>
+          </a:p>
+          <a:p>
+            <a:r>
+              <a:rPr lang="en-US" dirty="0"/>
+              <a:t>We typically want to borrow and adjust a pretrained model if we want performance. </a:t>
+            </a:r>
+          </a:p>
+          <a:p>
+            <a:pPr lvl="1"/>
+            <a:r>
+              <a:rPr lang="en-US" dirty="0"/>
+              <a:t>The generalized parts of “seeing” are common enough to transfer between problems. </a:t>
+            </a:r>
+          </a:p>
+          <a:p>
+            <a:pPr lvl="1"/>
+            <a:r>
+              <a:rPr lang="en-US" dirty="0"/>
+              <a:t>We can repurpose the features found with convolution with our own classifier…</a:t>
+            </a:r>
+          </a:p>
+        </p:txBody>
+      </p:sp>
+    </p:spTree>
+    <p:extLst>
+      <p:ext uri="{BB962C8B-B14F-4D97-AF65-F5344CB8AC3E}">
+        <p14:creationId xmlns:p14="http://schemas.microsoft.com/office/powerpoint/2010/main" val="2077007063"/>
+      </p:ext>
+    </p:extLst>
+  </p:cSld>
+  <p:clrMapOvr>
+    <a:masterClrMapping/>
+  </p:clrMapOvr>
+</p:sld>
+</file>
+
+<file path=ppt/slides/slide37.xml><?xml version="1.0" encoding="utf-8"?>
+<p:sld xmlns:a="http://schemas.openxmlformats.org/drawingml/2006/main" xmlns:r="http://schemas.openxmlformats.org/officeDocument/2006/relationships" xmlns:p="http://schemas.openxmlformats.org/presentationml/2006/main">
+  <p:cSld>
+    <p:spTree>
+      <p:nvGrpSpPr>
+        <p:cNvPr id="1" name=""/>
+        <p:cNvGrpSpPr/>
+        <p:nvPr/>
+      </p:nvGrpSpPr>
+      <p:grpSpPr>
+        <a:xfrm>
+          <a:off x="0" y="0"/>
+          <a:ext cx="0" cy="0"/>
+          <a:chOff x="0" y="0"/>
+          <a:chExt cx="0" cy="0"/>
+        </a:xfrm>
+      </p:grpSpPr>
+      <p:sp>
+        <p:nvSpPr>
+          <p:cNvPr id="2" name="Title 1">
+            <a:extLst>
+              <a:ext uri="{FF2B5EF4-FFF2-40B4-BE49-F238E27FC236}">
+                <a16:creationId xmlns:a16="http://schemas.microsoft.com/office/drawing/2014/main" id="{1EE9A41D-4AB8-0B49-B199-5B443679EE12}"/>
+              </a:ext>
+            </a:extLst>
+          </p:cNvPr>
+          <p:cNvSpPr>
+            <a:spLocks noGrp="1"/>
+          </p:cNvSpPr>
+          <p:nvPr>
+            <p:ph type="title"/>
+          </p:nvPr>
+        </p:nvSpPr>
+        <p:spPr/>
+        <p:txBody>
+          <a:bodyPr/>
+          <a:lstStyle/>
+          <a:p>
+            <a:r>
+              <a:rPr lang="en-US" dirty="0"/>
+              <a:t>Pretrained Models and Transferred Learning</a:t>
+            </a:r>
+          </a:p>
+        </p:txBody>
+      </p:sp>
+      <p:sp>
+        <p:nvSpPr>
+          <p:cNvPr id="3" name="Content Placeholder 2">
+            <a:extLst>
+              <a:ext uri="{FF2B5EF4-FFF2-40B4-BE49-F238E27FC236}">
+                <a16:creationId xmlns:a16="http://schemas.microsoft.com/office/drawing/2014/main" id="{A4CB7E67-D909-E34E-BA22-3CC2E29D9AB4}"/>
+              </a:ext>
+            </a:extLst>
+          </p:cNvPr>
+          <p:cNvSpPr>
+            <a:spLocks noGrp="1"/>
+          </p:cNvSpPr>
+          <p:nvPr>
+            <p:ph idx="1"/>
+          </p:nvPr>
+        </p:nvSpPr>
+        <p:spPr>
+          <a:xfrm>
+            <a:off x="1451579" y="1853754"/>
+            <a:ext cx="9603275" cy="4052194"/>
+          </a:xfrm>
+        </p:spPr>
+        <p:txBody>
+          <a:bodyPr/>
+          <a:lstStyle/>
+          <a:p>
+            <a:r>
+              <a:rPr lang="en-US" dirty="0"/>
+              <a:t>On common practice with images is to use a pretrained model. </a:t>
+            </a:r>
+          </a:p>
+          <a:p>
+            <a:pPr lvl="1"/>
+            <a:r>
+              <a:rPr lang="en-US" dirty="0"/>
+              <a:t>Images are large, datasets can be huge, processing is demanding. </a:t>
+            </a:r>
+          </a:p>
+          <a:p>
+            <a:r>
+              <a:rPr lang="en-US" dirty="0"/>
+              <a:t>Common filtering is built in, since it has been trained with a lot of data. </a:t>
+            </a:r>
+          </a:p>
+          <a:p>
+            <a:pPr lvl="1"/>
+            <a:r>
+              <a:rPr lang="en-US" dirty="0"/>
+              <a:t>E.g. for navigation edge detection is very important. Edges are a common feature that is extracted with image processing. </a:t>
+            </a:r>
+          </a:p>
+          <a:p>
+            <a:pPr lvl="1"/>
+            <a:r>
+              <a:rPr lang="en-US" dirty="0"/>
+              <a:t>Since CNNs can find characteristics anywhere in an image, it is very transferable. </a:t>
+            </a:r>
+          </a:p>
+          <a:p>
+            <a:r>
+              <a:rPr lang="en-US" dirty="0"/>
+              <a:t>Since features are common across images in general, not just ours, we can borrow that learning!</a:t>
+            </a:r>
+          </a:p>
+          <a:p>
+            <a:pPr lvl="1"/>
+            <a:r>
+              <a:rPr lang="en-US" dirty="0"/>
+              <a:t>We’ll look at this more in ~2 weeks (2024 – time dependent). </a:t>
+            </a:r>
+          </a:p>
+        </p:txBody>
+      </p:sp>
+    </p:spTree>
+    <p:extLst>
+      <p:ext uri="{BB962C8B-B14F-4D97-AF65-F5344CB8AC3E}">
+        <p14:creationId xmlns:p14="http://schemas.microsoft.com/office/powerpoint/2010/main" val="3092961842"/>
+      </p:ext>
+    </p:extLst>
+  </p:cSld>
+  <p:clrMapOvr>
+    <a:masterClrMapping/>
+  </p:clrMapOvr>
+</p:sld>
+</file>
+
+<file path=ppt/slides/slide38.xml><?xml version="1.0" encoding="utf-8"?>
+<p:sld xmlns:a="http://schemas.openxmlformats.org/drawingml/2006/main" xmlns:r="http://schemas.openxmlformats.org/officeDocument/2006/relationships" xmlns:p="http://schemas.openxmlformats.org/presentationml/2006/main">
+  <p:cSld>
+    <p:spTree>
+      <p:nvGrpSpPr>
+        <p:cNvPr id="1" name=""/>
+        <p:cNvGrpSpPr/>
+        <p:nvPr/>
+      </p:nvGrpSpPr>
+      <p:grpSpPr>
+        <a:xfrm>
+          <a:off x="0" y="0"/>
+          <a:ext cx="0" cy="0"/>
+          <a:chOff x="0" y="0"/>
+          <a:chExt cx="0" cy="0"/>
+        </a:xfrm>
+      </p:grpSpPr>
+      <p:sp>
+        <p:nvSpPr>
+          <p:cNvPr id="2" name="Title 1">
+            <a:extLst>
+              <a:ext uri="{FF2B5EF4-FFF2-40B4-BE49-F238E27FC236}">
+                <a16:creationId xmlns:a16="http://schemas.microsoft.com/office/drawing/2014/main" id="{DE0F50EE-A141-804E-871E-227F4B7AC1A2}"/>
+              </a:ext>
+            </a:extLst>
+          </p:cNvPr>
+          <p:cNvSpPr>
+            <a:spLocks noGrp="1"/>
+          </p:cNvSpPr>
+          <p:nvPr>
+            <p:ph type="title"/>
+          </p:nvPr>
+        </p:nvSpPr>
+        <p:spPr/>
+        <p:txBody>
+          <a:bodyPr/>
+          <a:lstStyle/>
+          <a:p>
+            <a:r>
+              <a:rPr lang="en-US" dirty="0"/>
+              <a:t>CNNs and Images</a:t>
+            </a:r>
+          </a:p>
+        </p:txBody>
+      </p:sp>
+      <p:sp>
+        <p:nvSpPr>
+          <p:cNvPr id="3" name="Content Placeholder 2">
+            <a:extLst>
+              <a:ext uri="{FF2B5EF4-FFF2-40B4-BE49-F238E27FC236}">
+                <a16:creationId xmlns:a16="http://schemas.microsoft.com/office/drawing/2014/main" id="{C8F8079E-619A-CEEC-0FFD-2F52652352AE}"/>
+              </a:ext>
+            </a:extLst>
+          </p:cNvPr>
+          <p:cNvSpPr>
+            <a:spLocks noGrp="1"/>
+          </p:cNvSpPr>
+          <p:nvPr>
+            <p:ph idx="1"/>
+          </p:nvPr>
+        </p:nvSpPr>
+        <p:spPr>
+          <a:xfrm>
+            <a:off x="1451579" y="2015732"/>
+            <a:ext cx="9603275" cy="4037749"/>
+          </a:xfrm>
+        </p:spPr>
+        <p:txBody>
+          <a:bodyPr/>
+          <a:lstStyle/>
+          <a:p>
+            <a:r>
+              <a:rPr lang="en-US" dirty="0"/>
+              <a:t>Convolutional networks will generally perform better on image data. </a:t>
+            </a:r>
+          </a:p>
+          <a:p>
+            <a:pPr lvl="1"/>
+            <a:r>
+              <a:rPr lang="en-US" dirty="0"/>
+              <a:t>The spatial awareness of the convolutional layers are able to ‘see shapes’ in a far better suited way than a flattened model. </a:t>
+            </a:r>
+          </a:p>
+          <a:p>
+            <a:r>
+              <a:rPr lang="en-US" dirty="0"/>
+              <a:t>Convolutional networks often benefit from depth. </a:t>
+            </a:r>
+          </a:p>
+          <a:p>
+            <a:pPr lvl="1"/>
+            <a:r>
+              <a:rPr lang="en-US" dirty="0"/>
+              <a:t>Each layer extracts a different set of features from the data, pooling summarizes. </a:t>
+            </a:r>
+          </a:p>
+          <a:p>
+            <a:pPr lvl="1"/>
+            <a:r>
+              <a:rPr lang="en-US" dirty="0"/>
+              <a:t>Multiple representations allow for the network to identify components in an image. </a:t>
+            </a:r>
+          </a:p>
+          <a:p>
+            <a:r>
+              <a:rPr lang="en-US" dirty="0"/>
+              <a:t>Tuning is a more open-ended and larger challenge. </a:t>
+            </a:r>
+          </a:p>
+          <a:p>
+            <a:pPr lvl="1"/>
+            <a:r>
+              <a:rPr lang="en-US" dirty="0"/>
+              <a:t>Structure of the network can be far more variable. </a:t>
+            </a:r>
+          </a:p>
+        </p:txBody>
+      </p:sp>
+    </p:spTree>
+    <p:extLst>
+      <p:ext uri="{BB962C8B-B14F-4D97-AF65-F5344CB8AC3E}">
+        <p14:creationId xmlns:p14="http://schemas.microsoft.com/office/powerpoint/2010/main" val="2730494977"/>
       </p:ext>
     </p:extLst>
   </p:cSld>
